--- a/assignments/hw10/CompPhoto-GT-A10-Template.pptx
+++ b/assignments/hw10/CompPhoto-GT-A10-Template.pptx
@@ -1,29 +1,29 @@
 
 <file path=ppt/presentation.xml><?xml version="1.0" encoding="utf-8"?>
-<p:presentation xmlns:a="http://schemas.openxmlformats.org/drawingml/2006/main" xmlns:r="http://schemas.openxmlformats.org/officeDocument/2006/relationships" xmlns:mc="http://schemas.openxmlformats.org/markup-compatibility/2006" xmlns:mv="urn:schemas-microsoft-com:mac:vml" xmlns:p="http://schemas.openxmlformats.org/presentationml/2006/main" xmlns:c="http://schemas.openxmlformats.org/drawingml/2006/chart" xmlns:dgm="http://schemas.openxmlformats.org/drawingml/2006/diagram" xmlns:o="urn:schemas-microsoft-com:office:office" xmlns:v="urn:schemas-microsoft-com:vml" xmlns:pvml="urn:schemas-microsoft-com:office:powerpoint" xmlns:com="http://schemas.openxmlformats.org/drawingml/2006/compatibility" xmlns:p14="http://schemas.microsoft.com/office/powerpoint/2010/main" autoCompressPictures="0" strictFirstAndLastChars="0" saveSubsetFonts="1">
+<p:presentation xmlns:a="http://schemas.openxmlformats.org/drawingml/2006/main" xmlns:r="http://schemas.openxmlformats.org/officeDocument/2006/relationships" xmlns:p="http://schemas.openxmlformats.org/presentationml/2006/main" strictFirstAndLastChars="0" saveSubsetFonts="1" autoCompressPictures="0">
   <p:sldMasterIdLst>
-    <p:sldMasterId id="2147483654" r:id="rId4"/>
+    <p:sldMasterId id="2147483654" r:id="rId1"/>
   </p:sldMasterIdLst>
   <p:notesMasterIdLst>
-    <p:notesMasterId r:id="rId5"/>
+    <p:notesMasterId r:id="rId13"/>
   </p:notesMasterIdLst>
   <p:sldIdLst>
-    <p:sldId id="256" r:id="rId6"/>
-    <p:sldId id="257" r:id="rId7"/>
-    <p:sldId id="258" r:id="rId8"/>
-    <p:sldId id="259" r:id="rId9"/>
-    <p:sldId id="260" r:id="rId10"/>
-    <p:sldId id="261" r:id="rId11"/>
-    <p:sldId id="262" r:id="rId12"/>
-    <p:sldId id="263" r:id="rId13"/>
-    <p:sldId id="264" r:id="rId14"/>
-    <p:sldId id="265" r:id="rId15"/>
-    <p:sldId id="266" r:id="rId16"/>
+    <p:sldId id="256" r:id="rId2"/>
+    <p:sldId id="257" r:id="rId3"/>
+    <p:sldId id="258" r:id="rId4"/>
+    <p:sldId id="259" r:id="rId5"/>
+    <p:sldId id="260" r:id="rId6"/>
+    <p:sldId id="261" r:id="rId7"/>
+    <p:sldId id="262" r:id="rId8"/>
+    <p:sldId id="263" r:id="rId9"/>
+    <p:sldId id="264" r:id="rId10"/>
+    <p:sldId id="265" r:id="rId11"/>
+    <p:sldId id="266" r:id="rId12"/>
   </p:sldIdLst>
-  <p:sldSz cy="5143500" cx="9144000"/>
+  <p:sldSz cx="9144000" cy="5143500" type="screen16x9"/>
   <p:notesSz cx="6858000" cy="9144000"/>
   <p:defaultTextStyle>
-    <a:defPPr marR="0" rtl="0" algn="l">
+    <a:defPPr marR="0" algn="l" rtl="0">
       <a:lnSpc>
         <a:spcPct val="100000"/>
       </a:lnSpc>
@@ -34,7 +34,7 @@
         <a:spcPts val="0"/>
       </a:spcAft>
     </a:defPPr>
-    <a:lvl1pPr marR="0" rtl="0" algn="l">
+    <a:lvl1pPr marR="0" algn="l" rtl="0">
       <a:lnSpc>
         <a:spcPct val="100000"/>
       </a:lnSpc>
@@ -45,7 +45,7 @@
         <a:spcPts val="0"/>
       </a:spcAft>
       <a:buNone/>
-      <a:defRPr b="0" baseline="0" i="0" sz="1400" u="none" cap="none" strike="noStrike">
+      <a:defRPr sz="1400" b="0" i="0" u="none" strike="noStrike" cap="none" baseline="0">
         <a:solidFill>
           <a:srgbClr val="000000"/>
         </a:solidFill>
@@ -56,7 +56,7 @@
         <a:rtl val="0"/>
       </a:defRPr>
     </a:lvl1pPr>
-    <a:lvl2pPr marR="0" rtl="0" algn="l">
+    <a:lvl2pPr marR="0" algn="l" rtl="0">
       <a:lnSpc>
         <a:spcPct val="100000"/>
       </a:lnSpc>
@@ -67,7 +67,7 @@
         <a:spcPts val="0"/>
       </a:spcAft>
       <a:buNone/>
-      <a:defRPr b="0" baseline="0" i="0" sz="1400" u="none" cap="none" strike="noStrike">
+      <a:defRPr sz="1400" b="0" i="0" u="none" strike="noStrike" cap="none" baseline="0">
         <a:solidFill>
           <a:srgbClr val="000000"/>
         </a:solidFill>
@@ -78,7 +78,7 @@
         <a:rtl val="0"/>
       </a:defRPr>
     </a:lvl2pPr>
-    <a:lvl3pPr marR="0" rtl="0" algn="l">
+    <a:lvl3pPr marR="0" algn="l" rtl="0">
       <a:lnSpc>
         <a:spcPct val="100000"/>
       </a:lnSpc>
@@ -89,7 +89,7 @@
         <a:spcPts val="0"/>
       </a:spcAft>
       <a:buNone/>
-      <a:defRPr b="0" baseline="0" i="0" sz="1400" u="none" cap="none" strike="noStrike">
+      <a:defRPr sz="1400" b="0" i="0" u="none" strike="noStrike" cap="none" baseline="0">
         <a:solidFill>
           <a:srgbClr val="000000"/>
         </a:solidFill>
@@ -100,7 +100,7 @@
         <a:rtl val="0"/>
       </a:defRPr>
     </a:lvl3pPr>
-    <a:lvl4pPr marR="0" rtl="0" algn="l">
+    <a:lvl4pPr marR="0" algn="l" rtl="0">
       <a:lnSpc>
         <a:spcPct val="100000"/>
       </a:lnSpc>
@@ -111,7 +111,7 @@
         <a:spcPts val="0"/>
       </a:spcAft>
       <a:buNone/>
-      <a:defRPr b="0" baseline="0" i="0" sz="1400" u="none" cap="none" strike="noStrike">
+      <a:defRPr sz="1400" b="0" i="0" u="none" strike="noStrike" cap="none" baseline="0">
         <a:solidFill>
           <a:srgbClr val="000000"/>
         </a:solidFill>
@@ -122,7 +122,7 @@
         <a:rtl val="0"/>
       </a:defRPr>
     </a:lvl4pPr>
-    <a:lvl5pPr marR="0" rtl="0" algn="l">
+    <a:lvl5pPr marR="0" algn="l" rtl="0">
       <a:lnSpc>
         <a:spcPct val="100000"/>
       </a:lnSpc>
@@ -133,7 +133,7 @@
         <a:spcPts val="0"/>
       </a:spcAft>
       <a:buNone/>
-      <a:defRPr b="0" baseline="0" i="0" sz="1400" u="none" cap="none" strike="noStrike">
+      <a:defRPr sz="1400" b="0" i="0" u="none" strike="noStrike" cap="none" baseline="0">
         <a:solidFill>
           <a:srgbClr val="000000"/>
         </a:solidFill>
@@ -144,7 +144,7 @@
         <a:rtl val="0"/>
       </a:defRPr>
     </a:lvl5pPr>
-    <a:lvl6pPr marR="0" rtl="0" algn="l">
+    <a:lvl6pPr marR="0" algn="l" rtl="0">
       <a:lnSpc>
         <a:spcPct val="100000"/>
       </a:lnSpc>
@@ -155,7 +155,7 @@
         <a:spcPts val="0"/>
       </a:spcAft>
       <a:buNone/>
-      <a:defRPr b="0" baseline="0" i="0" sz="1400" u="none" cap="none" strike="noStrike">
+      <a:defRPr sz="1400" b="0" i="0" u="none" strike="noStrike" cap="none" baseline="0">
         <a:solidFill>
           <a:srgbClr val="000000"/>
         </a:solidFill>
@@ -166,7 +166,7 @@
         <a:rtl val="0"/>
       </a:defRPr>
     </a:lvl6pPr>
-    <a:lvl7pPr marR="0" rtl="0" algn="l">
+    <a:lvl7pPr marR="0" algn="l" rtl="0">
       <a:lnSpc>
         <a:spcPct val="100000"/>
       </a:lnSpc>
@@ -177,7 +177,7 @@
         <a:spcPts val="0"/>
       </a:spcAft>
       <a:buNone/>
-      <a:defRPr b="0" baseline="0" i="0" sz="1400" u="none" cap="none" strike="noStrike">
+      <a:defRPr sz="1400" b="0" i="0" u="none" strike="noStrike" cap="none" baseline="0">
         <a:solidFill>
           <a:srgbClr val="000000"/>
         </a:solidFill>
@@ -188,7 +188,7 @@
         <a:rtl val="0"/>
       </a:defRPr>
     </a:lvl7pPr>
-    <a:lvl8pPr marR="0" rtl="0" algn="l">
+    <a:lvl8pPr marR="0" algn="l" rtl="0">
       <a:lnSpc>
         <a:spcPct val="100000"/>
       </a:lnSpc>
@@ -199,7 +199,7 @@
         <a:spcPts val="0"/>
       </a:spcAft>
       <a:buNone/>
-      <a:defRPr b="0" baseline="0" i="0" sz="1400" u="none" cap="none" strike="noStrike">
+      <a:defRPr sz="1400" b="0" i="0" u="none" strike="noStrike" cap="none" baseline="0">
         <a:solidFill>
           <a:srgbClr val="000000"/>
         </a:solidFill>
@@ -210,7 +210,7 @@
         <a:rtl val="0"/>
       </a:defRPr>
     </a:lvl8pPr>
-    <a:lvl9pPr marR="0" rtl="0" algn="l">
+    <a:lvl9pPr marR="0" algn="l" rtl="0">
       <a:lnSpc>
         <a:spcPct val="100000"/>
       </a:lnSpc>
@@ -221,7 +221,7 @@
         <a:spcPts val="0"/>
       </a:spcAft>
       <a:buNone/>
-      <a:defRPr b="0" baseline="0" i="0" sz="1400" u="none" cap="none" strike="noStrike">
+      <a:defRPr sz="1400" b="0" i="0" u="none" strike="noStrike" cap="none" baseline="0">
         <a:solidFill>
           <a:srgbClr val="000000"/>
         </a:solidFill>
@@ -237,8 +237,13 @@
 </file>
 
 <file path=ppt/notesMasters/notesMaster1.xml><?xml version="1.0" encoding="utf-8"?>
-<p:notesMaster xmlns:a="http://schemas.openxmlformats.org/drawingml/2006/main" xmlns:r="http://schemas.openxmlformats.org/officeDocument/2006/relationships" xmlns:mc="http://schemas.openxmlformats.org/markup-compatibility/2006" xmlns:mv="urn:schemas-microsoft-com:mac:vml" xmlns:p="http://schemas.openxmlformats.org/presentationml/2006/main" xmlns:c="http://schemas.openxmlformats.org/drawingml/2006/chart" xmlns:dgm="http://schemas.openxmlformats.org/drawingml/2006/diagram" xmlns:o="urn:schemas-microsoft-com:office:office" xmlns:v="urn:schemas-microsoft-com:vml" xmlns:pvml="urn:schemas-microsoft-com:office:powerpoint" xmlns:com="http://schemas.openxmlformats.org/drawingml/2006/compatibility" xmlns:p14="http://schemas.microsoft.com/office/powerpoint/2010/main">
+<p:notesMaster xmlns:a="http://schemas.openxmlformats.org/drawingml/2006/main" xmlns:r="http://schemas.openxmlformats.org/officeDocument/2006/relationships" xmlns:p="http://schemas.openxmlformats.org/presentationml/2006/main">
   <p:cSld>
+    <p:bg>
+      <p:bgRef idx="1001">
+        <a:schemeClr val="bg1"/>
+      </p:bgRef>
+    </p:bg>
     <p:spTree>
       <p:nvGrpSpPr>
         <p:cNvPr id="1" name="Shape 1"/>
@@ -256,9 +261,11 @@
       <p:sp>
         <p:nvSpPr>
           <p:cNvPr id="2" name="Shape 2"/>
-          <p:cNvSpPr/>
+          <p:cNvSpPr>
+            <a:spLocks noGrp="1" noRot="1" noChangeAspect="1"/>
+          </p:cNvSpPr>
           <p:nvPr>
-            <p:ph idx="2" type="sldImg"/>
+            <p:ph type="sldImg" idx="2"/>
           </p:nvPr>
         </p:nvSpPr>
         <p:spPr>
@@ -267,8 +274,13 @@
             <a:ext cx="6096299" cy="3429000"/>
           </a:xfrm>
           <a:custGeom>
+            <a:avLst/>
+            <a:gdLst/>
+            <a:ahLst/>
+            <a:cxnLst/>
+            <a:rect l="0" t="0" r="0" b="0"/>
             <a:pathLst>
-              <a:path extrusionOk="0" h="120000" w="120000">
+              <a:path w="120000" h="120000" extrusionOk="0">
                 <a:moveTo>
                   <a:pt x="0" y="0"/>
                 </a:moveTo>
@@ -286,23 +298,25 @@
             </a:pathLst>
           </a:custGeom>
           <a:noFill/>
-          <a:ln cap="flat" cmpd="sng" w="9525">
+          <a:ln w="9525" cap="flat" cmpd="sng">
             <a:solidFill>
               <a:srgbClr val="000000"/>
             </a:solidFill>
             <a:prstDash val="solid"/>
             <a:round/>
-            <a:headEnd len="med" w="med" type="none"/>
-            <a:tailEnd len="med" w="med" type="none"/>
+            <a:headEnd type="none" w="med" len="med"/>
+            <a:tailEnd type="none" w="med" len="med"/>
           </a:ln>
         </p:spPr>
       </p:sp>
       <p:sp>
         <p:nvSpPr>
           <p:cNvPr id="3" name="Shape 3"/>
-          <p:cNvSpPr txBox="1"/>
+          <p:cNvSpPr txBox="1">
+            <a:spLocks noGrp="1"/>
+          </p:cNvSpPr>
           <p:nvPr>
-            <p:ph idx="1" type="body"/>
+            <p:ph type="body" idx="1"/>
           </p:nvPr>
         </p:nvSpPr>
         <p:spPr>
@@ -319,7 +333,7 @@
           </a:ln>
         </p:spPr>
         <p:txBody>
-          <a:bodyPr anchorCtr="0" anchor="t" bIns="91425" lIns="91425" rIns="91425" tIns="91425"/>
+          <a:bodyPr lIns="91425" tIns="91425" rIns="91425" bIns="91425" anchor="t" anchorCtr="0"/>
           <a:lstStyle>
             <a:lvl1pPr>
               <a:spcBef>
@@ -376,21 +390,120 @@
               <a:defRPr sz="1100"/>
             </a:lvl9pPr>
           </a:lstStyle>
-          <a:p/>
+          <a:p>
+            <a:endParaRPr/>
+          </a:p>
         </p:txBody>
       </p:sp>
     </p:spTree>
+    <p:extLst>
+      <p:ext uri="{BB962C8B-B14F-4D97-AF65-F5344CB8AC3E}">
+        <p14:creationId xmlns:p14="http://schemas.microsoft.com/office/powerpoint/2010/main" val="1667689183"/>
+      </p:ext>
+    </p:extLst>
   </p:cSld>
-  <p:clrMap accent1="accent1" accent2="accent2" accent3="accent3" accent4="accent4" accent5="accent5" accent6="accent6" bg1="lt1" bg2="dk2" tx1="dk1" tx2="lt2" folHlink="folHlink" hlink="hlink"/>
+  <p:clrMap bg1="lt1" tx1="dk1" bg2="dk2" tx2="lt2" accent1="accent1" accent2="accent2" accent3="accent3" accent4="accent4" accent5="accent5" accent6="accent6" hlink="hlink" folHlink="folHlink"/>
+  <p:notesStyle>
+    <a:lvl1pPr marL="0" algn="l" defTabSz="914400" rtl="0" eaLnBrk="1" latinLnBrk="0" hangingPunct="1">
+      <a:defRPr sz="1200" kern="1200">
+        <a:solidFill>
+          <a:schemeClr val="tx1"/>
+        </a:solidFill>
+        <a:latin typeface="+mn-lt"/>
+        <a:ea typeface="+mn-ea"/>
+        <a:cs typeface="+mn-cs"/>
+      </a:defRPr>
+    </a:lvl1pPr>
+    <a:lvl2pPr marL="457200" algn="l" defTabSz="914400" rtl="0" eaLnBrk="1" latinLnBrk="0" hangingPunct="1">
+      <a:defRPr sz="1200" kern="1200">
+        <a:solidFill>
+          <a:schemeClr val="tx1"/>
+        </a:solidFill>
+        <a:latin typeface="+mn-lt"/>
+        <a:ea typeface="+mn-ea"/>
+        <a:cs typeface="+mn-cs"/>
+      </a:defRPr>
+    </a:lvl2pPr>
+    <a:lvl3pPr marL="914400" algn="l" defTabSz="914400" rtl="0" eaLnBrk="1" latinLnBrk="0" hangingPunct="1">
+      <a:defRPr sz="1200" kern="1200">
+        <a:solidFill>
+          <a:schemeClr val="tx1"/>
+        </a:solidFill>
+        <a:latin typeface="+mn-lt"/>
+        <a:ea typeface="+mn-ea"/>
+        <a:cs typeface="+mn-cs"/>
+      </a:defRPr>
+    </a:lvl3pPr>
+    <a:lvl4pPr marL="1371600" algn="l" defTabSz="914400" rtl="0" eaLnBrk="1" latinLnBrk="0" hangingPunct="1">
+      <a:defRPr sz="1200" kern="1200">
+        <a:solidFill>
+          <a:schemeClr val="tx1"/>
+        </a:solidFill>
+        <a:latin typeface="+mn-lt"/>
+        <a:ea typeface="+mn-ea"/>
+        <a:cs typeface="+mn-cs"/>
+      </a:defRPr>
+    </a:lvl4pPr>
+    <a:lvl5pPr marL="1828800" algn="l" defTabSz="914400" rtl="0" eaLnBrk="1" latinLnBrk="0" hangingPunct="1">
+      <a:defRPr sz="1200" kern="1200">
+        <a:solidFill>
+          <a:schemeClr val="tx1"/>
+        </a:solidFill>
+        <a:latin typeface="+mn-lt"/>
+        <a:ea typeface="+mn-ea"/>
+        <a:cs typeface="+mn-cs"/>
+      </a:defRPr>
+    </a:lvl5pPr>
+    <a:lvl6pPr marL="2286000" algn="l" defTabSz="914400" rtl="0" eaLnBrk="1" latinLnBrk="0" hangingPunct="1">
+      <a:defRPr sz="1200" kern="1200">
+        <a:solidFill>
+          <a:schemeClr val="tx1"/>
+        </a:solidFill>
+        <a:latin typeface="+mn-lt"/>
+        <a:ea typeface="+mn-ea"/>
+        <a:cs typeface="+mn-cs"/>
+      </a:defRPr>
+    </a:lvl6pPr>
+    <a:lvl7pPr marL="2743200" algn="l" defTabSz="914400" rtl="0" eaLnBrk="1" latinLnBrk="0" hangingPunct="1">
+      <a:defRPr sz="1200" kern="1200">
+        <a:solidFill>
+          <a:schemeClr val="tx1"/>
+        </a:solidFill>
+        <a:latin typeface="+mn-lt"/>
+        <a:ea typeface="+mn-ea"/>
+        <a:cs typeface="+mn-cs"/>
+      </a:defRPr>
+    </a:lvl7pPr>
+    <a:lvl8pPr marL="3200400" algn="l" defTabSz="914400" rtl="0" eaLnBrk="1" latinLnBrk="0" hangingPunct="1">
+      <a:defRPr sz="1200" kern="1200">
+        <a:solidFill>
+          <a:schemeClr val="tx1"/>
+        </a:solidFill>
+        <a:latin typeface="+mn-lt"/>
+        <a:ea typeface="+mn-ea"/>
+        <a:cs typeface="+mn-cs"/>
+      </a:defRPr>
+    </a:lvl8pPr>
+    <a:lvl9pPr marL="3657600" algn="l" defTabSz="914400" rtl="0" eaLnBrk="1" latinLnBrk="0" hangingPunct="1">
+      <a:defRPr sz="1200" kern="1200">
+        <a:solidFill>
+          <a:schemeClr val="tx1"/>
+        </a:solidFill>
+        <a:latin typeface="+mn-lt"/>
+        <a:ea typeface="+mn-ea"/>
+        <a:cs typeface="+mn-cs"/>
+      </a:defRPr>
+    </a:lvl9pPr>
+  </p:notesStyle>
 </p:notesMaster>
 </file>
 
 <file path=ppt/notesSlides/notesSlide1.xml><?xml version="1.0" encoding="utf-8"?>
-<p:notes xmlns:a="http://schemas.openxmlformats.org/drawingml/2006/main" xmlns:r="http://schemas.openxmlformats.org/officeDocument/2006/relationships" xmlns:mc="http://schemas.openxmlformats.org/markup-compatibility/2006" xmlns:mv="urn:schemas-microsoft-com:mac:vml" xmlns:p="http://schemas.openxmlformats.org/presentationml/2006/main" xmlns:c="http://schemas.openxmlformats.org/drawingml/2006/chart" xmlns:dgm="http://schemas.openxmlformats.org/drawingml/2006/diagram" xmlns:o="urn:schemas-microsoft-com:office:office" xmlns:v="urn:schemas-microsoft-com:vml" xmlns:pvml="urn:schemas-microsoft-com:office:powerpoint" xmlns:com="http://schemas.openxmlformats.org/drawingml/2006/compatibility" xmlns:p14="http://schemas.microsoft.com/office/powerpoint/2010/main" showMasterPhAnim="0" showMasterSp="0">
+<p:notes xmlns:a="http://schemas.openxmlformats.org/drawingml/2006/main" xmlns:r="http://schemas.openxmlformats.org/officeDocument/2006/relationships" xmlns:p="http://schemas.openxmlformats.org/presentationml/2006/main" showMasterSp="0" showMasterPhAnim="0">
   <p:cSld>
     <p:spTree>
       <p:nvGrpSpPr>
-        <p:cNvPr id="33" name="Shape 33"/>
+        <p:cNvPr id="1" name="Shape 33"/>
         <p:cNvGrpSpPr/>
         <p:nvPr/>
       </p:nvGrpSpPr>
@@ -405,19 +518,26 @@
       <p:sp>
         <p:nvSpPr>
           <p:cNvPr id="34" name="Shape 34"/>
-          <p:cNvSpPr/>
+          <p:cNvSpPr>
+            <a:spLocks noGrp="1" noRot="1" noChangeAspect="1"/>
+          </p:cNvSpPr>
           <p:nvPr>
-            <p:ph idx="2" type="sldImg"/>
+            <p:ph type="sldImg" idx="2"/>
           </p:nvPr>
         </p:nvSpPr>
         <p:spPr>
           <a:xfrm>
-            <a:off x="381187" y="685800"/>
-            <a:ext cx="6096299" cy="3429000"/>
+            <a:off x="381000" y="685800"/>
+            <a:ext cx="6096000" cy="3429000"/>
           </a:xfrm>
           <a:custGeom>
+            <a:avLst/>
+            <a:gdLst/>
+            <a:ahLst/>
+            <a:cxnLst/>
+            <a:rect l="0" t="0" r="0" b="0"/>
             <a:pathLst>
-              <a:path extrusionOk="0" h="120000" w="120000">
+              <a:path w="120000" h="120000" extrusionOk="0">
                 <a:moveTo>
                   <a:pt x="0" y="0"/>
                 </a:moveTo>
@@ -435,23 +555,25 @@
             </a:pathLst>
           </a:custGeom>
           <a:noFill/>
-          <a:ln cap="flat" cmpd="sng" w="9525">
+          <a:ln w="9525" cap="flat" cmpd="sng">
             <a:solidFill>
               <a:srgbClr val="000000"/>
             </a:solidFill>
             <a:prstDash val="solid"/>
             <a:round/>
-            <a:headEnd len="med" w="med" type="none"/>
-            <a:tailEnd len="med" w="med" type="none"/>
+            <a:headEnd type="none" w="med" len="med"/>
+            <a:tailEnd type="none" w="med" len="med"/>
           </a:ln>
         </p:spPr>
       </p:sp>
       <p:sp>
         <p:nvSpPr>
           <p:cNvPr id="35" name="Shape 35"/>
-          <p:cNvSpPr txBox="1"/>
+          <p:cNvSpPr txBox="1">
+            <a:spLocks noGrp="1"/>
+          </p:cNvSpPr>
           <p:nvPr>
-            <p:ph idx="1" type="body"/>
+            <p:ph type="body" idx="1"/>
           </p:nvPr>
         </p:nvSpPr>
         <p:spPr>
@@ -464,7 +586,7 @@
           </a:prstGeom>
         </p:spPr>
         <p:txBody>
-          <a:bodyPr anchorCtr="0" anchor="t" bIns="91425" lIns="91425" rIns="91425" tIns="91425">
+          <a:bodyPr lIns="91425" tIns="91425" rIns="91425" bIns="91425" anchor="t" anchorCtr="0">
             <a:noAutofit/>
           </a:bodyPr>
           <a:lstStyle/>
@@ -476,13 +598,111 @@
               <a:buNone/>
             </a:pPr>
             <a:r>
-              <a:t/>
+              <a:rPr lang="en-US" dirty="0" smtClean="0"/>
+              <a:t>Photosynth:</a:t>
             </a:r>
-            <a:endParaRPr/>
+          </a:p>
+          <a:p>
+            <a:pPr>
+              <a:spcBef>
+                <a:spcPts val="0"/>
+              </a:spcBef>
+              <a:buNone/>
+            </a:pPr>
+            <a:endParaRPr lang="en-US" dirty="0" smtClean="0"/>
+          </a:p>
+          <a:p>
+            <a:pPr marL="171450" indent="-171450">
+              <a:spcBef>
+                <a:spcPts val="0"/>
+              </a:spcBef>
+              <a:buFontTx/>
+              <a:buChar char="-"/>
+            </a:pPr>
+            <a:r>
+              <a:rPr lang="en-US" baseline="0" dirty="0" smtClean="0"/>
+              <a:t>Panorama: Mt. </a:t>
+            </a:r>
+            <a:r>
+              <a:rPr lang="en-US" baseline="0" dirty="0" err="1" smtClean="0"/>
+              <a:t>Bonnell</a:t>
+            </a:r>
+            <a:r>
+              <a:rPr lang="en-US" baseline="0" dirty="0" smtClean="0"/>
+              <a:t> at sunset</a:t>
+            </a:r>
+          </a:p>
+          <a:p>
+            <a:pPr marL="171450" indent="-171450">
+              <a:spcBef>
+                <a:spcPts val="0"/>
+              </a:spcBef>
+              <a:buFontTx/>
+              <a:buChar char="-"/>
+            </a:pPr>
+            <a:r>
+              <a:rPr lang="en-US" baseline="0" dirty="0" smtClean="0"/>
+              <a:t>Walk: line at Franklin’s BBQ, 6</a:t>
+            </a:r>
+            <a:r>
+              <a:rPr lang="en-US" baseline="30000" dirty="0" smtClean="0"/>
+              <a:t>th</a:t>
+            </a:r>
+            <a:r>
+              <a:rPr lang="en-US" baseline="0" dirty="0" smtClean="0"/>
+              <a:t> street on Halloween, </a:t>
+            </a:r>
+          </a:p>
+          <a:p>
+            <a:pPr marL="171450" indent="-171450">
+              <a:spcBef>
+                <a:spcPts val="0"/>
+              </a:spcBef>
+              <a:buFontTx/>
+              <a:buChar char="-"/>
+            </a:pPr>
+            <a:r>
+              <a:rPr lang="en-US" baseline="0" dirty="0" smtClean="0"/>
+              <a:t>Wall: graffiti wall</a:t>
+            </a:r>
+          </a:p>
+          <a:p>
+            <a:pPr marL="171450" indent="-171450">
+              <a:spcBef>
+                <a:spcPts val="0"/>
+              </a:spcBef>
+              <a:buFontTx/>
+              <a:buChar char="-"/>
+            </a:pPr>
+            <a:r>
+              <a:rPr lang="en-US" baseline="0" dirty="0" smtClean="0"/>
+              <a:t>Spin: </a:t>
+            </a:r>
+            <a:r>
+              <a:rPr lang="en-US" baseline="0" dirty="0" err="1" smtClean="0"/>
+              <a:t>dronie</a:t>
+            </a:r>
+            <a:r>
+              <a:rPr lang="en-US" baseline="0" dirty="0" smtClean="0"/>
+              <a:t> at Doug </a:t>
+            </a:r>
+            <a:r>
+              <a:rPr lang="en-US" baseline="0" dirty="0" err="1" smtClean="0"/>
+              <a:t>Sahm</a:t>
+            </a:r>
+            <a:r>
+              <a:rPr lang="en-US" baseline="0" dirty="0" smtClean="0"/>
+              <a:t> Hill Summit</a:t>
+            </a:r>
           </a:p>
         </p:txBody>
       </p:sp>
     </p:spTree>
+    <p:extLst>
+      <p:ext uri="{BB962C8B-B14F-4D97-AF65-F5344CB8AC3E}">
+        <p14:creationId xmlns:p14="http://schemas.microsoft.com/office/powerpoint/2010/main" val="4021518035"/>
+      </p:ext>
+    </p:extLst>
   </p:cSld>
   <p:clrMapOvr>
     <a:masterClrMapping/>
@@ -491,11 +711,11 @@
 </file>
 
 <file path=ppt/notesSlides/notesSlide10.xml><?xml version="1.0" encoding="utf-8"?>
-<p:notes xmlns:a="http://schemas.openxmlformats.org/drawingml/2006/main" xmlns:r="http://schemas.openxmlformats.org/officeDocument/2006/relationships" xmlns:mc="http://schemas.openxmlformats.org/markup-compatibility/2006" xmlns:mv="urn:schemas-microsoft-com:mac:vml" xmlns:p="http://schemas.openxmlformats.org/presentationml/2006/main" xmlns:c="http://schemas.openxmlformats.org/drawingml/2006/chart" xmlns:dgm="http://schemas.openxmlformats.org/drawingml/2006/diagram" xmlns:o="urn:schemas-microsoft-com:office:office" xmlns:v="urn:schemas-microsoft-com:vml" xmlns:pvml="urn:schemas-microsoft-com:office:powerpoint" xmlns:com="http://schemas.openxmlformats.org/drawingml/2006/compatibility" xmlns:p14="http://schemas.microsoft.com/office/powerpoint/2010/main" showMasterPhAnim="0" showMasterSp="0">
+<p:notes xmlns:a="http://schemas.openxmlformats.org/drawingml/2006/main" xmlns:r="http://schemas.openxmlformats.org/officeDocument/2006/relationships" xmlns:p="http://schemas.openxmlformats.org/presentationml/2006/main" showMasterSp="0" showMasterPhAnim="0">
   <p:cSld>
     <p:spTree>
       <p:nvGrpSpPr>
-        <p:cNvPr id="97" name="Shape 97"/>
+        <p:cNvPr id="1" name="Shape 97"/>
         <p:cNvGrpSpPr/>
         <p:nvPr/>
       </p:nvGrpSpPr>
@@ -510,19 +730,26 @@
       <p:sp>
         <p:nvSpPr>
           <p:cNvPr id="98" name="Shape 98"/>
-          <p:cNvSpPr/>
+          <p:cNvSpPr>
+            <a:spLocks noGrp="1" noRot="1" noChangeAspect="1"/>
+          </p:cNvSpPr>
           <p:nvPr>
-            <p:ph idx="2" type="sldImg"/>
+            <p:ph type="sldImg" idx="2"/>
           </p:nvPr>
         </p:nvSpPr>
         <p:spPr>
           <a:xfrm>
-            <a:off x="381187" y="685800"/>
-            <a:ext cx="6096299" cy="3429000"/>
+            <a:off x="381000" y="685800"/>
+            <a:ext cx="6096000" cy="3429000"/>
           </a:xfrm>
           <a:custGeom>
+            <a:avLst/>
+            <a:gdLst/>
+            <a:ahLst/>
+            <a:cxnLst/>
+            <a:rect l="0" t="0" r="0" b="0"/>
             <a:pathLst>
-              <a:path extrusionOk="0" h="120000" w="120000">
+              <a:path w="120000" h="120000" extrusionOk="0">
                 <a:moveTo>
                   <a:pt x="0" y="0"/>
                 </a:moveTo>
@@ -540,23 +767,25 @@
             </a:pathLst>
           </a:custGeom>
           <a:noFill/>
-          <a:ln cap="flat" cmpd="sng" w="9525">
+          <a:ln w="9525" cap="flat" cmpd="sng">
             <a:solidFill>
               <a:srgbClr val="000000"/>
             </a:solidFill>
             <a:prstDash val="solid"/>
             <a:round/>
-            <a:headEnd len="med" w="med" type="none"/>
-            <a:tailEnd len="med" w="med" type="none"/>
+            <a:headEnd type="none" w="med" len="med"/>
+            <a:tailEnd type="none" w="med" len="med"/>
           </a:ln>
         </p:spPr>
       </p:sp>
       <p:sp>
         <p:nvSpPr>
           <p:cNvPr id="99" name="Shape 99"/>
-          <p:cNvSpPr txBox="1"/>
+          <p:cNvSpPr txBox="1">
+            <a:spLocks noGrp="1"/>
+          </p:cNvSpPr>
           <p:nvPr>
-            <p:ph idx="1" type="body"/>
+            <p:ph type="body" idx="1"/>
           </p:nvPr>
         </p:nvSpPr>
         <p:spPr>
@@ -569,7 +798,7 @@
           </a:prstGeom>
         </p:spPr>
         <p:txBody>
-          <a:bodyPr anchorCtr="0" anchor="t" bIns="91425" lIns="91425" rIns="91425" tIns="91425">
+          <a:bodyPr lIns="91425" tIns="91425" rIns="91425" bIns="91425" anchor="t" anchorCtr="0">
             <a:noAutofit/>
           </a:bodyPr>
           <a:lstStyle/>
@@ -580,14 +809,16 @@
               </a:spcBef>
               <a:buNone/>
             </a:pPr>
-            <a:r>
-              <a:t/>
-            </a:r>
             <a:endParaRPr/>
           </a:p>
         </p:txBody>
       </p:sp>
     </p:spTree>
+    <p:extLst>
+      <p:ext uri="{BB962C8B-B14F-4D97-AF65-F5344CB8AC3E}">
+        <p14:creationId xmlns:p14="http://schemas.microsoft.com/office/powerpoint/2010/main" val="4290488672"/>
+      </p:ext>
+    </p:extLst>
   </p:cSld>
   <p:clrMapOvr>
     <a:masterClrMapping/>
@@ -596,11 +827,11 @@
 </file>
 
 <file path=ppt/notesSlides/notesSlide11.xml><?xml version="1.0" encoding="utf-8"?>
-<p:notes xmlns:a="http://schemas.openxmlformats.org/drawingml/2006/main" xmlns:r="http://schemas.openxmlformats.org/officeDocument/2006/relationships" xmlns:mc="http://schemas.openxmlformats.org/markup-compatibility/2006" xmlns:mv="urn:schemas-microsoft-com:mac:vml" xmlns:p="http://schemas.openxmlformats.org/presentationml/2006/main" xmlns:c="http://schemas.openxmlformats.org/drawingml/2006/chart" xmlns:dgm="http://schemas.openxmlformats.org/drawingml/2006/diagram" xmlns:o="urn:schemas-microsoft-com:office:office" xmlns:v="urn:schemas-microsoft-com:vml" xmlns:pvml="urn:schemas-microsoft-com:office:powerpoint" xmlns:com="http://schemas.openxmlformats.org/drawingml/2006/compatibility" xmlns:p14="http://schemas.microsoft.com/office/powerpoint/2010/main" showMasterPhAnim="0" showMasterSp="0">
+<p:notes xmlns:a="http://schemas.openxmlformats.org/drawingml/2006/main" xmlns:r="http://schemas.openxmlformats.org/officeDocument/2006/relationships" xmlns:p="http://schemas.openxmlformats.org/presentationml/2006/main" showMasterSp="0" showMasterPhAnim="0">
   <p:cSld>
     <p:spTree>
       <p:nvGrpSpPr>
-        <p:cNvPr id="104" name="Shape 104"/>
+        <p:cNvPr id="1" name="Shape 104"/>
         <p:cNvGrpSpPr/>
         <p:nvPr/>
       </p:nvGrpSpPr>
@@ -615,19 +846,26 @@
       <p:sp>
         <p:nvSpPr>
           <p:cNvPr id="105" name="Shape 105"/>
-          <p:cNvSpPr/>
+          <p:cNvSpPr>
+            <a:spLocks noGrp="1" noRot="1" noChangeAspect="1"/>
+          </p:cNvSpPr>
           <p:nvPr>
-            <p:ph idx="2" type="sldImg"/>
+            <p:ph type="sldImg" idx="2"/>
           </p:nvPr>
         </p:nvSpPr>
         <p:spPr>
           <a:xfrm>
-            <a:off x="381187" y="685800"/>
-            <a:ext cx="6096299" cy="3429000"/>
+            <a:off x="381000" y="685800"/>
+            <a:ext cx="6096000" cy="3429000"/>
           </a:xfrm>
           <a:custGeom>
+            <a:avLst/>
+            <a:gdLst/>
+            <a:ahLst/>
+            <a:cxnLst/>
+            <a:rect l="0" t="0" r="0" b="0"/>
             <a:pathLst>
-              <a:path extrusionOk="0" h="120000" w="120000">
+              <a:path w="120000" h="120000" extrusionOk="0">
                 <a:moveTo>
                   <a:pt x="0" y="0"/>
                 </a:moveTo>
@@ -645,23 +883,25 @@
             </a:pathLst>
           </a:custGeom>
           <a:noFill/>
-          <a:ln cap="flat" cmpd="sng" w="9525">
+          <a:ln w="9525" cap="flat" cmpd="sng">
             <a:solidFill>
               <a:srgbClr val="000000"/>
             </a:solidFill>
             <a:prstDash val="solid"/>
             <a:round/>
-            <a:headEnd len="med" w="med" type="none"/>
-            <a:tailEnd len="med" w="med" type="none"/>
+            <a:headEnd type="none" w="med" len="med"/>
+            <a:tailEnd type="none" w="med" len="med"/>
           </a:ln>
         </p:spPr>
       </p:sp>
       <p:sp>
         <p:nvSpPr>
           <p:cNvPr id="106" name="Shape 106"/>
-          <p:cNvSpPr txBox="1"/>
+          <p:cNvSpPr txBox="1">
+            <a:spLocks noGrp="1"/>
+          </p:cNvSpPr>
           <p:nvPr>
-            <p:ph idx="1" type="body"/>
+            <p:ph type="body" idx="1"/>
           </p:nvPr>
         </p:nvSpPr>
         <p:spPr>
@@ -674,7 +914,7 @@
           </a:prstGeom>
         </p:spPr>
         <p:txBody>
-          <a:bodyPr anchorCtr="0" anchor="t" bIns="91425" lIns="91425" rIns="91425" tIns="91425">
+          <a:bodyPr lIns="91425" tIns="91425" rIns="91425" bIns="91425" anchor="t" anchorCtr="0">
             <a:noAutofit/>
           </a:bodyPr>
           <a:lstStyle/>
@@ -685,14 +925,16 @@
               </a:spcBef>
               <a:buNone/>
             </a:pPr>
-            <a:r>
-              <a:t/>
-            </a:r>
             <a:endParaRPr/>
           </a:p>
         </p:txBody>
       </p:sp>
     </p:spTree>
+    <p:extLst>
+      <p:ext uri="{BB962C8B-B14F-4D97-AF65-F5344CB8AC3E}">
+        <p14:creationId xmlns:p14="http://schemas.microsoft.com/office/powerpoint/2010/main" val="1848858513"/>
+      </p:ext>
+    </p:extLst>
   </p:cSld>
   <p:clrMapOvr>
     <a:masterClrMapping/>
@@ -701,11 +943,11 @@
 </file>
 
 <file path=ppt/notesSlides/notesSlide2.xml><?xml version="1.0" encoding="utf-8"?>
-<p:notes xmlns:a="http://schemas.openxmlformats.org/drawingml/2006/main" xmlns:r="http://schemas.openxmlformats.org/officeDocument/2006/relationships" xmlns:mc="http://schemas.openxmlformats.org/markup-compatibility/2006" xmlns:mv="urn:schemas-microsoft-com:mac:vml" xmlns:p="http://schemas.openxmlformats.org/presentationml/2006/main" xmlns:c="http://schemas.openxmlformats.org/drawingml/2006/chart" xmlns:dgm="http://schemas.openxmlformats.org/drawingml/2006/diagram" xmlns:o="urn:schemas-microsoft-com:office:office" xmlns:v="urn:schemas-microsoft-com:vml" xmlns:pvml="urn:schemas-microsoft-com:office:powerpoint" xmlns:com="http://schemas.openxmlformats.org/drawingml/2006/compatibility" xmlns:p14="http://schemas.microsoft.com/office/powerpoint/2010/main" showMasterPhAnim="0" showMasterSp="0">
+<p:notes xmlns:a="http://schemas.openxmlformats.org/drawingml/2006/main" xmlns:r="http://schemas.openxmlformats.org/officeDocument/2006/relationships" xmlns:p="http://schemas.openxmlformats.org/presentationml/2006/main" showMasterSp="0" showMasterPhAnim="0">
   <p:cSld>
     <p:spTree>
       <p:nvGrpSpPr>
-        <p:cNvPr id="40" name="Shape 40"/>
+        <p:cNvPr id="1" name="Shape 40"/>
         <p:cNvGrpSpPr/>
         <p:nvPr/>
       </p:nvGrpSpPr>
@@ -720,19 +962,26 @@
       <p:sp>
         <p:nvSpPr>
           <p:cNvPr id="41" name="Shape 41"/>
-          <p:cNvSpPr/>
+          <p:cNvSpPr>
+            <a:spLocks noGrp="1" noRot="1" noChangeAspect="1"/>
+          </p:cNvSpPr>
           <p:nvPr>
-            <p:ph idx="2" type="sldImg"/>
+            <p:ph type="sldImg" idx="2"/>
           </p:nvPr>
         </p:nvSpPr>
         <p:spPr>
           <a:xfrm>
-            <a:off x="381187" y="685800"/>
-            <a:ext cx="6096299" cy="3429000"/>
+            <a:off x="381000" y="685800"/>
+            <a:ext cx="6096000" cy="3429000"/>
           </a:xfrm>
           <a:custGeom>
+            <a:avLst/>
+            <a:gdLst/>
+            <a:ahLst/>
+            <a:cxnLst/>
+            <a:rect l="0" t="0" r="0" b="0"/>
             <a:pathLst>
-              <a:path extrusionOk="0" h="120000" w="120000">
+              <a:path w="120000" h="120000" extrusionOk="0">
                 <a:moveTo>
                   <a:pt x="0" y="0"/>
                 </a:moveTo>
@@ -750,23 +999,25 @@
             </a:pathLst>
           </a:custGeom>
           <a:noFill/>
-          <a:ln cap="flat" cmpd="sng" w="9525">
+          <a:ln w="9525" cap="flat" cmpd="sng">
             <a:solidFill>
               <a:srgbClr val="000000"/>
             </a:solidFill>
             <a:prstDash val="solid"/>
             <a:round/>
-            <a:headEnd len="med" w="med" type="none"/>
-            <a:tailEnd len="med" w="med" type="none"/>
+            <a:headEnd type="none" w="med" len="med"/>
+            <a:tailEnd type="none" w="med" len="med"/>
           </a:ln>
         </p:spPr>
       </p:sp>
       <p:sp>
         <p:nvSpPr>
           <p:cNvPr id="42" name="Shape 42"/>
-          <p:cNvSpPr txBox="1"/>
+          <p:cNvSpPr txBox="1">
+            <a:spLocks noGrp="1"/>
+          </p:cNvSpPr>
           <p:nvPr>
-            <p:ph idx="1" type="body"/>
+            <p:ph type="body" idx="1"/>
           </p:nvPr>
         </p:nvSpPr>
         <p:spPr>
@@ -779,7 +1030,7 @@
           </a:prstGeom>
         </p:spPr>
         <p:txBody>
-          <a:bodyPr anchorCtr="0" anchor="t" bIns="91425" lIns="91425" rIns="91425" tIns="91425">
+          <a:bodyPr lIns="91425" tIns="91425" rIns="91425" bIns="91425" anchor="t" anchorCtr="0">
             <a:noAutofit/>
           </a:bodyPr>
           <a:lstStyle/>
@@ -790,14 +1041,16 @@
               </a:spcBef>
               <a:buNone/>
             </a:pPr>
-            <a:r>
-              <a:t/>
-            </a:r>
             <a:endParaRPr/>
           </a:p>
         </p:txBody>
       </p:sp>
     </p:spTree>
+    <p:extLst>
+      <p:ext uri="{BB962C8B-B14F-4D97-AF65-F5344CB8AC3E}">
+        <p14:creationId xmlns:p14="http://schemas.microsoft.com/office/powerpoint/2010/main" val="1774604470"/>
+      </p:ext>
+    </p:extLst>
   </p:cSld>
   <p:clrMapOvr>
     <a:masterClrMapping/>
@@ -806,11 +1059,11 @@
 </file>
 
 <file path=ppt/notesSlides/notesSlide3.xml><?xml version="1.0" encoding="utf-8"?>
-<p:notes xmlns:a="http://schemas.openxmlformats.org/drawingml/2006/main" xmlns:r="http://schemas.openxmlformats.org/officeDocument/2006/relationships" xmlns:mc="http://schemas.openxmlformats.org/markup-compatibility/2006" xmlns:mv="urn:schemas-microsoft-com:mac:vml" xmlns:p="http://schemas.openxmlformats.org/presentationml/2006/main" xmlns:c="http://schemas.openxmlformats.org/drawingml/2006/chart" xmlns:dgm="http://schemas.openxmlformats.org/drawingml/2006/diagram" xmlns:o="urn:schemas-microsoft-com:office:office" xmlns:v="urn:schemas-microsoft-com:vml" xmlns:pvml="urn:schemas-microsoft-com:office:powerpoint" xmlns:com="http://schemas.openxmlformats.org/drawingml/2006/compatibility" xmlns:p14="http://schemas.microsoft.com/office/powerpoint/2010/main" showMasterPhAnim="0" showMasterSp="0">
+<p:notes xmlns:a="http://schemas.openxmlformats.org/drawingml/2006/main" xmlns:r="http://schemas.openxmlformats.org/officeDocument/2006/relationships" xmlns:p="http://schemas.openxmlformats.org/presentationml/2006/main" showMasterSp="0" showMasterPhAnim="0">
   <p:cSld>
     <p:spTree>
       <p:nvGrpSpPr>
-        <p:cNvPr id="47" name="Shape 47"/>
+        <p:cNvPr id="1" name="Shape 47"/>
         <p:cNvGrpSpPr/>
         <p:nvPr/>
       </p:nvGrpSpPr>
@@ -825,19 +1078,26 @@
       <p:sp>
         <p:nvSpPr>
           <p:cNvPr id="48" name="Shape 48"/>
-          <p:cNvSpPr/>
+          <p:cNvSpPr>
+            <a:spLocks noGrp="1" noRot="1" noChangeAspect="1"/>
+          </p:cNvSpPr>
           <p:nvPr>
-            <p:ph idx="2" type="sldImg"/>
+            <p:ph type="sldImg" idx="2"/>
           </p:nvPr>
         </p:nvSpPr>
         <p:spPr>
           <a:xfrm>
-            <a:off x="381187" y="685800"/>
-            <a:ext cx="6096299" cy="3429000"/>
+            <a:off x="381000" y="685800"/>
+            <a:ext cx="6096000" cy="3429000"/>
           </a:xfrm>
           <a:custGeom>
+            <a:avLst/>
+            <a:gdLst/>
+            <a:ahLst/>
+            <a:cxnLst/>
+            <a:rect l="0" t="0" r="0" b="0"/>
             <a:pathLst>
-              <a:path extrusionOk="0" h="120000" w="120000">
+              <a:path w="120000" h="120000" extrusionOk="0">
                 <a:moveTo>
                   <a:pt x="0" y="0"/>
                 </a:moveTo>
@@ -855,23 +1115,25 @@
             </a:pathLst>
           </a:custGeom>
           <a:noFill/>
-          <a:ln cap="flat" cmpd="sng" w="9525">
+          <a:ln w="9525" cap="flat" cmpd="sng">
             <a:solidFill>
               <a:srgbClr val="000000"/>
             </a:solidFill>
             <a:prstDash val="solid"/>
             <a:round/>
-            <a:headEnd len="med" w="med" type="none"/>
-            <a:tailEnd len="med" w="med" type="none"/>
+            <a:headEnd type="none" w="med" len="med"/>
+            <a:tailEnd type="none" w="med" len="med"/>
           </a:ln>
         </p:spPr>
       </p:sp>
       <p:sp>
         <p:nvSpPr>
           <p:cNvPr id="49" name="Shape 49"/>
-          <p:cNvSpPr txBox="1"/>
+          <p:cNvSpPr txBox="1">
+            <a:spLocks noGrp="1"/>
+          </p:cNvSpPr>
           <p:nvPr>
-            <p:ph idx="1" type="body"/>
+            <p:ph type="body" idx="1"/>
           </p:nvPr>
         </p:nvSpPr>
         <p:spPr>
@@ -884,7 +1146,7 @@
           </a:prstGeom>
         </p:spPr>
         <p:txBody>
-          <a:bodyPr anchorCtr="0" anchor="t" bIns="91425" lIns="91425" rIns="91425" tIns="91425">
+          <a:bodyPr lIns="91425" tIns="91425" rIns="91425" bIns="91425" anchor="t" anchorCtr="0">
             <a:noAutofit/>
           </a:bodyPr>
           <a:lstStyle/>
@@ -895,14 +1157,16 @@
               </a:spcBef>
               <a:buNone/>
             </a:pPr>
-            <a:r>
-              <a:t/>
-            </a:r>
             <a:endParaRPr/>
           </a:p>
         </p:txBody>
       </p:sp>
     </p:spTree>
+    <p:extLst>
+      <p:ext uri="{BB962C8B-B14F-4D97-AF65-F5344CB8AC3E}">
+        <p14:creationId xmlns:p14="http://schemas.microsoft.com/office/powerpoint/2010/main" val="1546692883"/>
+      </p:ext>
+    </p:extLst>
   </p:cSld>
   <p:clrMapOvr>
     <a:masterClrMapping/>
@@ -911,11 +1175,11 @@
 </file>
 
 <file path=ppt/notesSlides/notesSlide4.xml><?xml version="1.0" encoding="utf-8"?>
-<p:notes xmlns:a="http://schemas.openxmlformats.org/drawingml/2006/main" xmlns:r="http://schemas.openxmlformats.org/officeDocument/2006/relationships" xmlns:mc="http://schemas.openxmlformats.org/markup-compatibility/2006" xmlns:mv="urn:schemas-microsoft-com:mac:vml" xmlns:p="http://schemas.openxmlformats.org/presentationml/2006/main" xmlns:c="http://schemas.openxmlformats.org/drawingml/2006/chart" xmlns:dgm="http://schemas.openxmlformats.org/drawingml/2006/diagram" xmlns:o="urn:schemas-microsoft-com:office:office" xmlns:v="urn:schemas-microsoft-com:vml" xmlns:pvml="urn:schemas-microsoft-com:office:powerpoint" xmlns:com="http://schemas.openxmlformats.org/drawingml/2006/compatibility" xmlns:p14="http://schemas.microsoft.com/office/powerpoint/2010/main" showMasterPhAnim="0" showMasterSp="0">
+<p:notes xmlns:a="http://schemas.openxmlformats.org/drawingml/2006/main" xmlns:r="http://schemas.openxmlformats.org/officeDocument/2006/relationships" xmlns:p="http://schemas.openxmlformats.org/presentationml/2006/main" showMasterSp="0" showMasterPhAnim="0">
   <p:cSld>
     <p:spTree>
       <p:nvGrpSpPr>
-        <p:cNvPr id="54" name="Shape 54"/>
+        <p:cNvPr id="1" name="Shape 54"/>
         <p:cNvGrpSpPr/>
         <p:nvPr/>
       </p:nvGrpSpPr>
@@ -930,19 +1194,26 @@
       <p:sp>
         <p:nvSpPr>
           <p:cNvPr id="55" name="Shape 55"/>
-          <p:cNvSpPr/>
+          <p:cNvSpPr>
+            <a:spLocks noGrp="1" noRot="1" noChangeAspect="1"/>
+          </p:cNvSpPr>
           <p:nvPr>
-            <p:ph idx="2" type="sldImg"/>
+            <p:ph type="sldImg" idx="2"/>
           </p:nvPr>
         </p:nvSpPr>
         <p:spPr>
           <a:xfrm>
-            <a:off x="381187" y="685800"/>
-            <a:ext cx="6096299" cy="3429000"/>
+            <a:off x="381000" y="685800"/>
+            <a:ext cx="6096000" cy="3429000"/>
           </a:xfrm>
           <a:custGeom>
+            <a:avLst/>
+            <a:gdLst/>
+            <a:ahLst/>
+            <a:cxnLst/>
+            <a:rect l="0" t="0" r="0" b="0"/>
             <a:pathLst>
-              <a:path extrusionOk="0" h="120000" w="120000">
+              <a:path w="120000" h="120000" extrusionOk="0">
                 <a:moveTo>
                   <a:pt x="0" y="0"/>
                 </a:moveTo>
@@ -960,23 +1231,25 @@
             </a:pathLst>
           </a:custGeom>
           <a:noFill/>
-          <a:ln cap="flat" cmpd="sng" w="9525">
+          <a:ln w="9525" cap="flat" cmpd="sng">
             <a:solidFill>
               <a:srgbClr val="000000"/>
             </a:solidFill>
             <a:prstDash val="solid"/>
             <a:round/>
-            <a:headEnd len="med" w="med" type="none"/>
-            <a:tailEnd len="med" w="med" type="none"/>
+            <a:headEnd type="none" w="med" len="med"/>
+            <a:tailEnd type="none" w="med" len="med"/>
           </a:ln>
         </p:spPr>
       </p:sp>
       <p:sp>
         <p:nvSpPr>
           <p:cNvPr id="56" name="Shape 56"/>
-          <p:cNvSpPr txBox="1"/>
+          <p:cNvSpPr txBox="1">
+            <a:spLocks noGrp="1"/>
+          </p:cNvSpPr>
           <p:nvPr>
-            <p:ph idx="1" type="body"/>
+            <p:ph type="body" idx="1"/>
           </p:nvPr>
         </p:nvSpPr>
         <p:spPr>
@@ -989,7 +1262,7 @@
           </a:prstGeom>
         </p:spPr>
         <p:txBody>
-          <a:bodyPr anchorCtr="0" anchor="t" bIns="91425" lIns="91425" rIns="91425" tIns="91425">
+          <a:bodyPr lIns="91425" tIns="91425" rIns="91425" bIns="91425" anchor="t" anchorCtr="0">
             <a:noAutofit/>
           </a:bodyPr>
           <a:lstStyle/>
@@ -1000,14 +1273,16 @@
               </a:spcBef>
               <a:buNone/>
             </a:pPr>
-            <a:r>
-              <a:t/>
-            </a:r>
             <a:endParaRPr/>
           </a:p>
         </p:txBody>
       </p:sp>
     </p:spTree>
+    <p:extLst>
+      <p:ext uri="{BB962C8B-B14F-4D97-AF65-F5344CB8AC3E}">
+        <p14:creationId xmlns:p14="http://schemas.microsoft.com/office/powerpoint/2010/main" val="2161586751"/>
+      </p:ext>
+    </p:extLst>
   </p:cSld>
   <p:clrMapOvr>
     <a:masterClrMapping/>
@@ -1016,11 +1291,11 @@
 </file>
 
 <file path=ppt/notesSlides/notesSlide5.xml><?xml version="1.0" encoding="utf-8"?>
-<p:notes xmlns:a="http://schemas.openxmlformats.org/drawingml/2006/main" xmlns:r="http://schemas.openxmlformats.org/officeDocument/2006/relationships" xmlns:mc="http://schemas.openxmlformats.org/markup-compatibility/2006" xmlns:mv="urn:schemas-microsoft-com:mac:vml" xmlns:p="http://schemas.openxmlformats.org/presentationml/2006/main" xmlns:c="http://schemas.openxmlformats.org/drawingml/2006/chart" xmlns:dgm="http://schemas.openxmlformats.org/drawingml/2006/diagram" xmlns:o="urn:schemas-microsoft-com:office:office" xmlns:v="urn:schemas-microsoft-com:vml" xmlns:pvml="urn:schemas-microsoft-com:office:powerpoint" xmlns:com="http://schemas.openxmlformats.org/drawingml/2006/compatibility" xmlns:p14="http://schemas.microsoft.com/office/powerpoint/2010/main" showMasterPhAnim="0" showMasterSp="0">
+<p:notes xmlns:a="http://schemas.openxmlformats.org/drawingml/2006/main" xmlns:r="http://schemas.openxmlformats.org/officeDocument/2006/relationships" xmlns:p="http://schemas.openxmlformats.org/presentationml/2006/main" showMasterSp="0" showMasterPhAnim="0">
   <p:cSld>
     <p:spTree>
       <p:nvGrpSpPr>
-        <p:cNvPr id="61" name="Shape 61"/>
+        <p:cNvPr id="1" name="Shape 61"/>
         <p:cNvGrpSpPr/>
         <p:nvPr/>
       </p:nvGrpSpPr>
@@ -1035,19 +1310,26 @@
       <p:sp>
         <p:nvSpPr>
           <p:cNvPr id="62" name="Shape 62"/>
-          <p:cNvSpPr/>
+          <p:cNvSpPr>
+            <a:spLocks noGrp="1" noRot="1" noChangeAspect="1"/>
+          </p:cNvSpPr>
           <p:nvPr>
-            <p:ph idx="2" type="sldImg"/>
+            <p:ph type="sldImg" idx="2"/>
           </p:nvPr>
         </p:nvSpPr>
         <p:spPr>
           <a:xfrm>
-            <a:off x="381187" y="685800"/>
-            <a:ext cx="6096299" cy="3429000"/>
+            <a:off x="381000" y="685800"/>
+            <a:ext cx="6096000" cy="3429000"/>
           </a:xfrm>
           <a:custGeom>
+            <a:avLst/>
+            <a:gdLst/>
+            <a:ahLst/>
+            <a:cxnLst/>
+            <a:rect l="0" t="0" r="0" b="0"/>
             <a:pathLst>
-              <a:path extrusionOk="0" h="120000" w="120000">
+              <a:path w="120000" h="120000" extrusionOk="0">
                 <a:moveTo>
                   <a:pt x="0" y="0"/>
                 </a:moveTo>
@@ -1065,23 +1347,25 @@
             </a:pathLst>
           </a:custGeom>
           <a:noFill/>
-          <a:ln cap="flat" cmpd="sng" w="9525">
+          <a:ln w="9525" cap="flat" cmpd="sng">
             <a:solidFill>
               <a:srgbClr val="000000"/>
             </a:solidFill>
             <a:prstDash val="solid"/>
             <a:round/>
-            <a:headEnd len="med" w="med" type="none"/>
-            <a:tailEnd len="med" w="med" type="none"/>
+            <a:headEnd type="none" w="med" len="med"/>
+            <a:tailEnd type="none" w="med" len="med"/>
           </a:ln>
         </p:spPr>
       </p:sp>
       <p:sp>
         <p:nvSpPr>
           <p:cNvPr id="63" name="Shape 63"/>
-          <p:cNvSpPr txBox="1"/>
+          <p:cNvSpPr txBox="1">
+            <a:spLocks noGrp="1"/>
+          </p:cNvSpPr>
           <p:nvPr>
-            <p:ph idx="1" type="body"/>
+            <p:ph type="body" idx="1"/>
           </p:nvPr>
         </p:nvSpPr>
         <p:spPr>
@@ -1094,7 +1378,7 @@
           </a:prstGeom>
         </p:spPr>
         <p:txBody>
-          <a:bodyPr anchorCtr="0" anchor="t" bIns="91425" lIns="91425" rIns="91425" tIns="91425">
+          <a:bodyPr lIns="91425" tIns="91425" rIns="91425" bIns="91425" anchor="t" anchorCtr="0">
             <a:noAutofit/>
           </a:bodyPr>
           <a:lstStyle/>
@@ -1105,14 +1389,16 @@
               </a:spcBef>
               <a:buNone/>
             </a:pPr>
-            <a:r>
-              <a:t/>
-            </a:r>
             <a:endParaRPr/>
           </a:p>
         </p:txBody>
       </p:sp>
     </p:spTree>
+    <p:extLst>
+      <p:ext uri="{BB962C8B-B14F-4D97-AF65-F5344CB8AC3E}">
+        <p14:creationId xmlns:p14="http://schemas.microsoft.com/office/powerpoint/2010/main" val="1664475136"/>
+      </p:ext>
+    </p:extLst>
   </p:cSld>
   <p:clrMapOvr>
     <a:masterClrMapping/>
@@ -1121,11 +1407,11 @@
 </file>
 
 <file path=ppt/notesSlides/notesSlide6.xml><?xml version="1.0" encoding="utf-8"?>
-<p:notes xmlns:a="http://schemas.openxmlformats.org/drawingml/2006/main" xmlns:r="http://schemas.openxmlformats.org/officeDocument/2006/relationships" xmlns:mc="http://schemas.openxmlformats.org/markup-compatibility/2006" xmlns:mv="urn:schemas-microsoft-com:mac:vml" xmlns:p="http://schemas.openxmlformats.org/presentationml/2006/main" xmlns:c="http://schemas.openxmlformats.org/drawingml/2006/chart" xmlns:dgm="http://schemas.openxmlformats.org/drawingml/2006/diagram" xmlns:o="urn:schemas-microsoft-com:office:office" xmlns:v="urn:schemas-microsoft-com:vml" xmlns:pvml="urn:schemas-microsoft-com:office:powerpoint" xmlns:com="http://schemas.openxmlformats.org/drawingml/2006/compatibility" xmlns:p14="http://schemas.microsoft.com/office/powerpoint/2010/main" showMasterPhAnim="0" showMasterSp="0">
+<p:notes xmlns:a="http://schemas.openxmlformats.org/drawingml/2006/main" xmlns:r="http://schemas.openxmlformats.org/officeDocument/2006/relationships" xmlns:p="http://schemas.openxmlformats.org/presentationml/2006/main" showMasterSp="0" showMasterPhAnim="0">
   <p:cSld>
     <p:spTree>
       <p:nvGrpSpPr>
-        <p:cNvPr id="68" name="Shape 68"/>
+        <p:cNvPr id="1" name="Shape 68"/>
         <p:cNvGrpSpPr/>
         <p:nvPr/>
       </p:nvGrpSpPr>
@@ -1140,19 +1426,26 @@
       <p:sp>
         <p:nvSpPr>
           <p:cNvPr id="69" name="Shape 69"/>
-          <p:cNvSpPr/>
+          <p:cNvSpPr>
+            <a:spLocks noGrp="1" noRot="1" noChangeAspect="1"/>
+          </p:cNvSpPr>
           <p:nvPr>
-            <p:ph idx="2" type="sldImg"/>
+            <p:ph type="sldImg" idx="2"/>
           </p:nvPr>
         </p:nvSpPr>
         <p:spPr>
           <a:xfrm>
-            <a:off x="381187" y="685800"/>
-            <a:ext cx="6096299" cy="3429000"/>
+            <a:off x="381000" y="685800"/>
+            <a:ext cx="6096000" cy="3429000"/>
           </a:xfrm>
           <a:custGeom>
+            <a:avLst/>
+            <a:gdLst/>
+            <a:ahLst/>
+            <a:cxnLst/>
+            <a:rect l="0" t="0" r="0" b="0"/>
             <a:pathLst>
-              <a:path extrusionOk="0" h="120000" w="120000">
+              <a:path w="120000" h="120000" extrusionOk="0">
                 <a:moveTo>
                   <a:pt x="0" y="0"/>
                 </a:moveTo>
@@ -1170,23 +1463,25 @@
             </a:pathLst>
           </a:custGeom>
           <a:noFill/>
-          <a:ln cap="flat" cmpd="sng" w="9525">
+          <a:ln w="9525" cap="flat" cmpd="sng">
             <a:solidFill>
               <a:srgbClr val="000000"/>
             </a:solidFill>
             <a:prstDash val="solid"/>
             <a:round/>
-            <a:headEnd len="med" w="med" type="none"/>
-            <a:tailEnd len="med" w="med" type="none"/>
+            <a:headEnd type="none" w="med" len="med"/>
+            <a:tailEnd type="none" w="med" len="med"/>
           </a:ln>
         </p:spPr>
       </p:sp>
       <p:sp>
         <p:nvSpPr>
           <p:cNvPr id="70" name="Shape 70"/>
-          <p:cNvSpPr txBox="1"/>
+          <p:cNvSpPr txBox="1">
+            <a:spLocks noGrp="1"/>
+          </p:cNvSpPr>
           <p:nvPr>
-            <p:ph idx="1" type="body"/>
+            <p:ph type="body" idx="1"/>
           </p:nvPr>
         </p:nvSpPr>
         <p:spPr>
@@ -1199,7 +1494,7 @@
           </a:prstGeom>
         </p:spPr>
         <p:txBody>
-          <a:bodyPr anchorCtr="0" anchor="t" bIns="91425" lIns="91425" rIns="91425" tIns="91425">
+          <a:bodyPr lIns="91425" tIns="91425" rIns="91425" bIns="91425" anchor="t" anchorCtr="0">
             <a:noAutofit/>
           </a:bodyPr>
           <a:lstStyle/>
@@ -1210,14 +1505,16 @@
               </a:spcBef>
               <a:buNone/>
             </a:pPr>
-            <a:r>
-              <a:t/>
-            </a:r>
             <a:endParaRPr/>
           </a:p>
         </p:txBody>
       </p:sp>
     </p:spTree>
+    <p:extLst>
+      <p:ext uri="{BB962C8B-B14F-4D97-AF65-F5344CB8AC3E}">
+        <p14:creationId xmlns:p14="http://schemas.microsoft.com/office/powerpoint/2010/main" val="809429006"/>
+      </p:ext>
+    </p:extLst>
   </p:cSld>
   <p:clrMapOvr>
     <a:masterClrMapping/>
@@ -1226,11 +1523,11 @@
 </file>
 
 <file path=ppt/notesSlides/notesSlide7.xml><?xml version="1.0" encoding="utf-8"?>
-<p:notes xmlns:a="http://schemas.openxmlformats.org/drawingml/2006/main" xmlns:r="http://schemas.openxmlformats.org/officeDocument/2006/relationships" xmlns:mc="http://schemas.openxmlformats.org/markup-compatibility/2006" xmlns:mv="urn:schemas-microsoft-com:mac:vml" xmlns:p="http://schemas.openxmlformats.org/presentationml/2006/main" xmlns:c="http://schemas.openxmlformats.org/drawingml/2006/chart" xmlns:dgm="http://schemas.openxmlformats.org/drawingml/2006/diagram" xmlns:o="urn:schemas-microsoft-com:office:office" xmlns:v="urn:schemas-microsoft-com:vml" xmlns:pvml="urn:schemas-microsoft-com:office:powerpoint" xmlns:com="http://schemas.openxmlformats.org/drawingml/2006/compatibility" xmlns:p14="http://schemas.microsoft.com/office/powerpoint/2010/main" showMasterPhAnim="0" showMasterSp="0">
+<p:notes xmlns:a="http://schemas.openxmlformats.org/drawingml/2006/main" xmlns:r="http://schemas.openxmlformats.org/officeDocument/2006/relationships" xmlns:p="http://schemas.openxmlformats.org/presentationml/2006/main" showMasterSp="0" showMasterPhAnim="0">
   <p:cSld>
     <p:spTree>
       <p:nvGrpSpPr>
-        <p:cNvPr id="76" name="Shape 76"/>
+        <p:cNvPr id="1" name="Shape 76"/>
         <p:cNvGrpSpPr/>
         <p:nvPr/>
       </p:nvGrpSpPr>
@@ -1245,19 +1542,26 @@
       <p:sp>
         <p:nvSpPr>
           <p:cNvPr id="77" name="Shape 77"/>
-          <p:cNvSpPr/>
+          <p:cNvSpPr>
+            <a:spLocks noGrp="1" noRot="1" noChangeAspect="1"/>
+          </p:cNvSpPr>
           <p:nvPr>
-            <p:ph idx="2" type="sldImg"/>
+            <p:ph type="sldImg" idx="2"/>
           </p:nvPr>
         </p:nvSpPr>
         <p:spPr>
           <a:xfrm>
-            <a:off x="381187" y="685800"/>
-            <a:ext cx="6096299" cy="3429000"/>
+            <a:off x="381000" y="685800"/>
+            <a:ext cx="6096000" cy="3429000"/>
           </a:xfrm>
           <a:custGeom>
+            <a:avLst/>
+            <a:gdLst/>
+            <a:ahLst/>
+            <a:cxnLst/>
+            <a:rect l="0" t="0" r="0" b="0"/>
             <a:pathLst>
-              <a:path extrusionOk="0" h="120000" w="120000">
+              <a:path w="120000" h="120000" extrusionOk="0">
                 <a:moveTo>
                   <a:pt x="0" y="0"/>
                 </a:moveTo>
@@ -1275,23 +1579,25 @@
             </a:pathLst>
           </a:custGeom>
           <a:noFill/>
-          <a:ln cap="flat" cmpd="sng" w="9525">
+          <a:ln w="9525" cap="flat" cmpd="sng">
             <a:solidFill>
               <a:srgbClr val="000000"/>
             </a:solidFill>
             <a:prstDash val="solid"/>
             <a:round/>
-            <a:headEnd len="med" w="med" type="none"/>
-            <a:tailEnd len="med" w="med" type="none"/>
+            <a:headEnd type="none" w="med" len="med"/>
+            <a:tailEnd type="none" w="med" len="med"/>
           </a:ln>
         </p:spPr>
       </p:sp>
       <p:sp>
         <p:nvSpPr>
           <p:cNvPr id="78" name="Shape 78"/>
-          <p:cNvSpPr txBox="1"/>
+          <p:cNvSpPr txBox="1">
+            <a:spLocks noGrp="1"/>
+          </p:cNvSpPr>
           <p:nvPr>
-            <p:ph idx="1" type="body"/>
+            <p:ph type="body" idx="1"/>
           </p:nvPr>
         </p:nvSpPr>
         <p:spPr>
@@ -1304,7 +1610,7 @@
           </a:prstGeom>
         </p:spPr>
         <p:txBody>
-          <a:bodyPr anchorCtr="0" anchor="t" bIns="91425" lIns="91425" rIns="91425" tIns="91425">
+          <a:bodyPr lIns="91425" tIns="91425" rIns="91425" bIns="91425" anchor="t" anchorCtr="0">
             <a:noAutofit/>
           </a:bodyPr>
           <a:lstStyle/>
@@ -1315,14 +1621,16 @@
               </a:spcBef>
               <a:buNone/>
             </a:pPr>
-            <a:r>
-              <a:t/>
-            </a:r>
             <a:endParaRPr/>
           </a:p>
         </p:txBody>
       </p:sp>
     </p:spTree>
+    <p:extLst>
+      <p:ext uri="{BB962C8B-B14F-4D97-AF65-F5344CB8AC3E}">
+        <p14:creationId xmlns:p14="http://schemas.microsoft.com/office/powerpoint/2010/main" val="4029358677"/>
+      </p:ext>
+    </p:extLst>
   </p:cSld>
   <p:clrMapOvr>
     <a:masterClrMapping/>
@@ -1331,11 +1639,11 @@
 </file>
 
 <file path=ppt/notesSlides/notesSlide8.xml><?xml version="1.0" encoding="utf-8"?>
-<p:notes xmlns:a="http://schemas.openxmlformats.org/drawingml/2006/main" xmlns:r="http://schemas.openxmlformats.org/officeDocument/2006/relationships" xmlns:mc="http://schemas.openxmlformats.org/markup-compatibility/2006" xmlns:mv="urn:schemas-microsoft-com:mac:vml" xmlns:p="http://schemas.openxmlformats.org/presentationml/2006/main" xmlns:c="http://schemas.openxmlformats.org/drawingml/2006/chart" xmlns:dgm="http://schemas.openxmlformats.org/drawingml/2006/diagram" xmlns:o="urn:schemas-microsoft-com:office:office" xmlns:v="urn:schemas-microsoft-com:vml" xmlns:pvml="urn:schemas-microsoft-com:office:powerpoint" xmlns:com="http://schemas.openxmlformats.org/drawingml/2006/compatibility" xmlns:p14="http://schemas.microsoft.com/office/powerpoint/2010/main" showMasterPhAnim="0" showMasterSp="0">
+<p:notes xmlns:a="http://schemas.openxmlformats.org/drawingml/2006/main" xmlns:r="http://schemas.openxmlformats.org/officeDocument/2006/relationships" xmlns:p="http://schemas.openxmlformats.org/presentationml/2006/main" showMasterSp="0" showMasterPhAnim="0">
   <p:cSld>
     <p:spTree>
       <p:nvGrpSpPr>
-        <p:cNvPr id="83" name="Shape 83"/>
+        <p:cNvPr id="1" name="Shape 83"/>
         <p:cNvGrpSpPr/>
         <p:nvPr/>
       </p:nvGrpSpPr>
@@ -1350,19 +1658,26 @@
       <p:sp>
         <p:nvSpPr>
           <p:cNvPr id="84" name="Shape 84"/>
-          <p:cNvSpPr/>
+          <p:cNvSpPr>
+            <a:spLocks noGrp="1" noRot="1" noChangeAspect="1"/>
+          </p:cNvSpPr>
           <p:nvPr>
-            <p:ph idx="2" type="sldImg"/>
+            <p:ph type="sldImg" idx="2"/>
           </p:nvPr>
         </p:nvSpPr>
         <p:spPr>
           <a:xfrm>
-            <a:off x="381187" y="685800"/>
-            <a:ext cx="6096299" cy="3429000"/>
+            <a:off x="381000" y="685800"/>
+            <a:ext cx="6096000" cy="3429000"/>
           </a:xfrm>
           <a:custGeom>
+            <a:avLst/>
+            <a:gdLst/>
+            <a:ahLst/>
+            <a:cxnLst/>
+            <a:rect l="0" t="0" r="0" b="0"/>
             <a:pathLst>
-              <a:path extrusionOk="0" h="120000" w="120000">
+              <a:path w="120000" h="120000" extrusionOk="0">
                 <a:moveTo>
                   <a:pt x="0" y="0"/>
                 </a:moveTo>
@@ -1380,23 +1695,25 @@
             </a:pathLst>
           </a:custGeom>
           <a:noFill/>
-          <a:ln cap="flat" cmpd="sng" w="9525">
+          <a:ln w="9525" cap="flat" cmpd="sng">
             <a:solidFill>
               <a:srgbClr val="000000"/>
             </a:solidFill>
             <a:prstDash val="solid"/>
             <a:round/>
-            <a:headEnd len="med" w="med" type="none"/>
-            <a:tailEnd len="med" w="med" type="none"/>
+            <a:headEnd type="none" w="med" len="med"/>
+            <a:tailEnd type="none" w="med" len="med"/>
           </a:ln>
         </p:spPr>
       </p:sp>
       <p:sp>
         <p:nvSpPr>
           <p:cNvPr id="85" name="Shape 85"/>
-          <p:cNvSpPr txBox="1"/>
+          <p:cNvSpPr txBox="1">
+            <a:spLocks noGrp="1"/>
+          </p:cNvSpPr>
           <p:nvPr>
-            <p:ph idx="1" type="body"/>
+            <p:ph type="body" idx="1"/>
           </p:nvPr>
         </p:nvSpPr>
         <p:spPr>
@@ -1409,7 +1726,7 @@
           </a:prstGeom>
         </p:spPr>
         <p:txBody>
-          <a:bodyPr anchorCtr="0" anchor="t" bIns="91425" lIns="91425" rIns="91425" tIns="91425">
+          <a:bodyPr lIns="91425" tIns="91425" rIns="91425" bIns="91425" anchor="t" anchorCtr="0">
             <a:noAutofit/>
           </a:bodyPr>
           <a:lstStyle/>
@@ -1420,14 +1737,16 @@
               </a:spcBef>
               <a:buNone/>
             </a:pPr>
-            <a:r>
-              <a:t/>
-            </a:r>
             <a:endParaRPr/>
           </a:p>
         </p:txBody>
       </p:sp>
     </p:spTree>
+    <p:extLst>
+      <p:ext uri="{BB962C8B-B14F-4D97-AF65-F5344CB8AC3E}">
+        <p14:creationId xmlns:p14="http://schemas.microsoft.com/office/powerpoint/2010/main" val="1070592117"/>
+      </p:ext>
+    </p:extLst>
   </p:cSld>
   <p:clrMapOvr>
     <a:masterClrMapping/>
@@ -1436,11 +1755,11 @@
 </file>
 
 <file path=ppt/notesSlides/notesSlide9.xml><?xml version="1.0" encoding="utf-8"?>
-<p:notes xmlns:a="http://schemas.openxmlformats.org/drawingml/2006/main" xmlns:r="http://schemas.openxmlformats.org/officeDocument/2006/relationships" xmlns:mc="http://schemas.openxmlformats.org/markup-compatibility/2006" xmlns:mv="urn:schemas-microsoft-com:mac:vml" xmlns:p="http://schemas.openxmlformats.org/presentationml/2006/main" xmlns:c="http://schemas.openxmlformats.org/drawingml/2006/chart" xmlns:dgm="http://schemas.openxmlformats.org/drawingml/2006/diagram" xmlns:o="urn:schemas-microsoft-com:office:office" xmlns:v="urn:schemas-microsoft-com:vml" xmlns:pvml="urn:schemas-microsoft-com:office:powerpoint" xmlns:com="http://schemas.openxmlformats.org/drawingml/2006/compatibility" xmlns:p14="http://schemas.microsoft.com/office/powerpoint/2010/main" showMasterPhAnim="0" showMasterSp="0">
+<p:notes xmlns:a="http://schemas.openxmlformats.org/drawingml/2006/main" xmlns:r="http://schemas.openxmlformats.org/officeDocument/2006/relationships" xmlns:p="http://schemas.openxmlformats.org/presentationml/2006/main" showMasterSp="0" showMasterPhAnim="0">
   <p:cSld>
     <p:spTree>
       <p:nvGrpSpPr>
-        <p:cNvPr id="90" name="Shape 90"/>
+        <p:cNvPr id="1" name="Shape 90"/>
         <p:cNvGrpSpPr/>
         <p:nvPr/>
       </p:nvGrpSpPr>
@@ -1455,19 +1774,26 @@
       <p:sp>
         <p:nvSpPr>
           <p:cNvPr id="91" name="Shape 91"/>
-          <p:cNvSpPr/>
+          <p:cNvSpPr>
+            <a:spLocks noGrp="1" noRot="1" noChangeAspect="1"/>
+          </p:cNvSpPr>
           <p:nvPr>
-            <p:ph idx="2" type="sldImg"/>
+            <p:ph type="sldImg" idx="2"/>
           </p:nvPr>
         </p:nvSpPr>
         <p:spPr>
           <a:xfrm>
-            <a:off x="381187" y="685800"/>
-            <a:ext cx="6096299" cy="3429000"/>
+            <a:off x="381000" y="685800"/>
+            <a:ext cx="6096000" cy="3429000"/>
           </a:xfrm>
           <a:custGeom>
+            <a:avLst/>
+            <a:gdLst/>
+            <a:ahLst/>
+            <a:cxnLst/>
+            <a:rect l="0" t="0" r="0" b="0"/>
             <a:pathLst>
-              <a:path extrusionOk="0" h="120000" w="120000">
+              <a:path w="120000" h="120000" extrusionOk="0">
                 <a:moveTo>
                   <a:pt x="0" y="0"/>
                 </a:moveTo>
@@ -1485,23 +1811,25 @@
             </a:pathLst>
           </a:custGeom>
           <a:noFill/>
-          <a:ln cap="flat" cmpd="sng" w="9525">
+          <a:ln w="9525" cap="flat" cmpd="sng">
             <a:solidFill>
               <a:srgbClr val="000000"/>
             </a:solidFill>
             <a:prstDash val="solid"/>
             <a:round/>
-            <a:headEnd len="med" w="med" type="none"/>
-            <a:tailEnd len="med" w="med" type="none"/>
+            <a:headEnd type="none" w="med" len="med"/>
+            <a:tailEnd type="none" w="med" len="med"/>
           </a:ln>
         </p:spPr>
       </p:sp>
       <p:sp>
         <p:nvSpPr>
           <p:cNvPr id="92" name="Shape 92"/>
-          <p:cNvSpPr txBox="1"/>
+          <p:cNvSpPr txBox="1">
+            <a:spLocks noGrp="1"/>
+          </p:cNvSpPr>
           <p:nvPr>
-            <p:ph idx="1" type="body"/>
+            <p:ph type="body" idx="1"/>
           </p:nvPr>
         </p:nvSpPr>
         <p:spPr>
@@ -1514,7 +1842,7 @@
           </a:prstGeom>
         </p:spPr>
         <p:txBody>
-          <a:bodyPr anchorCtr="0" anchor="t" bIns="91425" lIns="91425" rIns="91425" tIns="91425">
+          <a:bodyPr lIns="91425" tIns="91425" rIns="91425" bIns="91425" anchor="t" anchorCtr="0">
             <a:noAutofit/>
           </a:bodyPr>
           <a:lstStyle/>
@@ -1525,14 +1853,16 @@
               </a:spcBef>
               <a:buNone/>
             </a:pPr>
-            <a:r>
-              <a:t/>
-            </a:r>
             <a:endParaRPr/>
           </a:p>
         </p:txBody>
       </p:sp>
     </p:spTree>
+    <p:extLst>
+      <p:ext uri="{BB962C8B-B14F-4D97-AF65-F5344CB8AC3E}">
+        <p14:creationId xmlns:p14="http://schemas.microsoft.com/office/powerpoint/2010/main" val="1029133652"/>
+      </p:ext>
+    </p:extLst>
   </p:cSld>
   <p:clrMapOvr>
     <a:masterClrMapping/>
@@ -1541,11 +1871,11 @@
 </file>
 
 <file path=ppt/slideLayouts/slideLayout1.xml><?xml version="1.0" encoding="utf-8"?>
-<p:sldLayout xmlns:a="http://schemas.openxmlformats.org/drawingml/2006/main" xmlns:r="http://schemas.openxmlformats.org/officeDocument/2006/relationships" xmlns:mc="http://schemas.openxmlformats.org/markup-compatibility/2006" xmlns:mv="urn:schemas-microsoft-com:mac:vml" xmlns:p="http://schemas.openxmlformats.org/presentationml/2006/main" xmlns:c="http://schemas.openxmlformats.org/drawingml/2006/chart" xmlns:dgm="http://schemas.openxmlformats.org/drawingml/2006/diagram" xmlns:o="urn:schemas-microsoft-com:office:office" xmlns:v="urn:schemas-microsoft-com:vml" xmlns:pvml="urn:schemas-microsoft-com:office:powerpoint" xmlns:com="http://schemas.openxmlformats.org/drawingml/2006/compatibility" xmlns:p14="http://schemas.microsoft.com/office/powerpoint/2010/main" type="title">
+<p:sldLayout xmlns:a="http://schemas.openxmlformats.org/drawingml/2006/main" xmlns:r="http://schemas.openxmlformats.org/officeDocument/2006/relationships" xmlns:p="http://schemas.openxmlformats.org/presentationml/2006/main" type="title">
   <p:cSld name="Title slide">
     <p:spTree>
       <p:nvGrpSpPr>
-        <p:cNvPr id="8" name="Shape 8"/>
+        <p:cNvPr id="1" name="Shape 8"/>
         <p:cNvGrpSpPr/>
         <p:nvPr/>
       </p:nvGrpSpPr>
@@ -1560,9 +1890,11 @@
       <p:sp>
         <p:nvSpPr>
           <p:cNvPr id="9" name="Shape 9"/>
-          <p:cNvSpPr txBox="1"/>
+          <p:cNvSpPr txBox="1">
+            <a:spLocks noGrp="1"/>
+          </p:cNvSpPr>
           <p:nvPr>
-            <p:ph idx="1" type="subTitle"/>
+            <p:ph type="subTitle" idx="1"/>
           </p:nvPr>
         </p:nvSpPr>
         <p:spPr>
@@ -1575,7 +1907,7 @@
           </a:prstGeom>
         </p:spPr>
         <p:txBody>
-          <a:bodyPr anchorCtr="0" anchor="t" bIns="91425" lIns="91425" rIns="91425" tIns="91425"/>
+          <a:bodyPr lIns="91425" tIns="91425" rIns="91425" bIns="91425" anchor="t" anchorCtr="0"/>
           <a:lstStyle>
             <a:lvl1pPr algn="ctr">
               <a:spcBef>
@@ -1712,13 +2044,17 @@
               </a:defRPr>
             </a:lvl9pPr>
           </a:lstStyle>
-          <a:p/>
+          <a:p>
+            <a:endParaRPr/>
+          </a:p>
         </p:txBody>
       </p:sp>
       <p:sp>
         <p:nvSpPr>
           <p:cNvPr id="10" name="Shape 10"/>
-          <p:cNvSpPr txBox="1"/>
+          <p:cNvSpPr txBox="1">
+            <a:spLocks noGrp="1"/>
+          </p:cNvSpPr>
           <p:nvPr>
             <p:ph type="ctrTitle"/>
           </p:nvPr>
@@ -1733,7 +2069,7 @@
           </a:prstGeom>
         </p:spPr>
         <p:txBody>
-          <a:bodyPr anchorCtr="0" anchor="b" bIns="91425" lIns="91425" rIns="91425" tIns="91425"/>
+          <a:bodyPr lIns="91425" tIns="91425" rIns="91425" bIns="91425" anchor="b" anchorCtr="0"/>
           <a:lstStyle>
             <a:lvl1pPr algn="ctr">
               <a:spcBef>
@@ -1799,15 +2135,19 @@
               <a:defRPr sz="4800"/>
             </a:lvl9pPr>
           </a:lstStyle>
-          <a:p/>
+          <a:p>
+            <a:endParaRPr/>
+          </a:p>
         </p:txBody>
       </p:sp>
       <p:sp>
         <p:nvSpPr>
           <p:cNvPr id="11" name="Shape 11"/>
-          <p:cNvSpPr txBox="1"/>
+          <p:cNvSpPr txBox="1">
+            <a:spLocks noGrp="1"/>
+          </p:cNvSpPr>
           <p:nvPr>
-            <p:ph idx="12" type="sldNum"/>
+            <p:ph type="sldNum" idx="12"/>
           </p:nvPr>
         </p:nvSpPr>
         <p:spPr>
@@ -1820,7 +2160,7 @@
           </a:prstGeom>
         </p:spPr>
         <p:txBody>
-          <a:bodyPr anchorCtr="0" anchor="ctr" bIns="91425" lIns="91425" rIns="91425" tIns="91425">
+          <a:bodyPr lIns="91425" tIns="91425" rIns="91425" bIns="91425" anchor="ctr" anchorCtr="0">
             <a:noAutofit/>
           </a:bodyPr>
           <a:lstStyle/>
@@ -1835,6 +2175,7 @@
               <a:rPr lang="en"/>
               <a:t>‹#›</a:t>
             </a:fld>
+            <a:endParaRPr lang="en"/>
           </a:p>
         </p:txBody>
       </p:sp>
@@ -1847,11 +2188,11 @@
 </file>
 
 <file path=ppt/slideLayouts/slideLayout2.xml><?xml version="1.0" encoding="utf-8"?>
-<p:sldLayout xmlns:a="http://schemas.openxmlformats.org/drawingml/2006/main" xmlns:r="http://schemas.openxmlformats.org/officeDocument/2006/relationships" xmlns:mc="http://schemas.openxmlformats.org/markup-compatibility/2006" xmlns:mv="urn:schemas-microsoft-com:mac:vml" xmlns:p="http://schemas.openxmlformats.org/presentationml/2006/main" xmlns:c="http://schemas.openxmlformats.org/drawingml/2006/chart" xmlns:dgm="http://schemas.openxmlformats.org/drawingml/2006/diagram" xmlns:o="urn:schemas-microsoft-com:office:office" xmlns:v="urn:schemas-microsoft-com:vml" xmlns:pvml="urn:schemas-microsoft-com:office:powerpoint" xmlns:com="http://schemas.openxmlformats.org/drawingml/2006/compatibility" xmlns:p14="http://schemas.microsoft.com/office/powerpoint/2010/main" type="tx">
+<p:sldLayout xmlns:a="http://schemas.openxmlformats.org/drawingml/2006/main" xmlns:r="http://schemas.openxmlformats.org/officeDocument/2006/relationships" xmlns:p="http://schemas.openxmlformats.org/presentationml/2006/main" type="tx">
   <p:cSld name="Title and body">
     <p:spTree>
       <p:nvGrpSpPr>
-        <p:cNvPr id="12" name="Shape 12"/>
+        <p:cNvPr id="1" name="Shape 12"/>
         <p:cNvGrpSpPr/>
         <p:nvPr/>
       </p:nvGrpSpPr>
@@ -1866,7 +2207,9 @@
       <p:sp>
         <p:nvSpPr>
           <p:cNvPr id="13" name="Shape 13"/>
-          <p:cNvSpPr txBox="1"/>
+          <p:cNvSpPr txBox="1">
+            <a:spLocks noGrp="1"/>
+          </p:cNvSpPr>
           <p:nvPr>
             <p:ph type="title"/>
           </p:nvPr>
@@ -1881,7 +2224,7 @@
           </a:prstGeom>
         </p:spPr>
         <p:txBody>
-          <a:bodyPr anchorCtr="0" anchor="b" bIns="91425" lIns="91425" rIns="91425" tIns="91425"/>
+          <a:bodyPr lIns="91425" tIns="91425" rIns="91425" bIns="91425" anchor="b" anchorCtr="0"/>
           <a:lstStyle>
             <a:lvl1pPr>
               <a:spcBef>
@@ -1938,15 +2281,19 @@
               <a:defRPr/>
             </a:lvl9pPr>
           </a:lstStyle>
-          <a:p/>
+          <a:p>
+            <a:endParaRPr/>
+          </a:p>
         </p:txBody>
       </p:sp>
       <p:sp>
         <p:nvSpPr>
           <p:cNvPr id="14" name="Shape 14"/>
-          <p:cNvSpPr txBox="1"/>
+          <p:cNvSpPr txBox="1">
+            <a:spLocks noGrp="1"/>
+          </p:cNvSpPr>
           <p:nvPr>
-            <p:ph idx="1" type="body"/>
+            <p:ph type="body" idx="1"/>
           </p:nvPr>
         </p:nvSpPr>
         <p:spPr>
@@ -1959,7 +2306,7 @@
           </a:prstGeom>
         </p:spPr>
         <p:txBody>
-          <a:bodyPr anchorCtr="0" anchor="t" bIns="91425" lIns="91425" rIns="91425" tIns="91425"/>
+          <a:bodyPr lIns="91425" tIns="91425" rIns="91425" bIns="91425" anchor="t" anchorCtr="0"/>
           <a:lstStyle>
             <a:lvl1pPr>
               <a:spcBef>
@@ -2016,15 +2363,19 @@
               <a:defRPr/>
             </a:lvl9pPr>
           </a:lstStyle>
-          <a:p/>
+          <a:p>
+            <a:endParaRPr/>
+          </a:p>
         </p:txBody>
       </p:sp>
       <p:sp>
         <p:nvSpPr>
           <p:cNvPr id="15" name="Shape 15"/>
-          <p:cNvSpPr txBox="1"/>
+          <p:cNvSpPr txBox="1">
+            <a:spLocks noGrp="1"/>
+          </p:cNvSpPr>
           <p:nvPr>
-            <p:ph idx="12" type="sldNum"/>
+            <p:ph type="sldNum" idx="12"/>
           </p:nvPr>
         </p:nvSpPr>
         <p:spPr>
@@ -2037,7 +2388,7 @@
           </a:prstGeom>
         </p:spPr>
         <p:txBody>
-          <a:bodyPr anchorCtr="0" anchor="ctr" bIns="91425" lIns="91425" rIns="91425" tIns="91425">
+          <a:bodyPr lIns="91425" tIns="91425" rIns="91425" bIns="91425" anchor="ctr" anchorCtr="0">
             <a:noAutofit/>
           </a:bodyPr>
           <a:lstStyle/>
@@ -2052,6 +2403,7 @@
               <a:rPr lang="en"/>
               <a:t>‹#›</a:t>
             </a:fld>
+            <a:endParaRPr lang="en"/>
           </a:p>
         </p:txBody>
       </p:sp>
@@ -2064,11 +2416,11 @@
 </file>
 
 <file path=ppt/slideLayouts/slideLayout3.xml><?xml version="1.0" encoding="utf-8"?>
-<p:sldLayout xmlns:a="http://schemas.openxmlformats.org/drawingml/2006/main" xmlns:r="http://schemas.openxmlformats.org/officeDocument/2006/relationships" xmlns:mc="http://schemas.openxmlformats.org/markup-compatibility/2006" xmlns:mv="urn:schemas-microsoft-com:mac:vml" xmlns:p="http://schemas.openxmlformats.org/presentationml/2006/main" xmlns:c="http://schemas.openxmlformats.org/drawingml/2006/chart" xmlns:dgm="http://schemas.openxmlformats.org/drawingml/2006/diagram" xmlns:o="urn:schemas-microsoft-com:office:office" xmlns:v="urn:schemas-microsoft-com:vml" xmlns:pvml="urn:schemas-microsoft-com:office:powerpoint" xmlns:com="http://schemas.openxmlformats.org/drawingml/2006/compatibility" xmlns:p14="http://schemas.microsoft.com/office/powerpoint/2010/main" type="twoColTx">
+<p:sldLayout xmlns:a="http://schemas.openxmlformats.org/drawingml/2006/main" xmlns:r="http://schemas.openxmlformats.org/officeDocument/2006/relationships" xmlns:p="http://schemas.openxmlformats.org/presentationml/2006/main" type="twoColTx">
   <p:cSld name="Title and two columns">
     <p:spTree>
       <p:nvGrpSpPr>
-        <p:cNvPr id="16" name="Shape 16"/>
+        <p:cNvPr id="1" name="Shape 16"/>
         <p:cNvGrpSpPr/>
         <p:nvPr/>
       </p:nvGrpSpPr>
@@ -2083,7 +2435,9 @@
       <p:sp>
         <p:nvSpPr>
           <p:cNvPr id="17" name="Shape 17"/>
-          <p:cNvSpPr txBox="1"/>
+          <p:cNvSpPr txBox="1">
+            <a:spLocks noGrp="1"/>
+          </p:cNvSpPr>
           <p:nvPr>
             <p:ph type="title"/>
           </p:nvPr>
@@ -2098,7 +2452,7 @@
           </a:prstGeom>
         </p:spPr>
         <p:txBody>
-          <a:bodyPr anchorCtr="0" anchor="b" bIns="91425" lIns="91425" rIns="91425" tIns="91425"/>
+          <a:bodyPr lIns="91425" tIns="91425" rIns="91425" bIns="91425" anchor="b" anchorCtr="0"/>
           <a:lstStyle>
             <a:lvl1pPr>
               <a:spcBef>
@@ -2155,15 +2509,19 @@
               <a:defRPr/>
             </a:lvl9pPr>
           </a:lstStyle>
-          <a:p/>
+          <a:p>
+            <a:endParaRPr/>
+          </a:p>
         </p:txBody>
       </p:sp>
       <p:sp>
         <p:nvSpPr>
           <p:cNvPr id="18" name="Shape 18"/>
-          <p:cNvSpPr txBox="1"/>
+          <p:cNvSpPr txBox="1">
+            <a:spLocks noGrp="1"/>
+          </p:cNvSpPr>
           <p:nvPr>
-            <p:ph idx="1" type="body"/>
+            <p:ph type="body" idx="1"/>
           </p:nvPr>
         </p:nvSpPr>
         <p:spPr>
@@ -2176,7 +2534,7 @@
           </a:prstGeom>
         </p:spPr>
         <p:txBody>
-          <a:bodyPr anchorCtr="0" anchor="t" bIns="91425" lIns="91425" rIns="91425" tIns="91425"/>
+          <a:bodyPr lIns="91425" tIns="91425" rIns="91425" bIns="91425" anchor="t" anchorCtr="0"/>
           <a:lstStyle>
             <a:lvl1pPr>
               <a:spcBef>
@@ -2233,15 +2591,19 @@
               <a:defRPr/>
             </a:lvl9pPr>
           </a:lstStyle>
-          <a:p/>
+          <a:p>
+            <a:endParaRPr/>
+          </a:p>
         </p:txBody>
       </p:sp>
       <p:sp>
         <p:nvSpPr>
           <p:cNvPr id="19" name="Shape 19"/>
-          <p:cNvSpPr txBox="1"/>
+          <p:cNvSpPr txBox="1">
+            <a:spLocks noGrp="1"/>
+          </p:cNvSpPr>
           <p:nvPr>
-            <p:ph idx="2" type="body"/>
+            <p:ph type="body" idx="2"/>
           </p:nvPr>
         </p:nvSpPr>
         <p:spPr>
@@ -2254,7 +2616,7 @@
           </a:prstGeom>
         </p:spPr>
         <p:txBody>
-          <a:bodyPr anchorCtr="0" anchor="t" bIns="91425" lIns="91425" rIns="91425" tIns="91425"/>
+          <a:bodyPr lIns="91425" tIns="91425" rIns="91425" bIns="91425" anchor="t" anchorCtr="0"/>
           <a:lstStyle>
             <a:lvl1pPr>
               <a:spcBef>
@@ -2311,15 +2673,19 @@
               <a:defRPr/>
             </a:lvl9pPr>
           </a:lstStyle>
-          <a:p/>
+          <a:p>
+            <a:endParaRPr/>
+          </a:p>
         </p:txBody>
       </p:sp>
       <p:sp>
         <p:nvSpPr>
           <p:cNvPr id="20" name="Shape 20"/>
-          <p:cNvSpPr txBox="1"/>
+          <p:cNvSpPr txBox="1">
+            <a:spLocks noGrp="1"/>
+          </p:cNvSpPr>
           <p:nvPr>
-            <p:ph idx="12" type="sldNum"/>
+            <p:ph type="sldNum" idx="12"/>
           </p:nvPr>
         </p:nvSpPr>
         <p:spPr>
@@ -2332,7 +2698,7 @@
           </a:prstGeom>
         </p:spPr>
         <p:txBody>
-          <a:bodyPr anchorCtr="0" anchor="ctr" bIns="91425" lIns="91425" rIns="91425" tIns="91425">
+          <a:bodyPr lIns="91425" tIns="91425" rIns="91425" bIns="91425" anchor="ctr" anchorCtr="0">
             <a:noAutofit/>
           </a:bodyPr>
           <a:lstStyle/>
@@ -2347,6 +2713,7 @@
               <a:rPr lang="en"/>
               <a:t>‹#›</a:t>
             </a:fld>
+            <a:endParaRPr lang="en"/>
           </a:p>
         </p:txBody>
       </p:sp>
@@ -2359,11 +2726,11 @@
 </file>
 
 <file path=ppt/slideLayouts/slideLayout4.xml><?xml version="1.0" encoding="utf-8"?>
-<p:sldLayout xmlns:a="http://schemas.openxmlformats.org/drawingml/2006/main" xmlns:r="http://schemas.openxmlformats.org/officeDocument/2006/relationships" xmlns:mc="http://schemas.openxmlformats.org/markup-compatibility/2006" xmlns:mv="urn:schemas-microsoft-com:mac:vml" xmlns:p="http://schemas.openxmlformats.org/presentationml/2006/main" xmlns:c="http://schemas.openxmlformats.org/drawingml/2006/chart" xmlns:dgm="http://schemas.openxmlformats.org/drawingml/2006/diagram" xmlns:o="urn:schemas-microsoft-com:office:office" xmlns:v="urn:schemas-microsoft-com:vml" xmlns:pvml="urn:schemas-microsoft-com:office:powerpoint" xmlns:com="http://schemas.openxmlformats.org/drawingml/2006/compatibility" xmlns:p14="http://schemas.microsoft.com/office/powerpoint/2010/main" type="titleOnly">
+<p:sldLayout xmlns:a="http://schemas.openxmlformats.org/drawingml/2006/main" xmlns:r="http://schemas.openxmlformats.org/officeDocument/2006/relationships" xmlns:p="http://schemas.openxmlformats.org/presentationml/2006/main" type="titleOnly">
   <p:cSld name="Title only">
     <p:spTree>
       <p:nvGrpSpPr>
-        <p:cNvPr id="21" name="Shape 21"/>
+        <p:cNvPr id="1" name="Shape 21"/>
         <p:cNvGrpSpPr/>
         <p:nvPr/>
       </p:nvGrpSpPr>
@@ -2378,7 +2745,9 @@
       <p:sp>
         <p:nvSpPr>
           <p:cNvPr id="22" name="Shape 22"/>
-          <p:cNvSpPr txBox="1"/>
+          <p:cNvSpPr txBox="1">
+            <a:spLocks noGrp="1"/>
+          </p:cNvSpPr>
           <p:nvPr>
             <p:ph type="title"/>
           </p:nvPr>
@@ -2393,7 +2762,7 @@
           </a:prstGeom>
         </p:spPr>
         <p:txBody>
-          <a:bodyPr anchorCtr="0" anchor="b" bIns="91425" lIns="91425" rIns="91425" tIns="91425"/>
+          <a:bodyPr lIns="91425" tIns="91425" rIns="91425" bIns="91425" anchor="b" anchorCtr="0"/>
           <a:lstStyle>
             <a:lvl1pPr>
               <a:spcBef>
@@ -2450,15 +2819,19 @@
               <a:defRPr/>
             </a:lvl9pPr>
           </a:lstStyle>
-          <a:p/>
+          <a:p>
+            <a:endParaRPr/>
+          </a:p>
         </p:txBody>
       </p:sp>
       <p:sp>
         <p:nvSpPr>
           <p:cNvPr id="23" name="Shape 23"/>
-          <p:cNvSpPr txBox="1"/>
+          <p:cNvSpPr txBox="1">
+            <a:spLocks noGrp="1"/>
+          </p:cNvSpPr>
           <p:nvPr>
-            <p:ph idx="12" type="sldNum"/>
+            <p:ph type="sldNum" idx="12"/>
           </p:nvPr>
         </p:nvSpPr>
         <p:spPr>
@@ -2471,7 +2844,7 @@
           </a:prstGeom>
         </p:spPr>
         <p:txBody>
-          <a:bodyPr anchorCtr="0" anchor="ctr" bIns="91425" lIns="91425" rIns="91425" tIns="91425">
+          <a:bodyPr lIns="91425" tIns="91425" rIns="91425" bIns="91425" anchor="ctr" anchorCtr="0">
             <a:noAutofit/>
           </a:bodyPr>
           <a:lstStyle/>
@@ -2486,6 +2859,7 @@
               <a:rPr lang="en"/>
               <a:t>‹#›</a:t>
             </a:fld>
+            <a:endParaRPr lang="en"/>
           </a:p>
         </p:txBody>
       </p:sp>
@@ -2498,11 +2872,11 @@
 </file>
 
 <file path=ppt/slideLayouts/slideLayout5.xml><?xml version="1.0" encoding="utf-8"?>
-<p:sldLayout xmlns:a="http://schemas.openxmlformats.org/drawingml/2006/main" xmlns:r="http://schemas.openxmlformats.org/officeDocument/2006/relationships" xmlns:mc="http://schemas.openxmlformats.org/markup-compatibility/2006" xmlns:mv="urn:schemas-microsoft-com:mac:vml" xmlns:p="http://schemas.openxmlformats.org/presentationml/2006/main" xmlns:c="http://schemas.openxmlformats.org/drawingml/2006/chart" xmlns:dgm="http://schemas.openxmlformats.org/drawingml/2006/diagram" xmlns:o="urn:schemas-microsoft-com:office:office" xmlns:v="urn:schemas-microsoft-com:vml" xmlns:pvml="urn:schemas-microsoft-com:office:powerpoint" xmlns:com="http://schemas.openxmlformats.org/drawingml/2006/compatibility" xmlns:p14="http://schemas.microsoft.com/office/powerpoint/2010/main">
+<p:sldLayout xmlns:a="http://schemas.openxmlformats.org/drawingml/2006/main" xmlns:r="http://schemas.openxmlformats.org/officeDocument/2006/relationships" xmlns:p="http://schemas.openxmlformats.org/presentationml/2006/main">
   <p:cSld name="Caption">
     <p:spTree>
       <p:nvGrpSpPr>
-        <p:cNvPr id="24" name="Shape 24"/>
+        <p:cNvPr id="1" name="Shape 24"/>
         <p:cNvGrpSpPr/>
         <p:nvPr/>
       </p:nvGrpSpPr>
@@ -2517,9 +2891,11 @@
       <p:sp>
         <p:nvSpPr>
           <p:cNvPr id="25" name="Shape 25"/>
-          <p:cNvSpPr txBox="1"/>
+          <p:cNvSpPr txBox="1">
+            <a:spLocks noGrp="1"/>
+          </p:cNvSpPr>
           <p:nvPr>
-            <p:ph idx="1" type="body"/>
+            <p:ph type="body" idx="1"/>
           </p:nvPr>
         </p:nvSpPr>
         <p:spPr>
@@ -2532,7 +2908,7 @@
           </a:prstGeom>
         </p:spPr>
         <p:txBody>
-          <a:bodyPr anchorCtr="0" anchor="t" bIns="91425" lIns="91425" rIns="91425" tIns="91425"/>
+          <a:bodyPr lIns="91425" tIns="91425" rIns="91425" bIns="91425" anchor="t" anchorCtr="0"/>
           <a:lstStyle>
             <a:lvl1pPr algn="ctr">
               <a:spcBef>
@@ -2550,15 +2926,19 @@
               </a:defRPr>
             </a:lvl1pPr>
           </a:lstStyle>
-          <a:p/>
+          <a:p>
+            <a:endParaRPr/>
+          </a:p>
         </p:txBody>
       </p:sp>
       <p:sp>
         <p:nvSpPr>
           <p:cNvPr id="26" name="Shape 26"/>
-          <p:cNvSpPr txBox="1"/>
+          <p:cNvSpPr txBox="1">
+            <a:spLocks noGrp="1"/>
+          </p:cNvSpPr>
           <p:nvPr>
-            <p:ph idx="12" type="sldNum"/>
+            <p:ph type="sldNum" idx="12"/>
           </p:nvPr>
         </p:nvSpPr>
         <p:spPr>
@@ -2571,7 +2951,7 @@
           </a:prstGeom>
         </p:spPr>
         <p:txBody>
-          <a:bodyPr anchorCtr="0" anchor="ctr" bIns="91425" lIns="91425" rIns="91425" tIns="91425">
+          <a:bodyPr lIns="91425" tIns="91425" rIns="91425" bIns="91425" anchor="ctr" anchorCtr="0">
             <a:noAutofit/>
           </a:bodyPr>
           <a:lstStyle/>
@@ -2586,6 +2966,7 @@
               <a:rPr lang="en"/>
               <a:t>‹#›</a:t>
             </a:fld>
+            <a:endParaRPr lang="en"/>
           </a:p>
         </p:txBody>
       </p:sp>
@@ -2598,11 +2979,11 @@
 </file>
 
 <file path=ppt/slideLayouts/slideLayout6.xml><?xml version="1.0" encoding="utf-8"?>
-<p:sldLayout xmlns:a="http://schemas.openxmlformats.org/drawingml/2006/main" xmlns:r="http://schemas.openxmlformats.org/officeDocument/2006/relationships" xmlns:mc="http://schemas.openxmlformats.org/markup-compatibility/2006" xmlns:mv="urn:schemas-microsoft-com:mac:vml" xmlns:p="http://schemas.openxmlformats.org/presentationml/2006/main" xmlns:c="http://schemas.openxmlformats.org/drawingml/2006/chart" xmlns:dgm="http://schemas.openxmlformats.org/drawingml/2006/diagram" xmlns:o="urn:schemas-microsoft-com:office:office" xmlns:v="urn:schemas-microsoft-com:vml" xmlns:pvml="urn:schemas-microsoft-com:office:powerpoint" xmlns:com="http://schemas.openxmlformats.org/drawingml/2006/compatibility" xmlns:p14="http://schemas.microsoft.com/office/powerpoint/2010/main" type="blank">
+<p:sldLayout xmlns:a="http://schemas.openxmlformats.org/drawingml/2006/main" xmlns:r="http://schemas.openxmlformats.org/officeDocument/2006/relationships" xmlns:p="http://schemas.openxmlformats.org/presentationml/2006/main" type="blank">
   <p:cSld name="Blank">
     <p:spTree>
       <p:nvGrpSpPr>
-        <p:cNvPr id="27" name="Shape 27"/>
+        <p:cNvPr id="1" name="Shape 27"/>
         <p:cNvGrpSpPr/>
         <p:nvPr/>
       </p:nvGrpSpPr>
@@ -2617,9 +2998,11 @@
       <p:sp>
         <p:nvSpPr>
           <p:cNvPr id="28" name="Shape 28"/>
-          <p:cNvSpPr txBox="1"/>
+          <p:cNvSpPr txBox="1">
+            <a:spLocks noGrp="1"/>
+          </p:cNvSpPr>
           <p:nvPr>
-            <p:ph idx="12" type="sldNum"/>
+            <p:ph type="sldNum" idx="12"/>
           </p:nvPr>
         </p:nvSpPr>
         <p:spPr>
@@ -2632,7 +3015,7 @@
           </a:prstGeom>
         </p:spPr>
         <p:txBody>
-          <a:bodyPr anchorCtr="0" anchor="ctr" bIns="91425" lIns="91425" rIns="91425" tIns="91425">
+          <a:bodyPr lIns="91425" tIns="91425" rIns="91425" bIns="91425" anchor="ctr" anchorCtr="0">
             <a:noAutofit/>
           </a:bodyPr>
           <a:lstStyle/>
@@ -2647,6 +3030,7 @@
               <a:rPr lang="en"/>
               <a:t>‹#›</a:t>
             </a:fld>
+            <a:endParaRPr lang="en"/>
           </a:p>
         </p:txBody>
       </p:sp>
@@ -2659,7 +3043,7 @@
 </file>
 
 <file path=ppt/slideMasters/slideMaster1.xml><?xml version="1.0" encoding="utf-8"?>
-<p:sldMaster xmlns:a="http://schemas.openxmlformats.org/drawingml/2006/main" xmlns:r="http://schemas.openxmlformats.org/officeDocument/2006/relationships" xmlns:mc="http://schemas.openxmlformats.org/markup-compatibility/2006" xmlns:mv="urn:schemas-microsoft-com:mac:vml" xmlns:p="http://schemas.openxmlformats.org/presentationml/2006/main" xmlns:c="http://schemas.openxmlformats.org/drawingml/2006/chart" xmlns:dgm="http://schemas.openxmlformats.org/drawingml/2006/diagram" xmlns:o="urn:schemas-microsoft-com:office:office" xmlns:v="urn:schemas-microsoft-com:vml" xmlns:pvml="urn:schemas-microsoft-com:office:powerpoint" xmlns:com="http://schemas.openxmlformats.org/drawingml/2006/compatibility" xmlns:p14="http://schemas.microsoft.com/office/powerpoint/2010/main">
+<p:sldMaster xmlns:a="http://schemas.openxmlformats.org/drawingml/2006/main" xmlns:r="http://schemas.openxmlformats.org/officeDocument/2006/relationships" xmlns:p="http://schemas.openxmlformats.org/presentationml/2006/main">
   <p:cSld>
     <p:bg>
       <p:bgPr>
@@ -2676,15 +3060,16 @@
             </a:gs>
           </a:gsLst>
           <a:path path="circle">
-            <a:fillToRect b="50%" l="50%" r="50%" t="50%"/>
+            <a:fillToRect l="50000" t="50000" r="50000" b="50000"/>
           </a:path>
           <a:tileRect/>
         </a:gradFill>
+        <a:effectLst/>
       </p:bgPr>
     </p:bg>
     <p:spTree>
       <p:nvGrpSpPr>
-        <p:cNvPr id="4" name="Shape 4"/>
+        <p:cNvPr id="1" name="Shape 4"/>
         <p:cNvGrpSpPr/>
         <p:nvPr/>
       </p:nvGrpSpPr>
@@ -2699,7 +3084,9 @@
       <p:sp>
         <p:nvSpPr>
           <p:cNvPr id="5" name="Shape 5"/>
-          <p:cNvSpPr txBox="1"/>
+          <p:cNvSpPr txBox="1">
+            <a:spLocks noGrp="1"/>
+          </p:cNvSpPr>
           <p:nvPr>
             <p:ph type="title"/>
           </p:nvPr>
@@ -2718,7 +3105,7 @@
           </a:ln>
         </p:spPr>
         <p:txBody>
-          <a:bodyPr anchorCtr="0" anchor="b" bIns="91425" lIns="91425" rIns="91425" tIns="91425"/>
+          <a:bodyPr lIns="91425" tIns="91425" rIns="91425" bIns="91425" anchor="b" anchorCtr="0"/>
           <a:lstStyle>
             <a:lvl1pPr>
               <a:spcBef>
@@ -2729,7 +3116,7 @@
               </a:buClr>
               <a:buSzPct val="100000"/>
               <a:buNone/>
-              <a:defRPr b="1" sz="3600">
+              <a:defRPr sz="3600" b="1">
                 <a:solidFill>
                   <a:schemeClr val="dk1"/>
                 </a:solidFill>
@@ -2744,7 +3131,7 @@
               </a:buClr>
               <a:buSzPct val="100000"/>
               <a:buNone/>
-              <a:defRPr b="1" sz="3600">
+              <a:defRPr sz="3600" b="1">
                 <a:solidFill>
                   <a:schemeClr val="dk1"/>
                 </a:solidFill>
@@ -2759,7 +3146,7 @@
               </a:buClr>
               <a:buSzPct val="100000"/>
               <a:buNone/>
-              <a:defRPr b="1" sz="3600">
+              <a:defRPr sz="3600" b="1">
                 <a:solidFill>
                   <a:schemeClr val="dk1"/>
                 </a:solidFill>
@@ -2774,7 +3161,7 @@
               </a:buClr>
               <a:buSzPct val="100000"/>
               <a:buNone/>
-              <a:defRPr b="1" sz="3600">
+              <a:defRPr sz="3600" b="1">
                 <a:solidFill>
                   <a:schemeClr val="dk1"/>
                 </a:solidFill>
@@ -2789,7 +3176,7 @@
               </a:buClr>
               <a:buSzPct val="100000"/>
               <a:buNone/>
-              <a:defRPr b="1" sz="3600">
+              <a:defRPr sz="3600" b="1">
                 <a:solidFill>
                   <a:schemeClr val="dk1"/>
                 </a:solidFill>
@@ -2804,7 +3191,7 @@
               </a:buClr>
               <a:buSzPct val="100000"/>
               <a:buNone/>
-              <a:defRPr b="1" sz="3600">
+              <a:defRPr sz="3600" b="1">
                 <a:solidFill>
                   <a:schemeClr val="dk1"/>
                 </a:solidFill>
@@ -2819,7 +3206,7 @@
               </a:buClr>
               <a:buSzPct val="100000"/>
               <a:buNone/>
-              <a:defRPr b="1" sz="3600">
+              <a:defRPr sz="3600" b="1">
                 <a:solidFill>
                   <a:schemeClr val="dk1"/>
                 </a:solidFill>
@@ -2834,7 +3221,7 @@
               </a:buClr>
               <a:buSzPct val="100000"/>
               <a:buNone/>
-              <a:defRPr b="1" sz="3600">
+              <a:defRPr sz="3600" b="1">
                 <a:solidFill>
                   <a:schemeClr val="dk1"/>
                 </a:solidFill>
@@ -2849,22 +3236,26 @@
               </a:buClr>
               <a:buSzPct val="100000"/>
               <a:buNone/>
-              <a:defRPr b="1" sz="3600">
+              <a:defRPr sz="3600" b="1">
                 <a:solidFill>
                   <a:schemeClr val="dk1"/>
                 </a:solidFill>
               </a:defRPr>
             </a:lvl9pPr>
           </a:lstStyle>
-          <a:p/>
+          <a:p>
+            <a:endParaRPr/>
+          </a:p>
         </p:txBody>
       </p:sp>
       <p:sp>
         <p:nvSpPr>
           <p:cNvPr id="6" name="Shape 6"/>
-          <p:cNvSpPr txBox="1"/>
+          <p:cNvSpPr txBox="1">
+            <a:spLocks noGrp="1"/>
+          </p:cNvSpPr>
           <p:nvPr>
-            <p:ph idx="1" type="body"/>
+            <p:ph type="body" idx="1"/>
           </p:nvPr>
         </p:nvSpPr>
         <p:spPr>
@@ -2881,7 +3272,7 @@
           </a:ln>
         </p:spPr>
         <p:txBody>
-          <a:bodyPr anchorCtr="0" anchor="t" bIns="91425" lIns="91425" rIns="91425" tIns="91425"/>
+          <a:bodyPr lIns="91425" tIns="91425" rIns="91425" bIns="91425" anchor="t" anchorCtr="0"/>
           <a:lstStyle>
             <a:lvl1pPr>
               <a:spcBef>
@@ -2947,15 +3338,19 @@
               <a:defRPr sz="1800"/>
             </a:lvl9pPr>
           </a:lstStyle>
-          <a:p/>
+          <a:p>
+            <a:endParaRPr/>
+          </a:p>
         </p:txBody>
       </p:sp>
       <p:sp>
         <p:nvSpPr>
           <p:cNvPr id="7" name="Shape 7"/>
-          <p:cNvSpPr txBox="1"/>
+          <p:cNvSpPr txBox="1">
+            <a:spLocks noGrp="1"/>
+          </p:cNvSpPr>
           <p:nvPr>
-            <p:ph idx="12" type="sldNum"/>
+            <p:ph type="sldNum" idx="12"/>
           </p:nvPr>
         </p:nvSpPr>
         <p:spPr>
@@ -2972,7 +3367,7 @@
           </a:ln>
         </p:spPr>
         <p:txBody>
-          <a:bodyPr anchorCtr="0" anchor="ctr" bIns="91425" lIns="91425" rIns="91425" tIns="91425">
+          <a:bodyPr lIns="91425" tIns="91425" rIns="91425" bIns="91425" anchor="ctr" anchorCtr="0">
             <a:noAutofit/>
           </a:bodyPr>
           <a:lstStyle/>
@@ -2991,12 +3386,17 @@
               </a:rPr>
               <a:t>‹#›</a:t>
             </a:fld>
+            <a:endParaRPr lang="en" sz="1300">
+              <a:solidFill>
+                <a:schemeClr val="dk1"/>
+              </a:solidFill>
+            </a:endParaRPr>
           </a:p>
         </p:txBody>
       </p:sp>
     </p:spTree>
   </p:cSld>
-  <p:clrMap accent1="accent1" accent2="accent2" accent3="accent3" accent4="accent4" accent5="accent5" accent6="accent6" bg1="lt1" bg2="dk2" tx1="dk1" tx2="lt2" folHlink="folHlink" hlink="hlink"/>
+  <p:clrMap bg1="lt1" tx1="dk1" bg2="dk2" tx2="lt2" accent1="accent1" accent2="accent2" accent3="accent3" accent4="accent4" accent5="accent5" accent6="accent6" hlink="hlink" folHlink="folHlink"/>
   <p:sldLayoutIdLst>
     <p:sldLayoutId id="2147483648" r:id="rId1"/>
     <p:sldLayoutId id="2147483649" r:id="rId2"/>
@@ -3005,10 +3405,10 @@
     <p:sldLayoutId id="2147483652" r:id="rId5"/>
     <p:sldLayoutId id="2147483653" r:id="rId6"/>
   </p:sldLayoutIdLst>
-  <p:hf dt="0" ftr="0" hdr="0" sldNum="0"/>
+  <p:hf sldNum="0" hdr="0" ftr="0" dt="0"/>
   <p:txStyles>
     <p:titleStyle>
-      <a:defPPr marR="0" rtl="0" algn="l">
+      <a:defPPr marR="0" algn="l" rtl="0">
         <a:lnSpc>
           <a:spcPct val="100000"/>
         </a:lnSpc>
@@ -3019,7 +3419,7 @@
           <a:spcPts val="0"/>
         </a:spcAft>
       </a:defPPr>
-      <a:lvl1pPr marR="0" rtl="0" algn="l">
+      <a:lvl1pPr marR="0" algn="l" rtl="0">
         <a:lnSpc>
           <a:spcPct val="100000"/>
         </a:lnSpc>
@@ -3030,7 +3430,7 @@
           <a:spcPts val="0"/>
         </a:spcAft>
         <a:buNone/>
-        <a:defRPr b="0" baseline="0" i="0" sz="1400" u="none" cap="none" strike="noStrike">
+        <a:defRPr sz="1400" b="0" i="0" u="none" strike="noStrike" cap="none" baseline="0">
           <a:solidFill>
             <a:srgbClr val="000000"/>
           </a:solidFill>
@@ -3043,7 +3443,7 @@
       </a:lvl1pPr>
     </p:titleStyle>
     <p:bodyStyle>
-      <a:defPPr marR="0" rtl="0" algn="l">
+      <a:defPPr marR="0" algn="l" rtl="0">
         <a:lnSpc>
           <a:spcPct val="100000"/>
         </a:lnSpc>
@@ -3054,7 +3454,7 @@
           <a:spcPts val="0"/>
         </a:spcAft>
       </a:defPPr>
-      <a:lvl1pPr marR="0" rtl="0" algn="l">
+      <a:lvl1pPr marR="0" algn="l" rtl="0">
         <a:lnSpc>
           <a:spcPct val="100000"/>
         </a:lnSpc>
@@ -3065,7 +3465,7 @@
           <a:spcPts val="0"/>
         </a:spcAft>
         <a:buNone/>
-        <a:defRPr b="0" baseline="0" i="0" sz="1400" u="none" cap="none" strike="noStrike">
+        <a:defRPr sz="1400" b="0" i="0" u="none" strike="noStrike" cap="none" baseline="0">
           <a:solidFill>
             <a:srgbClr val="000000"/>
           </a:solidFill>
@@ -3076,7 +3476,7 @@
           <a:rtl val="0"/>
         </a:defRPr>
       </a:lvl1pPr>
-      <a:lvl2pPr marR="0" rtl="0" algn="l">
+      <a:lvl2pPr marR="0" algn="l" rtl="0">
         <a:lnSpc>
           <a:spcPct val="100000"/>
         </a:lnSpc>
@@ -3087,7 +3487,7 @@
           <a:spcPts val="0"/>
         </a:spcAft>
         <a:buNone/>
-        <a:defRPr b="0" baseline="0" i="0" sz="1400" u="none" cap="none" strike="noStrike">
+        <a:defRPr sz="1400" b="0" i="0" u="none" strike="noStrike" cap="none" baseline="0">
           <a:solidFill>
             <a:srgbClr val="000000"/>
           </a:solidFill>
@@ -3098,7 +3498,7 @@
           <a:rtl val="0"/>
         </a:defRPr>
       </a:lvl2pPr>
-      <a:lvl3pPr marR="0" rtl="0" algn="l">
+      <a:lvl3pPr marR="0" algn="l" rtl="0">
         <a:lnSpc>
           <a:spcPct val="100000"/>
         </a:lnSpc>
@@ -3109,7 +3509,7 @@
           <a:spcPts val="0"/>
         </a:spcAft>
         <a:buNone/>
-        <a:defRPr b="0" baseline="0" i="0" sz="1400" u="none" cap="none" strike="noStrike">
+        <a:defRPr sz="1400" b="0" i="0" u="none" strike="noStrike" cap="none" baseline="0">
           <a:solidFill>
             <a:srgbClr val="000000"/>
           </a:solidFill>
@@ -3120,7 +3520,7 @@
           <a:rtl val="0"/>
         </a:defRPr>
       </a:lvl3pPr>
-      <a:lvl4pPr marR="0" rtl="0" algn="l">
+      <a:lvl4pPr marR="0" algn="l" rtl="0">
         <a:lnSpc>
           <a:spcPct val="100000"/>
         </a:lnSpc>
@@ -3131,7 +3531,7 @@
           <a:spcPts val="0"/>
         </a:spcAft>
         <a:buNone/>
-        <a:defRPr b="0" baseline="0" i="0" sz="1400" u="none" cap="none" strike="noStrike">
+        <a:defRPr sz="1400" b="0" i="0" u="none" strike="noStrike" cap="none" baseline="0">
           <a:solidFill>
             <a:srgbClr val="000000"/>
           </a:solidFill>
@@ -3142,7 +3542,7 @@
           <a:rtl val="0"/>
         </a:defRPr>
       </a:lvl4pPr>
-      <a:lvl5pPr marR="0" rtl="0" algn="l">
+      <a:lvl5pPr marR="0" algn="l" rtl="0">
         <a:lnSpc>
           <a:spcPct val="100000"/>
         </a:lnSpc>
@@ -3153,7 +3553,7 @@
           <a:spcPts val="0"/>
         </a:spcAft>
         <a:buNone/>
-        <a:defRPr b="0" baseline="0" i="0" sz="1400" u="none" cap="none" strike="noStrike">
+        <a:defRPr sz="1400" b="0" i="0" u="none" strike="noStrike" cap="none" baseline="0">
           <a:solidFill>
             <a:srgbClr val="000000"/>
           </a:solidFill>
@@ -3164,7 +3564,7 @@
           <a:rtl val="0"/>
         </a:defRPr>
       </a:lvl5pPr>
-      <a:lvl6pPr marR="0" rtl="0" algn="l">
+      <a:lvl6pPr marR="0" algn="l" rtl="0">
         <a:lnSpc>
           <a:spcPct val="100000"/>
         </a:lnSpc>
@@ -3175,7 +3575,7 @@
           <a:spcPts val="0"/>
         </a:spcAft>
         <a:buNone/>
-        <a:defRPr b="0" baseline="0" i="0" sz="1400" u="none" cap="none" strike="noStrike">
+        <a:defRPr sz="1400" b="0" i="0" u="none" strike="noStrike" cap="none" baseline="0">
           <a:solidFill>
             <a:srgbClr val="000000"/>
           </a:solidFill>
@@ -3186,7 +3586,7 @@
           <a:rtl val="0"/>
         </a:defRPr>
       </a:lvl6pPr>
-      <a:lvl7pPr marR="0" rtl="0" algn="l">
+      <a:lvl7pPr marR="0" algn="l" rtl="0">
         <a:lnSpc>
           <a:spcPct val="100000"/>
         </a:lnSpc>
@@ -3197,7 +3597,7 @@
           <a:spcPts val="0"/>
         </a:spcAft>
         <a:buNone/>
-        <a:defRPr b="0" baseline="0" i="0" sz="1400" u="none" cap="none" strike="noStrike">
+        <a:defRPr sz="1400" b="0" i="0" u="none" strike="noStrike" cap="none" baseline="0">
           <a:solidFill>
             <a:srgbClr val="000000"/>
           </a:solidFill>
@@ -3208,7 +3608,7 @@
           <a:rtl val="0"/>
         </a:defRPr>
       </a:lvl7pPr>
-      <a:lvl8pPr marR="0" rtl="0" algn="l">
+      <a:lvl8pPr marR="0" algn="l" rtl="0">
         <a:lnSpc>
           <a:spcPct val="100000"/>
         </a:lnSpc>
@@ -3219,7 +3619,7 @@
           <a:spcPts val="0"/>
         </a:spcAft>
         <a:buNone/>
-        <a:defRPr b="0" baseline="0" i="0" sz="1400" u="none" cap="none" strike="noStrike">
+        <a:defRPr sz="1400" b="0" i="0" u="none" strike="noStrike" cap="none" baseline="0">
           <a:solidFill>
             <a:srgbClr val="000000"/>
           </a:solidFill>
@@ -3230,7 +3630,7 @@
           <a:rtl val="0"/>
         </a:defRPr>
       </a:lvl8pPr>
-      <a:lvl9pPr marR="0" rtl="0" algn="l">
+      <a:lvl9pPr marR="0" algn="l" rtl="0">
         <a:lnSpc>
           <a:spcPct val="100000"/>
         </a:lnSpc>
@@ -3241,7 +3641,7 @@
           <a:spcPts val="0"/>
         </a:spcAft>
         <a:buNone/>
-        <a:defRPr b="0" baseline="0" i="0" sz="1400" u="none" cap="none" strike="noStrike">
+        <a:defRPr sz="1400" b="0" i="0" u="none" strike="noStrike" cap="none" baseline="0">
           <a:solidFill>
             <a:srgbClr val="000000"/>
           </a:solidFill>
@@ -3254,7 +3654,7 @@
       </a:lvl9pPr>
     </p:bodyStyle>
     <p:otherStyle>
-      <a:defPPr marR="0" rtl="0" algn="l">
+      <a:defPPr marR="0" algn="l" rtl="0">
         <a:lnSpc>
           <a:spcPct val="100000"/>
         </a:lnSpc>
@@ -3265,7 +3665,7 @@
           <a:spcPts val="0"/>
         </a:spcAft>
       </a:defPPr>
-      <a:lvl1pPr marR="0" rtl="0" algn="l">
+      <a:lvl1pPr marR="0" algn="l" rtl="0">
         <a:lnSpc>
           <a:spcPct val="100000"/>
         </a:lnSpc>
@@ -3276,7 +3676,7 @@
           <a:spcPts val="0"/>
         </a:spcAft>
         <a:buNone/>
-        <a:defRPr b="0" baseline="0" i="0" sz="1400" u="none" cap="none" strike="noStrike">
+        <a:defRPr sz="1400" b="0" i="0" u="none" strike="noStrike" cap="none" baseline="0">
           <a:solidFill>
             <a:srgbClr val="000000"/>
           </a:solidFill>
@@ -3287,7 +3687,7 @@
           <a:rtl val="0"/>
         </a:defRPr>
       </a:lvl1pPr>
-      <a:lvl2pPr marR="0" rtl="0" algn="l">
+      <a:lvl2pPr marR="0" algn="l" rtl="0">
         <a:lnSpc>
           <a:spcPct val="100000"/>
         </a:lnSpc>
@@ -3298,7 +3698,7 @@
           <a:spcPts val="0"/>
         </a:spcAft>
         <a:buNone/>
-        <a:defRPr b="0" baseline="0" i="0" sz="1400" u="none" cap="none" strike="noStrike">
+        <a:defRPr sz="1400" b="0" i="0" u="none" strike="noStrike" cap="none" baseline="0">
           <a:solidFill>
             <a:srgbClr val="000000"/>
           </a:solidFill>
@@ -3309,7 +3709,7 @@
           <a:rtl val="0"/>
         </a:defRPr>
       </a:lvl2pPr>
-      <a:lvl3pPr marR="0" rtl="0" algn="l">
+      <a:lvl3pPr marR="0" algn="l" rtl="0">
         <a:lnSpc>
           <a:spcPct val="100000"/>
         </a:lnSpc>
@@ -3320,7 +3720,7 @@
           <a:spcPts val="0"/>
         </a:spcAft>
         <a:buNone/>
-        <a:defRPr b="0" baseline="0" i="0" sz="1400" u="none" cap="none" strike="noStrike">
+        <a:defRPr sz="1400" b="0" i="0" u="none" strike="noStrike" cap="none" baseline="0">
           <a:solidFill>
             <a:srgbClr val="000000"/>
           </a:solidFill>
@@ -3331,7 +3731,7 @@
           <a:rtl val="0"/>
         </a:defRPr>
       </a:lvl3pPr>
-      <a:lvl4pPr marR="0" rtl="0" algn="l">
+      <a:lvl4pPr marR="0" algn="l" rtl="0">
         <a:lnSpc>
           <a:spcPct val="100000"/>
         </a:lnSpc>
@@ -3342,7 +3742,7 @@
           <a:spcPts val="0"/>
         </a:spcAft>
         <a:buNone/>
-        <a:defRPr b="0" baseline="0" i="0" sz="1400" u="none" cap="none" strike="noStrike">
+        <a:defRPr sz="1400" b="0" i="0" u="none" strike="noStrike" cap="none" baseline="0">
           <a:solidFill>
             <a:srgbClr val="000000"/>
           </a:solidFill>
@@ -3353,7 +3753,7 @@
           <a:rtl val="0"/>
         </a:defRPr>
       </a:lvl4pPr>
-      <a:lvl5pPr marR="0" rtl="0" algn="l">
+      <a:lvl5pPr marR="0" algn="l" rtl="0">
         <a:lnSpc>
           <a:spcPct val="100000"/>
         </a:lnSpc>
@@ -3364,7 +3764,7 @@
           <a:spcPts val="0"/>
         </a:spcAft>
         <a:buNone/>
-        <a:defRPr b="0" baseline="0" i="0" sz="1400" u="none" cap="none" strike="noStrike">
+        <a:defRPr sz="1400" b="0" i="0" u="none" strike="noStrike" cap="none" baseline="0">
           <a:solidFill>
             <a:srgbClr val="000000"/>
           </a:solidFill>
@@ -3375,7 +3775,7 @@
           <a:rtl val="0"/>
         </a:defRPr>
       </a:lvl5pPr>
-      <a:lvl6pPr marR="0" rtl="0" algn="l">
+      <a:lvl6pPr marR="0" algn="l" rtl="0">
         <a:lnSpc>
           <a:spcPct val="100000"/>
         </a:lnSpc>
@@ -3386,7 +3786,7 @@
           <a:spcPts val="0"/>
         </a:spcAft>
         <a:buNone/>
-        <a:defRPr b="0" baseline="0" i="0" sz="1400" u="none" cap="none" strike="noStrike">
+        <a:defRPr sz="1400" b="0" i="0" u="none" strike="noStrike" cap="none" baseline="0">
           <a:solidFill>
             <a:srgbClr val="000000"/>
           </a:solidFill>
@@ -3397,7 +3797,7 @@
           <a:rtl val="0"/>
         </a:defRPr>
       </a:lvl6pPr>
-      <a:lvl7pPr marR="0" rtl="0" algn="l">
+      <a:lvl7pPr marR="0" algn="l" rtl="0">
         <a:lnSpc>
           <a:spcPct val="100000"/>
         </a:lnSpc>
@@ -3408,7 +3808,7 @@
           <a:spcPts val="0"/>
         </a:spcAft>
         <a:buNone/>
-        <a:defRPr b="0" baseline="0" i="0" sz="1400" u="none" cap="none" strike="noStrike">
+        <a:defRPr sz="1400" b="0" i="0" u="none" strike="noStrike" cap="none" baseline="0">
           <a:solidFill>
             <a:srgbClr val="000000"/>
           </a:solidFill>
@@ -3419,7 +3819,7 @@
           <a:rtl val="0"/>
         </a:defRPr>
       </a:lvl7pPr>
-      <a:lvl8pPr marR="0" rtl="0" algn="l">
+      <a:lvl8pPr marR="0" algn="l" rtl="0">
         <a:lnSpc>
           <a:spcPct val="100000"/>
         </a:lnSpc>
@@ -3430,7 +3830,7 @@
           <a:spcPts val="0"/>
         </a:spcAft>
         <a:buNone/>
-        <a:defRPr b="0" baseline="0" i="0" sz="1400" u="none" cap="none" strike="noStrike">
+        <a:defRPr sz="1400" b="0" i="0" u="none" strike="noStrike" cap="none" baseline="0">
           <a:solidFill>
             <a:srgbClr val="000000"/>
           </a:solidFill>
@@ -3441,7 +3841,7 @@
           <a:rtl val="0"/>
         </a:defRPr>
       </a:lvl8pPr>
-      <a:lvl9pPr marR="0" rtl="0" algn="l">
+      <a:lvl9pPr marR="0" algn="l" rtl="0">
         <a:lnSpc>
           <a:spcPct val="100000"/>
         </a:lnSpc>
@@ -3452,7 +3852,7 @@
           <a:spcPts val="0"/>
         </a:spcAft>
         <a:buNone/>
-        <a:defRPr b="0" baseline="0" i="0" sz="1400" u="none" cap="none" strike="noStrike">
+        <a:defRPr sz="1400" b="0" i="0" u="none" strike="noStrike" cap="none" baseline="0">
           <a:solidFill>
             <a:srgbClr val="000000"/>
           </a:solidFill>
@@ -3469,11 +3869,11 @@
 </file>
 
 <file path=ppt/slides/slide1.xml><?xml version="1.0" encoding="utf-8"?>
-<p:sld xmlns:a="http://schemas.openxmlformats.org/drawingml/2006/main" xmlns:r="http://schemas.openxmlformats.org/officeDocument/2006/relationships" xmlns:mc="http://schemas.openxmlformats.org/markup-compatibility/2006" xmlns:mv="urn:schemas-microsoft-com:mac:vml" xmlns:p="http://schemas.openxmlformats.org/presentationml/2006/main" xmlns:c="http://schemas.openxmlformats.org/drawingml/2006/chart" xmlns:dgm="http://schemas.openxmlformats.org/drawingml/2006/diagram" xmlns:o="urn:schemas-microsoft-com:office:office" xmlns:v="urn:schemas-microsoft-com:vml" xmlns:pvml="urn:schemas-microsoft-com:office:powerpoint" xmlns:com="http://schemas.openxmlformats.org/drawingml/2006/compatibility" xmlns:p14="http://schemas.microsoft.com/office/powerpoint/2010/main">
+<p:sld xmlns:a="http://schemas.openxmlformats.org/drawingml/2006/main" xmlns:r="http://schemas.openxmlformats.org/officeDocument/2006/relationships" xmlns:p="http://schemas.openxmlformats.org/presentationml/2006/main">
   <p:cSld>
     <p:spTree>
       <p:nvGrpSpPr>
-        <p:cNvPr id="29" name="Shape 29"/>
+        <p:cNvPr id="1" name="Shape 29"/>
         <p:cNvGrpSpPr/>
         <p:nvPr/>
       </p:nvGrpSpPr>
@@ -3488,7 +3888,9 @@
       <p:sp>
         <p:nvSpPr>
           <p:cNvPr id="30" name="Shape 30"/>
-          <p:cNvSpPr txBox="1"/>
+          <p:cNvSpPr txBox="1">
+            <a:spLocks noGrp="1"/>
+          </p:cNvSpPr>
           <p:nvPr>
             <p:ph type="ctrTitle"/>
           </p:nvPr>
@@ -3503,7 +3905,7 @@
           </a:prstGeom>
         </p:spPr>
         <p:txBody>
-          <a:bodyPr anchorCtr="0" anchor="b" bIns="91425" lIns="91425" rIns="91425" tIns="91425">
+          <a:bodyPr lIns="91425" tIns="91425" rIns="91425" bIns="91425" anchor="b" anchorCtr="0">
             <a:noAutofit/>
           </a:bodyPr>
           <a:lstStyle/>
@@ -3515,9 +3917,14 @@
               <a:buNone/>
             </a:pPr>
             <a:r>
-              <a:rPr lang="en" sz="3600"/>
-              <a:t>Comp Photography (Term 201X)</a:t>
+              <a:rPr lang="en" sz="3600" dirty="0"/>
+              <a:t>Comp Photography </a:t>
             </a:r>
+            <a:r>
+              <a:rPr lang="en" sz="3600" dirty="0" smtClean="0"/>
+              <a:t>(Fall 2015)</a:t>
+            </a:r>
+            <a:endParaRPr lang="en" sz="3600" dirty="0"/>
           </a:p>
           <a:p>
             <a:pPr>
@@ -3527,7 +3934,7 @@
               <a:buNone/>
             </a:pPr>
             <a:r>
-              <a:rPr lang="en" sz="3600"/>
+              <a:rPr lang="en" sz="3600" dirty="0"/>
               <a:t>HW 10</a:t>
             </a:r>
           </a:p>
@@ -3536,9 +3943,11 @@
       <p:sp>
         <p:nvSpPr>
           <p:cNvPr id="31" name="Shape 31"/>
-          <p:cNvSpPr txBox="1"/>
+          <p:cNvSpPr txBox="1">
+            <a:spLocks noGrp="1"/>
+          </p:cNvSpPr>
           <p:nvPr>
-            <p:ph idx="1" type="subTitle"/>
+            <p:ph type="subTitle" idx="1"/>
           </p:nvPr>
         </p:nvSpPr>
         <p:spPr>
@@ -3551,7 +3960,7 @@
           </a:prstGeom>
         </p:spPr>
         <p:txBody>
-          <a:bodyPr anchorCtr="0" anchor="t" bIns="91425" lIns="91425" rIns="91425" tIns="91425">
+          <a:bodyPr lIns="91425" tIns="91425" rIns="91425" bIns="91425" anchor="t" anchorCtr="0">
             <a:noAutofit/>
           </a:bodyPr>
           <a:lstStyle/>
@@ -3563,9 +3972,10 @@
               <a:buNone/>
             </a:pPr>
             <a:r>
-              <a:rPr lang="en"/>
-              <a:t>First Name Last Name</a:t>
+              <a:rPr lang="en" dirty="0" smtClean="0"/>
+              <a:t>Hieu Nguyen</a:t>
             </a:r>
+            <a:endParaRPr lang="en" dirty="0"/>
           </a:p>
         </p:txBody>
       </p:sp>
@@ -3589,7 +3999,7 @@
           </a:ln>
         </p:spPr>
         <p:txBody>
-          <a:bodyPr anchorCtr="0" anchor="ctr" bIns="91425" lIns="91425" rIns="91425" tIns="91425">
+          <a:bodyPr lIns="91425" tIns="91425" rIns="91425" bIns="91425" anchor="ctr" anchorCtr="0">
             <a:noAutofit/>
           </a:bodyPr>
           <a:lstStyle/>
@@ -3623,11 +4033,11 @@
 </file>
 
 <file path=ppt/slides/slide10.xml><?xml version="1.0" encoding="utf-8"?>
-<p:sld xmlns:a="http://schemas.openxmlformats.org/drawingml/2006/main" xmlns:r="http://schemas.openxmlformats.org/officeDocument/2006/relationships" xmlns:mc="http://schemas.openxmlformats.org/markup-compatibility/2006" xmlns:mv="urn:schemas-microsoft-com:mac:vml" xmlns:p="http://schemas.openxmlformats.org/presentationml/2006/main" xmlns:c="http://schemas.openxmlformats.org/drawingml/2006/chart" xmlns:dgm="http://schemas.openxmlformats.org/drawingml/2006/diagram" xmlns:o="urn:schemas-microsoft-com:office:office" xmlns:v="urn:schemas-microsoft-com:vml" xmlns:pvml="urn:schemas-microsoft-com:office:powerpoint" xmlns:com="http://schemas.openxmlformats.org/drawingml/2006/compatibility" xmlns:p14="http://schemas.microsoft.com/office/powerpoint/2010/main">
+<p:sld xmlns:a="http://schemas.openxmlformats.org/drawingml/2006/main" xmlns:r="http://schemas.openxmlformats.org/officeDocument/2006/relationships" xmlns:p="http://schemas.openxmlformats.org/presentationml/2006/main">
   <p:cSld>
     <p:spTree>
       <p:nvGrpSpPr>
-        <p:cNvPr id="93" name="Shape 93"/>
+        <p:cNvPr id="1" name="Shape 93"/>
         <p:cNvGrpSpPr/>
         <p:nvPr/>
       </p:nvGrpSpPr>
@@ -3642,7 +4052,9 @@
       <p:sp>
         <p:nvSpPr>
           <p:cNvPr id="94" name="Shape 94"/>
-          <p:cNvSpPr txBox="1"/>
+          <p:cNvSpPr txBox="1">
+            <a:spLocks noGrp="1"/>
+          </p:cNvSpPr>
           <p:nvPr>
             <p:ph type="title"/>
           </p:nvPr>
@@ -3657,7 +4069,7 @@
           </a:prstGeom>
         </p:spPr>
         <p:txBody>
-          <a:bodyPr anchorCtr="0" anchor="b" bIns="91425" lIns="91425" rIns="91425" tIns="91425">
+          <a:bodyPr lIns="91425" tIns="91425" rIns="91425" bIns="91425" anchor="b" anchorCtr="0">
             <a:noAutofit/>
           </a:bodyPr>
           <a:lstStyle/>
@@ -3678,9 +4090,11 @@
       <p:sp>
         <p:nvSpPr>
           <p:cNvPr id="95" name="Shape 95"/>
-          <p:cNvSpPr txBox="1"/>
+          <p:cNvSpPr txBox="1">
+            <a:spLocks noGrp="1"/>
+          </p:cNvSpPr>
           <p:nvPr>
-            <p:ph idx="1" type="body"/>
+            <p:ph type="body" idx="1"/>
           </p:nvPr>
         </p:nvSpPr>
         <p:spPr>
@@ -3693,7 +4107,7 @@
           </a:prstGeom>
         </p:spPr>
         <p:txBody>
-          <a:bodyPr anchorCtr="0" anchor="t" bIns="91425" lIns="91425" rIns="91425" tIns="91425">
+          <a:bodyPr lIns="91425" tIns="91425" rIns="91425" bIns="91425" anchor="t" anchorCtr="0">
             <a:noAutofit/>
           </a:bodyPr>
           <a:lstStyle/>
@@ -3720,9 +4134,6 @@
               </a:spcBef>
               <a:buNone/>
             </a:pPr>
-            <a:r>
-              <a:t/>
-            </a:r>
             <a:endParaRPr sz="2400">
               <a:solidFill>
                 <a:schemeClr val="dk1"/>
@@ -3752,9 +4163,6 @@
               </a:spcBef>
               <a:buNone/>
             </a:pPr>
-            <a:r>
-              <a:t/>
-            </a:r>
             <a:endParaRPr/>
           </a:p>
         </p:txBody>
@@ -3779,7 +4187,7 @@
           </a:ln>
         </p:spPr>
         <p:txBody>
-          <a:bodyPr anchorCtr="0" anchor="ctr" bIns="91425" lIns="91425" rIns="91425" tIns="91425">
+          <a:bodyPr lIns="91425" tIns="91425" rIns="91425" bIns="91425" anchor="ctr" anchorCtr="0">
             <a:noAutofit/>
           </a:bodyPr>
           <a:lstStyle/>
@@ -3813,11 +4221,11 @@
 </file>
 
 <file path=ppt/slides/slide11.xml><?xml version="1.0" encoding="utf-8"?>
-<p:sld xmlns:a="http://schemas.openxmlformats.org/drawingml/2006/main" xmlns:r="http://schemas.openxmlformats.org/officeDocument/2006/relationships" xmlns:mc="http://schemas.openxmlformats.org/markup-compatibility/2006" xmlns:mv="urn:schemas-microsoft-com:mac:vml" xmlns:p="http://schemas.openxmlformats.org/presentationml/2006/main" xmlns:c="http://schemas.openxmlformats.org/drawingml/2006/chart" xmlns:dgm="http://schemas.openxmlformats.org/drawingml/2006/diagram" xmlns:o="urn:schemas-microsoft-com:office:office" xmlns:v="urn:schemas-microsoft-com:vml" xmlns:pvml="urn:schemas-microsoft-com:office:powerpoint" xmlns:com="http://schemas.openxmlformats.org/drawingml/2006/compatibility" xmlns:p14="http://schemas.microsoft.com/office/powerpoint/2010/main">
+<p:sld xmlns:a="http://schemas.openxmlformats.org/drawingml/2006/main" xmlns:r="http://schemas.openxmlformats.org/officeDocument/2006/relationships" xmlns:p="http://schemas.openxmlformats.org/presentationml/2006/main">
   <p:cSld>
     <p:spTree>
       <p:nvGrpSpPr>
-        <p:cNvPr id="100" name="Shape 100"/>
+        <p:cNvPr id="1" name="Shape 100"/>
         <p:cNvGrpSpPr/>
         <p:nvPr/>
       </p:nvGrpSpPr>
@@ -3832,7 +4240,9 @@
       <p:sp>
         <p:nvSpPr>
           <p:cNvPr id="101" name="Shape 101"/>
-          <p:cNvSpPr txBox="1"/>
+          <p:cNvSpPr txBox="1">
+            <a:spLocks noGrp="1"/>
+          </p:cNvSpPr>
           <p:nvPr>
             <p:ph type="title"/>
           </p:nvPr>
@@ -3847,7 +4257,7 @@
           </a:prstGeom>
         </p:spPr>
         <p:txBody>
-          <a:bodyPr anchorCtr="0" anchor="b" bIns="91425" lIns="91425" rIns="91425" tIns="91425">
+          <a:bodyPr lIns="91425" tIns="91425" rIns="91425" bIns="91425" anchor="b" anchorCtr="0">
             <a:noAutofit/>
           </a:bodyPr>
           <a:lstStyle/>
@@ -3868,9 +4278,11 @@
       <p:sp>
         <p:nvSpPr>
           <p:cNvPr id="102" name="Shape 102"/>
-          <p:cNvSpPr txBox="1"/>
+          <p:cNvSpPr txBox="1">
+            <a:spLocks noGrp="1"/>
+          </p:cNvSpPr>
           <p:nvPr>
-            <p:ph idx="1" type="body"/>
+            <p:ph type="body" idx="1"/>
           </p:nvPr>
         </p:nvSpPr>
         <p:spPr>
@@ -3883,12 +4295,12 @@
           </a:prstGeom>
         </p:spPr>
         <p:txBody>
-          <a:bodyPr anchorCtr="0" anchor="t" bIns="91425" lIns="91425" rIns="91425" tIns="91425">
+          <a:bodyPr lIns="91425" tIns="91425" rIns="91425" bIns="91425" anchor="t" anchorCtr="0">
             <a:noAutofit/>
           </a:bodyPr>
           <a:lstStyle/>
           <a:p>
-            <a:pPr indent="-228600" lvl="0" marL="457200">
+            <a:pPr marL="457200" lvl="0" indent="-228600">
               <a:spcBef>
                 <a:spcPts val="0"/>
               </a:spcBef>
@@ -3928,7 +4340,7 @@
           </a:ln>
         </p:spPr>
         <p:txBody>
-          <a:bodyPr anchorCtr="0" anchor="ctr" bIns="91425" lIns="91425" rIns="91425" tIns="91425">
+          <a:bodyPr lIns="91425" tIns="91425" rIns="91425" bIns="91425" anchor="ctr" anchorCtr="0">
             <a:noAutofit/>
           </a:bodyPr>
           <a:lstStyle/>
@@ -3962,11 +4374,11 @@
 </file>
 
 <file path=ppt/slides/slide2.xml><?xml version="1.0" encoding="utf-8"?>
-<p:sld xmlns:a="http://schemas.openxmlformats.org/drawingml/2006/main" xmlns:r="http://schemas.openxmlformats.org/officeDocument/2006/relationships" xmlns:mc="http://schemas.openxmlformats.org/markup-compatibility/2006" xmlns:mv="urn:schemas-microsoft-com:mac:vml" xmlns:p="http://schemas.openxmlformats.org/presentationml/2006/main" xmlns:c="http://schemas.openxmlformats.org/drawingml/2006/chart" xmlns:dgm="http://schemas.openxmlformats.org/drawingml/2006/diagram" xmlns:o="urn:schemas-microsoft-com:office:office" xmlns:v="urn:schemas-microsoft-com:vml" xmlns:pvml="urn:schemas-microsoft-com:office:powerpoint" xmlns:com="http://schemas.openxmlformats.org/drawingml/2006/compatibility" xmlns:p14="http://schemas.microsoft.com/office/powerpoint/2010/main">
+<p:sld xmlns:a="http://schemas.openxmlformats.org/drawingml/2006/main" xmlns:r="http://schemas.openxmlformats.org/officeDocument/2006/relationships" xmlns:p="http://schemas.openxmlformats.org/presentationml/2006/main">
   <p:cSld>
     <p:spTree>
       <p:nvGrpSpPr>
-        <p:cNvPr id="36" name="Shape 36"/>
+        <p:cNvPr id="1" name="Shape 36"/>
         <p:cNvGrpSpPr/>
         <p:nvPr/>
       </p:nvGrpSpPr>
@@ -3981,9 +4393,11 @@
       <p:sp>
         <p:nvSpPr>
           <p:cNvPr id="37" name="Shape 37"/>
-          <p:cNvSpPr txBox="1"/>
+          <p:cNvSpPr txBox="1">
+            <a:spLocks noGrp="1"/>
+          </p:cNvSpPr>
           <p:nvPr>
-            <p:ph idx="1" type="body"/>
+            <p:ph type="body" idx="1"/>
           </p:nvPr>
         </p:nvSpPr>
         <p:spPr>
@@ -3996,7 +4410,7 @@
           </a:prstGeom>
         </p:spPr>
         <p:txBody>
-          <a:bodyPr anchorCtr="0" anchor="t" bIns="91425" lIns="91425" rIns="91425" tIns="91425">
+          <a:bodyPr lIns="91425" tIns="91425" rIns="91425" bIns="91425" anchor="t" anchorCtr="0">
             <a:noAutofit/>
           </a:bodyPr>
           <a:lstStyle/>
@@ -4101,7 +4515,9 @@
       <p:sp>
         <p:nvSpPr>
           <p:cNvPr id="38" name="Shape 38"/>
-          <p:cNvSpPr txBox="1"/>
+          <p:cNvSpPr txBox="1">
+            <a:spLocks noGrp="1"/>
+          </p:cNvSpPr>
           <p:nvPr>
             <p:ph type="title"/>
           </p:nvPr>
@@ -4116,7 +4532,7 @@
           </a:prstGeom>
         </p:spPr>
         <p:txBody>
-          <a:bodyPr anchorCtr="0" anchor="b" bIns="91425" lIns="91425" rIns="91425" tIns="91425">
+          <a:bodyPr lIns="91425" tIns="91425" rIns="91425" bIns="91425" anchor="b" anchorCtr="0">
             <a:noAutofit/>
           </a:bodyPr>
           <a:lstStyle/>
@@ -4154,7 +4570,7 @@
           </a:ln>
         </p:spPr>
         <p:txBody>
-          <a:bodyPr anchorCtr="0" anchor="ctr" bIns="91425" lIns="91425" rIns="91425" tIns="91425">
+          <a:bodyPr lIns="91425" tIns="91425" rIns="91425" bIns="91425" anchor="ctr" anchorCtr="0">
             <a:noAutofit/>
           </a:bodyPr>
           <a:lstStyle/>
@@ -4188,11 +4604,11 @@
 </file>
 
 <file path=ppt/slides/slide3.xml><?xml version="1.0" encoding="utf-8"?>
-<p:sld xmlns:a="http://schemas.openxmlformats.org/drawingml/2006/main" xmlns:r="http://schemas.openxmlformats.org/officeDocument/2006/relationships" xmlns:mc="http://schemas.openxmlformats.org/markup-compatibility/2006" xmlns:mv="urn:schemas-microsoft-com:mac:vml" xmlns:p="http://schemas.openxmlformats.org/presentationml/2006/main" xmlns:c="http://schemas.openxmlformats.org/drawingml/2006/chart" xmlns:dgm="http://schemas.openxmlformats.org/drawingml/2006/diagram" xmlns:o="urn:schemas-microsoft-com:office:office" xmlns:v="urn:schemas-microsoft-com:vml" xmlns:pvml="urn:schemas-microsoft-com:office:powerpoint" xmlns:com="http://schemas.openxmlformats.org/drawingml/2006/compatibility" xmlns:p14="http://schemas.microsoft.com/office/powerpoint/2010/main">
+<p:sld xmlns:a="http://schemas.openxmlformats.org/drawingml/2006/main" xmlns:r="http://schemas.openxmlformats.org/officeDocument/2006/relationships" xmlns:p="http://schemas.openxmlformats.org/presentationml/2006/main">
   <p:cSld>
     <p:spTree>
       <p:nvGrpSpPr>
-        <p:cNvPr id="43" name="Shape 43"/>
+        <p:cNvPr id="1" name="Shape 43"/>
         <p:cNvGrpSpPr/>
         <p:nvPr/>
       </p:nvGrpSpPr>
@@ -4207,7 +4623,9 @@
       <p:sp>
         <p:nvSpPr>
           <p:cNvPr id="44" name="Shape 44"/>
-          <p:cNvSpPr txBox="1"/>
+          <p:cNvSpPr txBox="1">
+            <a:spLocks noGrp="1"/>
+          </p:cNvSpPr>
           <p:nvPr>
             <p:ph type="title"/>
           </p:nvPr>
@@ -4222,7 +4640,7 @@
           </a:prstGeom>
         </p:spPr>
         <p:txBody>
-          <a:bodyPr anchorCtr="0" anchor="b" bIns="91425" lIns="91425" rIns="91425" tIns="91425">
+          <a:bodyPr lIns="91425" tIns="91425" rIns="91425" bIns="91425" anchor="b" anchorCtr="0">
             <a:noAutofit/>
           </a:bodyPr>
           <a:lstStyle/>
@@ -4243,9 +4661,11 @@
       <p:sp>
         <p:nvSpPr>
           <p:cNvPr id="45" name="Shape 45"/>
-          <p:cNvSpPr txBox="1"/>
+          <p:cNvSpPr txBox="1">
+            <a:spLocks noGrp="1"/>
+          </p:cNvSpPr>
           <p:nvPr>
-            <p:ph idx="1" type="body"/>
+            <p:ph type="body" idx="1"/>
           </p:nvPr>
         </p:nvSpPr>
         <p:spPr>
@@ -4258,12 +4678,12 @@
           </a:prstGeom>
         </p:spPr>
         <p:txBody>
-          <a:bodyPr anchorCtr="0" anchor="t" bIns="91425" lIns="91425" rIns="91425" tIns="91425">
+          <a:bodyPr lIns="91425" tIns="91425" rIns="91425" bIns="91425" anchor="t" anchorCtr="0">
             <a:noAutofit/>
           </a:bodyPr>
           <a:lstStyle/>
           <a:p>
-            <a:pPr indent="-228600" lvl="0" marL="457200" marR="0" rtl="0" algn="l">
+            <a:pPr marL="457200" marR="0" lvl="0" indent="-228600" algn="l" rtl="0">
               <a:lnSpc>
                 <a:spcPct val="100000"/>
               </a:lnSpc>
@@ -4285,7 +4705,7 @@
             </a:r>
           </a:p>
           <a:p>
-            <a:pPr indent="-228600" lvl="0" marL="457200" marR="0" rtl="0" algn="l">
+            <a:pPr marL="457200" marR="0" lvl="0" indent="-228600" algn="l" rtl="0">
               <a:lnSpc>
                 <a:spcPct val="100000"/>
               </a:lnSpc>
@@ -4302,7 +4722,7 @@
             </a:r>
           </a:p>
           <a:p>
-            <a:pPr indent="-228600" lvl="0" marL="457200" marR="0" rtl="0" algn="l">
+            <a:pPr marL="457200" marR="0" lvl="0" indent="-228600" algn="l" rtl="0">
               <a:lnSpc>
                 <a:spcPct val="100000"/>
               </a:lnSpc>
@@ -4313,9 +4733,6 @@
                 <a:spcPts val="0"/>
               </a:spcAft>
             </a:pPr>
-            <a:r>
-              <a:t/>
-            </a:r>
             <a:endParaRPr/>
           </a:p>
           <a:p>
@@ -4325,9 +4742,6 @@
               </a:spcBef>
               <a:buNone/>
             </a:pPr>
-            <a:r>
-              <a:t/>
-            </a:r>
             <a:endParaRPr/>
           </a:p>
         </p:txBody>
@@ -4352,7 +4766,7 @@
           </a:ln>
         </p:spPr>
         <p:txBody>
-          <a:bodyPr anchorCtr="0" anchor="ctr" bIns="91425" lIns="91425" rIns="91425" tIns="91425">
+          <a:bodyPr lIns="91425" tIns="91425" rIns="91425" bIns="91425" anchor="ctr" anchorCtr="0">
             <a:noAutofit/>
           </a:bodyPr>
           <a:lstStyle/>
@@ -4386,11 +4800,11 @@
 </file>
 
 <file path=ppt/slides/slide4.xml><?xml version="1.0" encoding="utf-8"?>
-<p:sld xmlns:a="http://schemas.openxmlformats.org/drawingml/2006/main" xmlns:r="http://schemas.openxmlformats.org/officeDocument/2006/relationships" xmlns:mc="http://schemas.openxmlformats.org/markup-compatibility/2006" xmlns:mv="urn:schemas-microsoft-com:mac:vml" xmlns:p="http://schemas.openxmlformats.org/presentationml/2006/main" xmlns:c="http://schemas.openxmlformats.org/drawingml/2006/chart" xmlns:dgm="http://schemas.openxmlformats.org/drawingml/2006/diagram" xmlns:o="urn:schemas-microsoft-com:office:office" xmlns:v="urn:schemas-microsoft-com:vml" xmlns:pvml="urn:schemas-microsoft-com:office:powerpoint" xmlns:com="http://schemas.openxmlformats.org/drawingml/2006/compatibility" xmlns:p14="http://schemas.microsoft.com/office/powerpoint/2010/main">
+<p:sld xmlns:a="http://schemas.openxmlformats.org/drawingml/2006/main" xmlns:r="http://schemas.openxmlformats.org/officeDocument/2006/relationships" xmlns:p="http://schemas.openxmlformats.org/presentationml/2006/main">
   <p:cSld>
     <p:spTree>
       <p:nvGrpSpPr>
-        <p:cNvPr id="50" name="Shape 50"/>
+        <p:cNvPr id="1" name="Shape 50"/>
         <p:cNvGrpSpPr/>
         <p:nvPr/>
       </p:nvGrpSpPr>
@@ -4405,7 +4819,9 @@
       <p:sp>
         <p:nvSpPr>
           <p:cNvPr id="51" name="Shape 51"/>
-          <p:cNvSpPr txBox="1"/>
+          <p:cNvSpPr txBox="1">
+            <a:spLocks noGrp="1"/>
+          </p:cNvSpPr>
           <p:nvPr>
             <p:ph type="title"/>
           </p:nvPr>
@@ -4420,7 +4836,7 @@
           </a:prstGeom>
         </p:spPr>
         <p:txBody>
-          <a:bodyPr anchorCtr="0" anchor="b" bIns="91425" lIns="91425" rIns="91425" tIns="91425">
+          <a:bodyPr lIns="91425" tIns="91425" rIns="91425" bIns="91425" anchor="b" anchorCtr="0">
             <a:noAutofit/>
           </a:bodyPr>
           <a:lstStyle/>
@@ -4441,9 +4857,11 @@
       <p:sp>
         <p:nvSpPr>
           <p:cNvPr id="52" name="Shape 52"/>
-          <p:cNvSpPr txBox="1"/>
+          <p:cNvSpPr txBox="1">
+            <a:spLocks noGrp="1"/>
+          </p:cNvSpPr>
           <p:nvPr>
-            <p:ph idx="1" type="body"/>
+            <p:ph type="body" idx="1"/>
           </p:nvPr>
         </p:nvSpPr>
         <p:spPr>
@@ -4456,12 +4874,12 @@
           </a:prstGeom>
         </p:spPr>
         <p:txBody>
-          <a:bodyPr anchorCtr="0" anchor="t" bIns="91425" lIns="91425" rIns="91425" tIns="91425">
+          <a:bodyPr lIns="91425" tIns="91425" rIns="91425" bIns="91425" anchor="t" anchorCtr="0">
             <a:noAutofit/>
           </a:bodyPr>
           <a:lstStyle/>
           <a:p>
-            <a:pPr indent="-228600" lvl="0" marL="457200" marR="0" rtl="0" algn="l">
+            <a:pPr marL="457200" marR="0" lvl="0" indent="-228600" algn="l" rtl="0">
               <a:lnSpc>
                 <a:spcPct val="100000"/>
               </a:lnSpc>
@@ -4483,7 +4901,7 @@
             </a:r>
           </a:p>
           <a:p>
-            <a:pPr indent="-228600" lvl="0" marL="457200" marR="0" rtl="0" algn="l">
+            <a:pPr marL="457200" marR="0" lvl="0" indent="-228600" algn="l" rtl="0">
               <a:lnSpc>
                 <a:spcPct val="100000"/>
               </a:lnSpc>
@@ -4506,9 +4924,6 @@
               </a:spcBef>
               <a:buNone/>
             </a:pPr>
-            <a:r>
-              <a:t/>
-            </a:r>
             <a:endParaRPr/>
           </a:p>
         </p:txBody>
@@ -4533,7 +4948,7 @@
           </a:ln>
         </p:spPr>
         <p:txBody>
-          <a:bodyPr anchorCtr="0" anchor="ctr" bIns="91425" lIns="91425" rIns="91425" tIns="91425">
+          <a:bodyPr lIns="91425" tIns="91425" rIns="91425" bIns="91425" anchor="ctr" anchorCtr="0">
             <a:noAutofit/>
           </a:bodyPr>
           <a:lstStyle/>
@@ -4567,11 +4982,11 @@
 </file>
 
 <file path=ppt/slides/slide5.xml><?xml version="1.0" encoding="utf-8"?>
-<p:sld xmlns:a="http://schemas.openxmlformats.org/drawingml/2006/main" xmlns:r="http://schemas.openxmlformats.org/officeDocument/2006/relationships" xmlns:mc="http://schemas.openxmlformats.org/markup-compatibility/2006" xmlns:mv="urn:schemas-microsoft-com:mac:vml" xmlns:p="http://schemas.openxmlformats.org/presentationml/2006/main" xmlns:c="http://schemas.openxmlformats.org/drawingml/2006/chart" xmlns:dgm="http://schemas.openxmlformats.org/drawingml/2006/diagram" xmlns:o="urn:schemas-microsoft-com:office:office" xmlns:v="urn:schemas-microsoft-com:vml" xmlns:pvml="urn:schemas-microsoft-com:office:powerpoint" xmlns:com="http://schemas.openxmlformats.org/drawingml/2006/compatibility" xmlns:p14="http://schemas.microsoft.com/office/powerpoint/2010/main">
+<p:sld xmlns:a="http://schemas.openxmlformats.org/drawingml/2006/main" xmlns:r="http://schemas.openxmlformats.org/officeDocument/2006/relationships" xmlns:p="http://schemas.openxmlformats.org/presentationml/2006/main">
   <p:cSld>
     <p:spTree>
       <p:nvGrpSpPr>
-        <p:cNvPr id="57" name="Shape 57"/>
+        <p:cNvPr id="1" name="Shape 57"/>
         <p:cNvGrpSpPr/>
         <p:nvPr/>
       </p:nvGrpSpPr>
@@ -4586,7 +5001,9 @@
       <p:sp>
         <p:nvSpPr>
           <p:cNvPr id="58" name="Shape 58"/>
-          <p:cNvSpPr txBox="1"/>
+          <p:cNvSpPr txBox="1">
+            <a:spLocks noGrp="1"/>
+          </p:cNvSpPr>
           <p:nvPr>
             <p:ph type="title"/>
           </p:nvPr>
@@ -4601,7 +5018,7 @@
           </a:prstGeom>
         </p:spPr>
         <p:txBody>
-          <a:bodyPr anchorCtr="0" anchor="b" bIns="91425" lIns="91425" rIns="91425" tIns="91425">
+          <a:bodyPr lIns="91425" tIns="91425" rIns="91425" bIns="91425" anchor="b" anchorCtr="0">
             <a:noAutofit/>
           </a:bodyPr>
           <a:lstStyle/>
@@ -4622,9 +5039,11 @@
       <p:sp>
         <p:nvSpPr>
           <p:cNvPr id="59" name="Shape 59"/>
-          <p:cNvSpPr txBox="1"/>
+          <p:cNvSpPr txBox="1">
+            <a:spLocks noGrp="1"/>
+          </p:cNvSpPr>
           <p:nvPr>
-            <p:ph idx="1" type="body"/>
+            <p:ph type="body" idx="1"/>
           </p:nvPr>
         </p:nvSpPr>
         <p:spPr>
@@ -4637,12 +5056,12 @@
           </a:prstGeom>
         </p:spPr>
         <p:txBody>
-          <a:bodyPr anchorCtr="0" anchor="t" bIns="91425" lIns="91425" rIns="91425" tIns="91425">
+          <a:bodyPr lIns="91425" tIns="91425" rIns="91425" bIns="91425" anchor="t" anchorCtr="0">
             <a:noAutofit/>
           </a:bodyPr>
           <a:lstStyle/>
           <a:p>
-            <a:pPr marR="0" rtl="0" algn="l">
+            <a:pPr marR="0" algn="l" rtl="0">
               <a:lnSpc>
                 <a:spcPct val="100000"/>
               </a:lnSpc>
@@ -4660,7 +5079,7 @@
             </a:r>
           </a:p>
           <a:p>
-            <a:pPr marR="0" rtl="0" algn="l">
+            <a:pPr marR="0" algn="l" rtl="0">
               <a:lnSpc>
                 <a:spcPct val="100000"/>
               </a:lnSpc>
@@ -4678,7 +5097,7 @@
             </a:r>
           </a:p>
           <a:p>
-            <a:pPr marR="0" rtl="0" algn="l">
+            <a:pPr marR="0" algn="l" rtl="0">
               <a:lnSpc>
                 <a:spcPct val="100000"/>
               </a:lnSpc>
@@ -4696,7 +5115,7 @@
             </a:r>
           </a:p>
           <a:p>
-            <a:pPr lvl="0" marR="0" rtl="0" algn="l">
+            <a:pPr marR="0" lvl="0" algn="l" rtl="0">
               <a:lnSpc>
                 <a:spcPct val="100000"/>
               </a:lnSpc>
@@ -4720,9 +5139,6 @@
               </a:spcBef>
               <a:buNone/>
             </a:pPr>
-            <a:r>
-              <a:t/>
-            </a:r>
             <a:endParaRPr/>
           </a:p>
         </p:txBody>
@@ -4747,7 +5163,7 @@
           </a:ln>
         </p:spPr>
         <p:txBody>
-          <a:bodyPr anchorCtr="0" anchor="ctr" bIns="91425" lIns="91425" rIns="91425" tIns="91425">
+          <a:bodyPr lIns="91425" tIns="91425" rIns="91425" bIns="91425" anchor="ctr" anchorCtr="0">
             <a:noAutofit/>
           </a:bodyPr>
           <a:lstStyle/>
@@ -4781,11 +5197,11 @@
 </file>
 
 <file path=ppt/slides/slide6.xml><?xml version="1.0" encoding="utf-8"?>
-<p:sld xmlns:a="http://schemas.openxmlformats.org/drawingml/2006/main" xmlns:r="http://schemas.openxmlformats.org/officeDocument/2006/relationships" xmlns:mc="http://schemas.openxmlformats.org/markup-compatibility/2006" xmlns:mv="urn:schemas-microsoft-com:mac:vml" xmlns:p="http://schemas.openxmlformats.org/presentationml/2006/main" xmlns:c="http://schemas.openxmlformats.org/drawingml/2006/chart" xmlns:dgm="http://schemas.openxmlformats.org/drawingml/2006/diagram" xmlns:o="urn:schemas-microsoft-com:office:office" xmlns:v="urn:schemas-microsoft-com:vml" xmlns:pvml="urn:schemas-microsoft-com:office:powerpoint" xmlns:com="http://schemas.openxmlformats.org/drawingml/2006/compatibility" xmlns:p14="http://schemas.microsoft.com/office/powerpoint/2010/main">
+<p:sld xmlns:a="http://schemas.openxmlformats.org/drawingml/2006/main" xmlns:r="http://schemas.openxmlformats.org/officeDocument/2006/relationships" xmlns:p="http://schemas.openxmlformats.org/presentationml/2006/main">
   <p:cSld>
     <p:spTree>
       <p:nvGrpSpPr>
-        <p:cNvPr id="64" name="Shape 64"/>
+        <p:cNvPr id="1" name="Shape 64"/>
         <p:cNvGrpSpPr/>
         <p:nvPr/>
       </p:nvGrpSpPr>
@@ -4800,7 +5216,9 @@
       <p:sp>
         <p:nvSpPr>
           <p:cNvPr id="65" name="Shape 65"/>
-          <p:cNvSpPr txBox="1"/>
+          <p:cNvSpPr txBox="1">
+            <a:spLocks noGrp="1"/>
+          </p:cNvSpPr>
           <p:nvPr>
             <p:ph type="title"/>
           </p:nvPr>
@@ -4815,7 +5233,7 @@
           </a:prstGeom>
         </p:spPr>
         <p:txBody>
-          <a:bodyPr anchorCtr="0" anchor="b" bIns="91425" lIns="91425" rIns="91425" tIns="91425">
+          <a:bodyPr lIns="91425" tIns="91425" rIns="91425" bIns="91425" anchor="b" anchorCtr="0">
             <a:noAutofit/>
           </a:bodyPr>
           <a:lstStyle/>
@@ -4836,9 +5254,11 @@
       <p:sp>
         <p:nvSpPr>
           <p:cNvPr id="66" name="Shape 66"/>
-          <p:cNvSpPr txBox="1"/>
+          <p:cNvSpPr txBox="1">
+            <a:spLocks noGrp="1"/>
+          </p:cNvSpPr>
           <p:nvPr>
-            <p:ph idx="1" type="body"/>
+            <p:ph type="body" idx="1"/>
           </p:nvPr>
         </p:nvSpPr>
         <p:spPr>
@@ -4851,12 +5271,12 @@
           </a:prstGeom>
         </p:spPr>
         <p:txBody>
-          <a:bodyPr anchorCtr="0" anchor="t" bIns="91425" lIns="91425" rIns="91425" tIns="91425">
+          <a:bodyPr lIns="91425" tIns="91425" rIns="91425" bIns="91425" anchor="t" anchorCtr="0">
             <a:noAutofit/>
           </a:bodyPr>
           <a:lstStyle/>
           <a:p>
-            <a:pPr indent="-228600" lvl="0" marL="457200" marR="0" rtl="0" algn="l">
+            <a:pPr marL="457200" marR="0" lvl="0" indent="-228600" algn="l" rtl="0">
               <a:lnSpc>
                 <a:spcPct val="100000"/>
               </a:lnSpc>
@@ -4884,9 +5304,6 @@
               </a:spcBef>
               <a:buNone/>
             </a:pPr>
-            <a:r>
-              <a:t/>
-            </a:r>
             <a:endParaRPr/>
           </a:p>
         </p:txBody>
@@ -4911,7 +5328,7 @@
           </a:ln>
         </p:spPr>
         <p:txBody>
-          <a:bodyPr anchorCtr="0" anchor="ctr" bIns="91425" lIns="91425" rIns="91425" tIns="91425">
+          <a:bodyPr lIns="91425" tIns="91425" rIns="91425" bIns="91425" anchor="ctr" anchorCtr="0">
             <a:noAutofit/>
           </a:bodyPr>
           <a:lstStyle/>
@@ -4945,11 +5362,11 @@
 </file>
 
 <file path=ppt/slides/slide7.xml><?xml version="1.0" encoding="utf-8"?>
-<p:sld xmlns:a="http://schemas.openxmlformats.org/drawingml/2006/main" xmlns:r="http://schemas.openxmlformats.org/officeDocument/2006/relationships" xmlns:mc="http://schemas.openxmlformats.org/markup-compatibility/2006" xmlns:mv="urn:schemas-microsoft-com:mac:vml" xmlns:p="http://schemas.openxmlformats.org/presentationml/2006/main" xmlns:c="http://schemas.openxmlformats.org/drawingml/2006/chart" xmlns:dgm="http://schemas.openxmlformats.org/drawingml/2006/diagram" xmlns:o="urn:schemas-microsoft-com:office:office" xmlns:v="urn:schemas-microsoft-com:vml" xmlns:pvml="urn:schemas-microsoft-com:office:powerpoint" xmlns:com="http://schemas.openxmlformats.org/drawingml/2006/compatibility" xmlns:p14="http://schemas.microsoft.com/office/powerpoint/2010/main">
+<p:sld xmlns:a="http://schemas.openxmlformats.org/drawingml/2006/main" xmlns:r="http://schemas.openxmlformats.org/officeDocument/2006/relationships" xmlns:p="http://schemas.openxmlformats.org/presentationml/2006/main">
   <p:cSld>
     <p:spTree>
       <p:nvGrpSpPr>
-        <p:cNvPr id="71" name="Shape 71"/>
+        <p:cNvPr id="1" name="Shape 71"/>
         <p:cNvGrpSpPr/>
         <p:nvPr/>
       </p:nvGrpSpPr>
@@ -4992,9 +5409,11 @@
       <p:sp>
         <p:nvSpPr>
           <p:cNvPr id="73" name="Shape 73"/>
-          <p:cNvSpPr txBox="1"/>
+          <p:cNvSpPr txBox="1">
+            <a:spLocks noGrp="1"/>
+          </p:cNvSpPr>
           <p:nvPr>
-            <p:ph idx="1" type="body"/>
+            <p:ph type="body" idx="1"/>
           </p:nvPr>
         </p:nvSpPr>
         <p:spPr>
@@ -5007,7 +5426,7 @@
           </a:prstGeom>
         </p:spPr>
         <p:txBody>
-          <a:bodyPr anchorCtr="0" anchor="t" bIns="91425" lIns="91425" rIns="91425" tIns="91425">
+          <a:bodyPr lIns="91425" tIns="91425" rIns="91425" bIns="91425" anchor="t" anchorCtr="0">
             <a:noAutofit/>
           </a:bodyPr>
           <a:lstStyle/>
@@ -5030,9 +5449,6 @@
               </a:spcBef>
               <a:buNone/>
             </a:pPr>
-            <a:r>
-              <a:t/>
-            </a:r>
             <a:endParaRPr/>
           </a:p>
         </p:txBody>
@@ -5057,7 +5473,7 @@
           </a:ln>
         </p:spPr>
         <p:txBody>
-          <a:bodyPr anchorCtr="0" anchor="t" bIns="91425" lIns="91425" rIns="91425" tIns="91425">
+          <a:bodyPr lIns="91425" tIns="91425" rIns="91425" bIns="91425" anchor="t" anchorCtr="0">
             <a:noAutofit/>
           </a:bodyPr>
           <a:lstStyle/>
@@ -5095,7 +5511,7 @@
           </a:ln>
         </p:spPr>
         <p:txBody>
-          <a:bodyPr anchorCtr="0" anchor="ctr" bIns="91425" lIns="91425" rIns="91425" tIns="91425">
+          <a:bodyPr lIns="91425" tIns="91425" rIns="91425" bIns="91425" anchor="ctr" anchorCtr="0">
             <a:noAutofit/>
           </a:bodyPr>
           <a:lstStyle/>
@@ -5129,11 +5545,11 @@
 </file>
 
 <file path=ppt/slides/slide8.xml><?xml version="1.0" encoding="utf-8"?>
-<p:sld xmlns:a="http://schemas.openxmlformats.org/drawingml/2006/main" xmlns:r="http://schemas.openxmlformats.org/officeDocument/2006/relationships" xmlns:mc="http://schemas.openxmlformats.org/markup-compatibility/2006" xmlns:mv="urn:schemas-microsoft-com:mac:vml" xmlns:p="http://schemas.openxmlformats.org/presentationml/2006/main" xmlns:c="http://schemas.openxmlformats.org/drawingml/2006/chart" xmlns:dgm="http://schemas.openxmlformats.org/drawingml/2006/diagram" xmlns:o="urn:schemas-microsoft-com:office:office" xmlns:v="urn:schemas-microsoft-com:vml" xmlns:pvml="urn:schemas-microsoft-com:office:powerpoint" xmlns:com="http://schemas.openxmlformats.org/drawingml/2006/compatibility" xmlns:p14="http://schemas.microsoft.com/office/powerpoint/2010/main">
+<p:sld xmlns:a="http://schemas.openxmlformats.org/drawingml/2006/main" xmlns:r="http://schemas.openxmlformats.org/officeDocument/2006/relationships" xmlns:p="http://schemas.openxmlformats.org/presentationml/2006/main">
   <p:cSld>
     <p:spTree>
       <p:nvGrpSpPr>
-        <p:cNvPr id="79" name="Shape 79"/>
+        <p:cNvPr id="1" name="Shape 79"/>
         <p:cNvGrpSpPr/>
         <p:nvPr/>
       </p:nvGrpSpPr>
@@ -5148,7 +5564,9 @@
       <p:sp>
         <p:nvSpPr>
           <p:cNvPr id="80" name="Shape 80"/>
-          <p:cNvSpPr txBox="1"/>
+          <p:cNvSpPr txBox="1">
+            <a:spLocks noGrp="1"/>
+          </p:cNvSpPr>
           <p:nvPr>
             <p:ph type="title"/>
           </p:nvPr>
@@ -5163,7 +5581,7 @@
           </a:prstGeom>
         </p:spPr>
         <p:txBody>
-          <a:bodyPr anchorCtr="0" anchor="b" bIns="91425" lIns="91425" rIns="91425" tIns="91425">
+          <a:bodyPr lIns="91425" tIns="91425" rIns="91425" bIns="91425" anchor="b" anchorCtr="0">
             <a:noAutofit/>
           </a:bodyPr>
           <a:lstStyle/>
@@ -5184,9 +5602,11 @@
       <p:sp>
         <p:nvSpPr>
           <p:cNvPr id="81" name="Shape 81"/>
-          <p:cNvSpPr txBox="1"/>
+          <p:cNvSpPr txBox="1">
+            <a:spLocks noGrp="1"/>
+          </p:cNvSpPr>
           <p:nvPr>
-            <p:ph idx="1" type="body"/>
+            <p:ph type="body" idx="1"/>
           </p:nvPr>
         </p:nvSpPr>
         <p:spPr>
@@ -5199,12 +5619,12 @@
           </a:prstGeom>
         </p:spPr>
         <p:txBody>
-          <a:bodyPr anchorCtr="0" anchor="t" bIns="91425" lIns="91425" rIns="91425" tIns="91425">
+          <a:bodyPr lIns="91425" tIns="91425" rIns="91425" bIns="91425" anchor="t" anchorCtr="0">
             <a:noAutofit/>
           </a:bodyPr>
           <a:lstStyle/>
           <a:p>
-            <a:pPr indent="-228600" lvl="0" marL="457200" marR="0" rtl="0" algn="l">
+            <a:pPr marL="457200" marR="0" lvl="0" indent="-228600" algn="l" rtl="0">
               <a:lnSpc>
                 <a:spcPct val="100000"/>
               </a:lnSpc>
@@ -5257,9 +5677,6 @@
               </a:spcBef>
               <a:buNone/>
             </a:pPr>
-            <a:r>
-              <a:t/>
-            </a:r>
             <a:endParaRPr/>
           </a:p>
         </p:txBody>
@@ -5284,7 +5701,7 @@
           </a:ln>
         </p:spPr>
         <p:txBody>
-          <a:bodyPr anchorCtr="0" anchor="ctr" bIns="91425" lIns="91425" rIns="91425" tIns="91425">
+          <a:bodyPr lIns="91425" tIns="91425" rIns="91425" bIns="91425" anchor="ctr" anchorCtr="0">
             <a:noAutofit/>
           </a:bodyPr>
           <a:lstStyle/>
@@ -5318,11 +5735,11 @@
 </file>
 
 <file path=ppt/slides/slide9.xml><?xml version="1.0" encoding="utf-8"?>
-<p:sld xmlns:a="http://schemas.openxmlformats.org/drawingml/2006/main" xmlns:r="http://schemas.openxmlformats.org/officeDocument/2006/relationships" xmlns:mc="http://schemas.openxmlformats.org/markup-compatibility/2006" xmlns:mv="urn:schemas-microsoft-com:mac:vml" xmlns:p="http://schemas.openxmlformats.org/presentationml/2006/main" xmlns:c="http://schemas.openxmlformats.org/drawingml/2006/chart" xmlns:dgm="http://schemas.openxmlformats.org/drawingml/2006/diagram" xmlns:o="urn:schemas-microsoft-com:office:office" xmlns:v="urn:schemas-microsoft-com:vml" xmlns:pvml="urn:schemas-microsoft-com:office:powerpoint" xmlns:com="http://schemas.openxmlformats.org/drawingml/2006/compatibility" xmlns:p14="http://schemas.microsoft.com/office/powerpoint/2010/main">
+<p:sld xmlns:a="http://schemas.openxmlformats.org/drawingml/2006/main" xmlns:r="http://schemas.openxmlformats.org/officeDocument/2006/relationships" xmlns:p="http://schemas.openxmlformats.org/presentationml/2006/main">
   <p:cSld>
     <p:spTree>
       <p:nvGrpSpPr>
-        <p:cNvPr id="86" name="Shape 86"/>
+        <p:cNvPr id="1" name="Shape 86"/>
         <p:cNvGrpSpPr/>
         <p:nvPr/>
       </p:nvGrpSpPr>
@@ -5337,7 +5754,9 @@
       <p:sp>
         <p:nvSpPr>
           <p:cNvPr id="87" name="Shape 87"/>
-          <p:cNvSpPr txBox="1"/>
+          <p:cNvSpPr txBox="1">
+            <a:spLocks noGrp="1"/>
+          </p:cNvSpPr>
           <p:nvPr>
             <p:ph type="title"/>
           </p:nvPr>
@@ -5352,7 +5771,7 @@
           </a:prstGeom>
         </p:spPr>
         <p:txBody>
-          <a:bodyPr anchorCtr="0" anchor="b" bIns="91425" lIns="91425" rIns="91425" tIns="91425">
+          <a:bodyPr lIns="91425" tIns="91425" rIns="91425" bIns="91425" anchor="b" anchorCtr="0">
             <a:noAutofit/>
           </a:bodyPr>
           <a:lstStyle/>
@@ -5373,9 +5792,11 @@
       <p:sp>
         <p:nvSpPr>
           <p:cNvPr id="88" name="Shape 88"/>
-          <p:cNvSpPr txBox="1"/>
+          <p:cNvSpPr txBox="1">
+            <a:spLocks noGrp="1"/>
+          </p:cNvSpPr>
           <p:nvPr>
-            <p:ph idx="1" type="body"/>
+            <p:ph type="body" idx="1"/>
           </p:nvPr>
         </p:nvSpPr>
         <p:spPr>
@@ -5388,12 +5809,12 @@
           </a:prstGeom>
         </p:spPr>
         <p:txBody>
-          <a:bodyPr anchorCtr="0" anchor="t" bIns="91425" lIns="91425" rIns="91425" tIns="91425">
+          <a:bodyPr lIns="91425" tIns="91425" rIns="91425" bIns="91425" anchor="t" anchorCtr="0">
             <a:noAutofit/>
           </a:bodyPr>
           <a:lstStyle/>
           <a:p>
-            <a:pPr indent="-228600" lvl="0" marL="457200" marR="0" rtl="0" algn="l">
+            <a:pPr marL="457200" marR="0" lvl="0" indent="-228600" algn="l" rtl="0">
               <a:lnSpc>
                 <a:spcPct val="100000"/>
               </a:lnSpc>
@@ -5440,7 +5861,7 @@
           </a:ln>
         </p:spPr>
         <p:txBody>
-          <a:bodyPr anchorCtr="0" anchor="ctr" bIns="91425" lIns="91425" rIns="91425" tIns="91425">
+          <a:bodyPr lIns="91425" tIns="91425" rIns="91425" bIns="91425" anchor="ctr" anchorCtr="0">
             <a:noAutofit/>
           </a:bodyPr>
           <a:lstStyle/>
@@ -5474,7 +5895,7 @@
 </file>
 
 <file path=ppt/theme/theme1.xml><?xml version="1.0" encoding="utf-8"?>
-<a:theme xmlns:a="http://schemas.openxmlformats.org/drawingml/2006/main" xmlns:r="http://schemas.openxmlformats.org/officeDocument/2006/relationships" name="light-gradient">
+<a:theme xmlns:a="http://schemas.openxmlformats.org/drawingml/2006/main" name="light-gradient">
   <a:themeElements>
     <a:clrScheme name="Custom 347">
       <a:dk1>
@@ -5749,11 +6170,13 @@
       </a:bgFillStyleLst>
     </a:fmtScheme>
   </a:themeElements>
+  <a:objectDefaults/>
+  <a:extraClrSchemeLst/>
 </a:theme>
 </file>
 
 <file path=ppt/theme/theme2.xml><?xml version="1.0" encoding="utf-8"?>
-<a:theme xmlns:a="http://schemas.openxmlformats.org/drawingml/2006/main" xmlns:r="http://schemas.openxmlformats.org/officeDocument/2006/relationships" name="Custom Theme">
+<a:theme xmlns:a="http://schemas.openxmlformats.org/drawingml/2006/main" name="Custom Theme">
   <a:themeElements>
     <a:clrScheme name="Default">
       <a:dk1>
@@ -6028,5 +6451,7 @@
       </a:bgFillStyleLst>
     </a:fmtScheme>
   </a:themeElements>
+  <a:objectDefaults/>
+  <a:extraClrSchemeLst/>
 </a:theme>
 </file>
--- a/assignments/hw10/CompPhoto-GT-A10-Template.pptx
+++ b/assignments/hw10/CompPhoto-GT-A10-Template.pptx
@@ -233,6 +233,11 @@
       </a:defRPr>
     </a:lvl9pPr>
   </p:defaultTextStyle>
+  <p:extLst>
+    <p:ext uri="{EFAFB233-063F-42B5-8137-9DF3F51BA10A}">
+      <p15:sldGuideLst xmlns:p15="http://schemas.microsoft.com/office/powerpoint/2012/main"/>
+    </p:ext>
+  </p:extLst>
 </p:presentation>
 </file>
 
@@ -652,6 +657,11 @@
               <a:rPr lang="en-US" baseline="0" dirty="0" smtClean="0"/>
               <a:t> street on Halloween, </a:t>
             </a:r>
+            <a:r>
+              <a:rPr lang="en-US" baseline="0" dirty="0" smtClean="0"/>
+              <a:t>drone approach</a:t>
+            </a:r>
+            <a:endParaRPr lang="en-US" baseline="0" dirty="0" smtClean="0"/>
           </a:p>
           <a:p>
             <a:pPr marL="171450" indent="-171450">
@@ -1737,7 +1747,23 @@
               </a:spcBef>
               <a:buNone/>
             </a:pPr>
-            <a:endParaRPr/>
+            <a:r>
+              <a:rPr lang="en-US" dirty="0" smtClean="0"/>
+              <a:t>Artifacts in Site</a:t>
+            </a:r>
+            <a:r>
+              <a:rPr lang="en-US" baseline="0" dirty="0" smtClean="0"/>
+              <a:t> 1 Photosynth, take more pictures? Occlusions, dynamic objects (people) make for a cooler, livelier effect and adds to 3-dimensioanal</a:t>
+            </a:r>
+          </a:p>
+          <a:p>
+            <a:pPr>
+              <a:spcBef>
+                <a:spcPts val="0"/>
+              </a:spcBef>
+              <a:buNone/>
+            </a:pPr>
+            <a:endParaRPr dirty="0"/>
           </a:p>
         </p:txBody>
       </p:sp>
@@ -4029,6 +4055,13 @@
   <p:transition spd="slow">
     <p:cut/>
   </p:transition>
+  <p:timing>
+    <p:tnLst>
+      <p:par>
+        <p:cTn id="1" dur="indefinite" restart="never" nodeType="tmRoot"/>
+      </p:par>
+    </p:tnLst>
+  </p:timing>
 </p:sld>
 </file>
 
@@ -4415,6 +4448,63 @@
           </a:bodyPr>
           <a:lstStyle/>
           <a:p>
+            <a:r>
+              <a:rPr lang="en" sz="2400" dirty="0"/>
+              <a:t>Site 1</a:t>
+            </a:r>
+            <a:r>
+              <a:rPr lang="en" sz="2400" dirty="0"/>
+              <a:t>: </a:t>
+            </a:r>
+            <a:r>
+              <a:rPr lang="en" sz="2400" dirty="0" smtClean="0"/>
+              <a:t>Photosynth of HOPE </a:t>
+            </a:r>
+            <a:r>
+              <a:rPr lang="en" sz="2400" dirty="0"/>
+              <a:t>Outdoor Gallery in Austin, TX</a:t>
+            </a:r>
+          </a:p>
+          <a:p>
+            <a:r>
+              <a:rPr lang="en" sz="2400" dirty="0"/>
+              <a:t>	A collection of graffiti wall art in a residential area</a:t>
+            </a:r>
+            <a:r>
+              <a:rPr lang="en" sz="2400" dirty="0" smtClean="0"/>
+              <a:t>.</a:t>
+            </a:r>
+            <a:endParaRPr lang="en" sz="2400" dirty="0" smtClean="0"/>
+          </a:p>
+          <a:p>
+            <a:r>
+              <a:rPr lang="en" sz="2400" dirty="0" smtClean="0"/>
+              <a:t>Site 2</a:t>
+            </a:r>
+            <a:r>
+              <a:rPr lang="en" sz="2400" dirty="0"/>
+              <a:t>: </a:t>
+            </a:r>
+            <a:r>
+              <a:rPr lang="en" sz="2400" dirty="0" smtClean="0"/>
+              <a:t>Panorama taken at Doug </a:t>
+            </a:r>
+            <a:r>
+              <a:rPr lang="en" sz="2400" dirty="0"/>
+              <a:t>Sahm Hill in Austin, TX</a:t>
+            </a:r>
+          </a:p>
+          <a:p>
+            <a:r>
+              <a:rPr lang="en" sz="2400" dirty="0"/>
+              <a:t>	</a:t>
+            </a:r>
+            <a:r>
+              <a:rPr lang="en" sz="2400" dirty="0"/>
+              <a:t>A scenic hilltop in a park near downtown. </a:t>
+            </a:r>
+          </a:p>
+          <a:p>
             <a:pPr rtl="0">
               <a:spcBef>
                 <a:spcPts val="0"/>
@@ -4422,93 +4512,68 @@
               <a:buNone/>
             </a:pPr>
             <a:r>
-              <a:rPr lang="en" sz="2400"/>
-              <a:t>Site 1:</a:t>
-            </a:r>
-          </a:p>
-          <a:p>
-            <a:pPr rtl="0">
+              <a:rPr lang="en" sz="2400" dirty="0" smtClean="0"/>
+              <a:t>Site 3: Zilker Park panorama</a:t>
+            </a:r>
+            <a:endParaRPr lang="en" sz="2400" dirty="0"/>
+          </a:p>
+          <a:p>
+            <a:pPr>
               <a:spcBef>
                 <a:spcPts val="0"/>
               </a:spcBef>
               <a:buNone/>
             </a:pPr>
             <a:r>
-              <a:rPr lang="en" sz="2400"/>
-              <a:t>	Location </a:t>
-            </a:r>
-          </a:p>
-          <a:p>
-            <a:pPr rtl="0">
+              <a:rPr lang="en" sz="2400" dirty="0"/>
+              <a:t>	</a:t>
+            </a:r>
+            <a:r>
+              <a:rPr lang="en" sz="2400" dirty="0" smtClean="0"/>
+              <a:t>Flyby at Zilker Park in Austin, TX.</a:t>
+            </a:r>
+          </a:p>
+          <a:p>
+            <a:r>
+              <a:rPr lang="en" sz="2400" dirty="0"/>
+              <a:t>Site </a:t>
+            </a:r>
+            <a:r>
+              <a:rPr lang="en" sz="2400" dirty="0" smtClean="0"/>
+              <a:t>4: Walk Photosynth at la Barbecue food truck</a:t>
+            </a:r>
+            <a:endParaRPr lang="en" sz="2400" dirty="0"/>
+          </a:p>
+          <a:p>
+            <a:r>
+              <a:rPr lang="en" sz="2400" dirty="0"/>
+              <a:t>	</a:t>
+            </a:r>
+            <a:r>
+              <a:rPr lang="en" sz="2400" dirty="0" smtClean="0"/>
+              <a:t>P</a:t>
+            </a:r>
+            <a:r>
+              <a:rPr lang="en-US" sz="2400" dirty="0" err="1" smtClean="0"/>
+              <a:t>eo</a:t>
+            </a:r>
+            <a:r>
+              <a:rPr lang="en" sz="2400" dirty="0" smtClean="0"/>
+              <a:t>ple line up to eat Texas BBQ at one of the best places in Austin</a:t>
+            </a:r>
+            <a:r>
+              <a:rPr lang="en" sz="2400" dirty="0"/>
+              <a:t>, TX.</a:t>
+            </a:r>
+          </a:p>
+          <a:p>
+            <a:pPr>
               <a:spcBef>
                 <a:spcPts val="0"/>
               </a:spcBef>
               <a:buNone/>
             </a:pPr>
-            <a:r>
-              <a:rPr lang="en" sz="2400"/>
-              <a:t>	Description</a:t>
-            </a:r>
-          </a:p>
-          <a:p>
-            <a:pPr rtl="0">
-              <a:spcBef>
-                <a:spcPts val="0"/>
-              </a:spcBef>
-              <a:buNone/>
-            </a:pPr>
-            <a:r>
-              <a:rPr lang="en" sz="2400"/>
-              <a:t>Site 2:</a:t>
-            </a:r>
-          </a:p>
-          <a:p>
-            <a:pPr rtl="0">
-              <a:spcBef>
-                <a:spcPts val="0"/>
-              </a:spcBef>
-              <a:buNone/>
-            </a:pPr>
-            <a:r>
-              <a:rPr lang="en" sz="2400"/>
-              <a:t>	Location</a:t>
-            </a:r>
-          </a:p>
-          <a:p>
-            <a:pPr rtl="0">
-              <a:spcBef>
-                <a:spcPts val="0"/>
-              </a:spcBef>
-              <a:buNone/>
-            </a:pPr>
-            <a:r>
-              <a:rPr lang="en" sz="2400"/>
-              <a:t>	Description</a:t>
-            </a:r>
-          </a:p>
-          <a:p>
-            <a:pPr rtl="0">
-              <a:spcBef>
-                <a:spcPts val="0"/>
-              </a:spcBef>
-              <a:buNone/>
-            </a:pPr>
-            <a:r>
-              <a:rPr lang="en" sz="2400"/>
-              <a:t>Site 3 (and more, OPTIONAL)</a:t>
-            </a:r>
-          </a:p>
-          <a:p>
-            <a:pPr>
-              <a:spcBef>
-                <a:spcPts val="0"/>
-              </a:spcBef>
-              <a:buNone/>
-            </a:pPr>
-            <a:r>
-              <a:rPr lang="en" sz="2400"/>
-              <a:t>	Location</a:t>
-            </a:r>
+            <a:endParaRPr lang="en" sz="2400" dirty="0"/>
           </a:p>
         </p:txBody>
       </p:sp>
@@ -4600,6 +4665,13 @@
   <p:transition spd="slow">
     <p:cut/>
   </p:transition>
+  <p:timing>
+    <p:tnLst>
+      <p:par>
+        <p:cTn id="1" dur="indefinite" restart="never" nodeType="tmRoot"/>
+      </p:par>
+    </p:tnLst>
+  </p:timing>
 </p:sld>
 </file>
 
@@ -4652,9 +4724,18 @@
               <a:buNone/>
             </a:pPr>
             <a:r>
-              <a:rPr lang="en" sz="3000"/>
-              <a:t>Site 1 (Photosynth)</a:t>
-            </a:r>
+              <a:rPr lang="en" sz="3000" dirty="0"/>
+              <a:t>Site </a:t>
+            </a:r>
+            <a:r>
+              <a:rPr lang="en" sz="3000" dirty="0" smtClean="0"/>
+              <a:t>1: </a:t>
+            </a:r>
+            <a:r>
+              <a:rPr lang="en" sz="3000" dirty="0" smtClean="0"/>
+              <a:t>Photosynth of HOPE Outdoor Gallery</a:t>
+            </a:r>
+            <a:endParaRPr lang="en" sz="3000" dirty="0"/>
           </a:p>
         </p:txBody>
       </p:sp>
@@ -4683,66 +4764,31 @@
           </a:bodyPr>
           <a:lstStyle/>
           <a:p>
-            <a:pPr marL="457200" marR="0" lvl="0" indent="-228600" algn="l" rtl="0">
-              <a:lnSpc>
-                <a:spcPct val="100000"/>
-              </a:lnSpc>
+            <a:pPr marL="457200" lvl="0" indent="-228600">
               <a:spcBef>
                 <a:spcPts val="600"/>
               </a:spcBef>
-              <a:spcAft>
-                <a:spcPts val="0"/>
-              </a:spcAft>
               <a:buClr>
                 <a:srgbClr val="000000"/>
               </a:buClr>
-              <a:buSzPct val="100000"/>
               <a:buFont typeface="Arial"/>
             </a:pPr>
             <a:r>
-              <a:rPr lang="en"/>
-              <a:t>How many pictures?</a:t>
-            </a:r>
-          </a:p>
-          <a:p>
-            <a:pPr marL="457200" marR="0" lvl="0" indent="-228600" algn="l" rtl="0">
-              <a:lnSpc>
-                <a:spcPct val="100000"/>
-              </a:lnSpc>
+              <a:rPr lang="en" sz="2000" dirty="0" smtClean="0"/>
+              <a:t>This wall photosynth consisted of 21 photographs.</a:t>
+            </a:r>
+          </a:p>
+          <a:p>
+            <a:pPr marL="457200" lvl="0" indent="-228600">
               <a:spcBef>
                 <a:spcPts val="600"/>
               </a:spcBef>
-              <a:spcAft>
-                <a:spcPts val="0"/>
-              </a:spcAft>
+              <a:buClr>
+                <a:srgbClr val="000000"/>
+              </a:buClr>
+              <a:buFont typeface="Arial"/>
             </a:pPr>
-            <a:r>
-              <a:rPr lang="en"/>
-              <a:t>Share a few representative ones here.</a:t>
-            </a:r>
-          </a:p>
-          <a:p>
-            <a:pPr marL="457200" marR="0" lvl="0" indent="-228600" algn="l" rtl="0">
-              <a:lnSpc>
-                <a:spcPct val="100000"/>
-              </a:lnSpc>
-              <a:spcBef>
-                <a:spcPts val="600"/>
-              </a:spcBef>
-              <a:spcAft>
-                <a:spcPts val="0"/>
-              </a:spcAft>
-            </a:pPr>
-            <a:endParaRPr/>
-          </a:p>
-          <a:p>
-            <a:pPr>
-              <a:spcBef>
-                <a:spcPts val="0"/>
-              </a:spcBef>
-              <a:buNone/>
-            </a:pPr>
-            <a:endParaRPr/>
+            <a:endParaRPr lang="en" sz="2000" dirty="0"/>
           </a:p>
         </p:txBody>
       </p:sp>
@@ -4788,6 +4834,96 @@
           </a:p>
         </p:txBody>
       </p:sp>
+      <p:pic>
+        <p:nvPicPr>
+          <p:cNvPr id="8" name="Picture 7"/>
+          <p:cNvPicPr>
+            <a:picLocks noChangeAspect="1"/>
+          </p:cNvPicPr>
+          <p:nvPr/>
+        </p:nvPicPr>
+        <p:blipFill>
+          <a:blip r:embed="rId3" cstate="screen">
+            <a:extLst>
+              <a:ext uri="{28A0092B-C50C-407E-A947-70E740481C1C}">
+                <a14:useLocalDpi xmlns:a14="http://schemas.microsoft.com/office/drawing/2010/main"/>
+              </a:ext>
+            </a:extLst>
+          </a:blip>
+          <a:stretch>
+            <a:fillRect/>
+          </a:stretch>
+        </p:blipFill>
+        <p:spPr>
+          <a:xfrm>
+            <a:off x="457200" y="2250674"/>
+            <a:ext cx="2743200" cy="1828800"/>
+          </a:xfrm>
+          <a:prstGeom prst="rect">
+            <a:avLst/>
+          </a:prstGeom>
+        </p:spPr>
+      </p:pic>
+      <p:pic>
+        <p:nvPicPr>
+          <p:cNvPr id="9" name="Picture 8"/>
+          <p:cNvPicPr>
+            <a:picLocks noChangeAspect="1"/>
+          </p:cNvPicPr>
+          <p:nvPr/>
+        </p:nvPicPr>
+        <p:blipFill>
+          <a:blip r:embed="rId4" cstate="screen">
+            <a:extLst>
+              <a:ext uri="{28A0092B-C50C-407E-A947-70E740481C1C}">
+                <a14:useLocalDpi xmlns:a14="http://schemas.microsoft.com/office/drawing/2010/main"/>
+              </a:ext>
+            </a:extLst>
+          </a:blip>
+          <a:stretch>
+            <a:fillRect/>
+          </a:stretch>
+        </p:blipFill>
+        <p:spPr>
+          <a:xfrm>
+            <a:off x="3200400" y="2250676"/>
+            <a:ext cx="2743200" cy="1828800"/>
+          </a:xfrm>
+          <a:prstGeom prst="rect">
+            <a:avLst/>
+          </a:prstGeom>
+        </p:spPr>
+      </p:pic>
+      <p:pic>
+        <p:nvPicPr>
+          <p:cNvPr id="10" name="Picture 9"/>
+          <p:cNvPicPr>
+            <a:picLocks noChangeAspect="1"/>
+          </p:cNvPicPr>
+          <p:nvPr/>
+        </p:nvPicPr>
+        <p:blipFill>
+          <a:blip r:embed="rId5" cstate="screen">
+            <a:extLst>
+              <a:ext uri="{28A0092B-C50C-407E-A947-70E740481C1C}">
+                <a14:useLocalDpi xmlns:a14="http://schemas.microsoft.com/office/drawing/2010/main"/>
+              </a:ext>
+            </a:extLst>
+          </a:blip>
+          <a:stretch>
+            <a:fillRect/>
+          </a:stretch>
+        </p:blipFill>
+        <p:spPr>
+          <a:xfrm>
+            <a:off x="5943600" y="2245705"/>
+            <a:ext cx="2743200" cy="1828800"/>
+          </a:xfrm>
+          <a:prstGeom prst="rect">
+            <a:avLst/>
+          </a:prstGeom>
+        </p:spPr>
+      </p:pic>
     </p:spTree>
   </p:cSld>
   <p:clrMapOvr>
@@ -4796,6 +4932,13 @@
   <p:transition spd="slow">
     <p:cut/>
   </p:transition>
+  <p:timing>
+    <p:tnLst>
+      <p:par>
+        <p:cTn id="1" dur="indefinite" restart="never" nodeType="tmRoot"/>
+      </p:par>
+    </p:tnLst>
+  </p:timing>
 </p:sld>
 </file>
 
@@ -4848,9 +4991,14 @@
               <a:buNone/>
             </a:pPr>
             <a:r>
-              <a:rPr lang="en" sz="3000"/>
-              <a:t>Site 1 (Photosynth)</a:t>
-            </a:r>
+              <a:rPr lang="en" sz="3000" dirty="0"/>
+              <a:t>Site </a:t>
+            </a:r>
+            <a:r>
+              <a:rPr lang="en" sz="3000" dirty="0" smtClean="0"/>
+              <a:t>1: Photosynth of HOPE Outdoor Gallery</a:t>
+            </a:r>
+            <a:endParaRPr lang="en" sz="3000" dirty="0"/>
           </a:p>
         </p:txBody>
       </p:sp>
@@ -4866,8 +5014,8 @@
         </p:nvSpPr>
         <p:spPr>
           <a:xfrm>
-            <a:off x="488850" y="1218375"/>
-            <a:ext cx="8229600" cy="3725699"/>
+            <a:off x="488850" y="4556502"/>
+            <a:ext cx="8229600" cy="387572"/>
           </a:xfrm>
           <a:prstGeom prst="rect">
             <a:avLst/>
@@ -4879,52 +5027,32 @@
           </a:bodyPr>
           <a:lstStyle/>
           <a:p>
-            <a:pPr marL="457200" marR="0" lvl="0" indent="-228600" algn="l" rtl="0">
-              <a:lnSpc>
-                <a:spcPct val="100000"/>
-              </a:lnSpc>
-              <a:spcBef>
-                <a:spcPts val="600"/>
-              </a:spcBef>
-              <a:spcAft>
-                <a:spcPts val="0"/>
-              </a:spcAft>
-              <a:buClr>
-                <a:srgbClr val="000000"/>
-              </a:buClr>
-              <a:buSzPct val="100000"/>
-              <a:buFont typeface="Arial"/>
-            </a:pPr>
-            <a:r>
-              <a:rPr lang="en"/>
-              <a:t>Share a screen shot of the photosynth here</a:t>
-            </a:r>
-          </a:p>
-          <a:p>
-            <a:pPr marL="457200" marR="0" lvl="0" indent="-228600" algn="l" rtl="0">
-              <a:lnSpc>
-                <a:spcPct val="100000"/>
-              </a:lnSpc>
-              <a:spcBef>
-                <a:spcPts val="600"/>
-              </a:spcBef>
-              <a:spcAft>
-                <a:spcPts val="0"/>
-              </a:spcAft>
-            </a:pPr>
-            <a:r>
-              <a:rPr lang="en"/>
-              <a:t>Share a URL/Weblink to the Photosynth (Make it is viewable by anyone!).</a:t>
-            </a:r>
-          </a:p>
-          <a:p>
-            <a:pPr lvl="0" rtl="0">
-              <a:spcBef>
-                <a:spcPts val="0"/>
-              </a:spcBef>
-              <a:buNone/>
-            </a:pPr>
-            <a:endParaRPr/>
+            <a:pPr lvl="0"/>
+            <a:r>
+              <a:rPr lang="en-US" sz="1400" dirty="0" smtClean="0"/>
+              <a:t>Photosynth </a:t>
+            </a:r>
+            <a:r>
+              <a:rPr lang="en-US" sz="1400" dirty="0"/>
+              <a:t>3D: </a:t>
+            </a:r>
+            <a:r>
+              <a:rPr lang="en-US" sz="1400" dirty="0">
+                <a:hlinkClick r:id="rId3"/>
+              </a:rPr>
+              <a:t>https://</a:t>
+            </a:r>
+            <a:r>
+              <a:rPr lang="en-US" sz="1400" dirty="0" smtClean="0">
+                <a:hlinkClick r:id="rId3"/>
+              </a:rPr>
+              <a:t>photosynth.net/preview/view/e905a76e-77e6-4eba-b9d8-c4980d1888e6</a:t>
+            </a:r>
+            <a:endParaRPr lang="en-US" sz="1400" dirty="0" smtClean="0"/>
+          </a:p>
+          <a:p>
+            <a:pPr lvl="0"/>
+            <a:endParaRPr dirty="0"/>
           </a:p>
         </p:txBody>
       </p:sp>
@@ -4970,6 +5098,35 @@
           </a:p>
         </p:txBody>
       </p:sp>
+      <p:pic>
+        <p:nvPicPr>
+          <p:cNvPr id="4" name="Picture 3"/>
+          <p:cNvPicPr>
+            <a:picLocks noChangeAspect="1"/>
+          </p:cNvPicPr>
+          <p:nvPr/>
+        </p:nvPicPr>
+        <p:blipFill rotWithShape="1">
+          <a:blip r:embed="rId4" cstate="screen">
+            <a:extLst>
+              <a:ext uri="{28A0092B-C50C-407E-A947-70E740481C1C}">
+                <a14:useLocalDpi xmlns:a14="http://schemas.microsoft.com/office/drawing/2010/main"/>
+              </a:ext>
+            </a:extLst>
+          </a:blip>
+          <a:srcRect/>
+          <a:stretch/>
+        </p:blipFill>
+        <p:spPr>
+          <a:xfrm>
+            <a:off x="2183843" y="1266888"/>
+            <a:ext cx="4776314" cy="3200400"/>
+          </a:xfrm>
+          <a:prstGeom prst="rect">
+            <a:avLst/>
+          </a:prstGeom>
+        </p:spPr>
+      </p:pic>
     </p:spTree>
   </p:cSld>
   <p:clrMapOvr>
@@ -4978,6 +5135,13 @@
   <p:transition spd="slow">
     <p:cut/>
   </p:transition>
+  <p:timing>
+    <p:tnLst>
+      <p:par>
+        <p:cTn id="1" dur="indefinite" restart="never" nodeType="tmRoot"/>
+      </p:par>
+    </p:tnLst>
+  </p:timing>
 </p:sld>
 </file>
 
@@ -5023,16 +5187,24 @@
           </a:bodyPr>
           <a:lstStyle/>
           <a:p>
-            <a:pPr lvl="0" rtl="0">
-              <a:spcBef>
-                <a:spcPts val="0"/>
-              </a:spcBef>
-              <a:buNone/>
-            </a:pPr>
-            <a:r>
-              <a:rPr lang="en" sz="3000"/>
-              <a:t>Site 2: (Panorama)</a:t>
-            </a:r>
+            <a:pPr lvl="0"/>
+            <a:r>
+              <a:rPr lang="en" sz="3000" dirty="0"/>
+              <a:t>Site 2: </a:t>
+            </a:r>
+            <a:r>
+              <a:rPr lang="en" sz="3000" dirty="0" smtClean="0"/>
+              <a:t>Panorama </a:t>
+            </a:r>
+            <a:r>
+              <a:rPr lang="en" sz="3000" dirty="0"/>
+              <a:t>of Doug Sahm </a:t>
+            </a:r>
+            <a:r>
+              <a:rPr lang="en" sz="3000" dirty="0" smtClean="0"/>
+              <a:t>Hill</a:t>
+            </a:r>
+            <a:endParaRPr lang="en" sz="3000" dirty="0"/>
           </a:p>
         </p:txBody>
       </p:sp>
@@ -5074,9 +5246,18 @@
               <a:buNone/>
             </a:pPr>
             <a:r>
-              <a:rPr lang="en"/>
-              <a:t>How many photographs?</a:t>
-            </a:r>
+              <a:rPr lang="en" sz="2000" i="1" dirty="0"/>
+              <a:t>How many photographs</a:t>
+            </a:r>
+            <a:r>
+              <a:rPr lang="en" sz="2000" i="1" dirty="0" smtClean="0"/>
+              <a:t>? </a:t>
+            </a:r>
+            <a:r>
+              <a:rPr lang="en" sz="2000" dirty="0" smtClean="0"/>
+              <a:t>23 photographs</a:t>
+            </a:r>
+            <a:endParaRPr lang="en" sz="2000" dirty="0"/>
           </a:p>
           <a:p>
             <a:pPr marR="0" algn="l" rtl="0">
@@ -5092,9 +5273,18 @@
               <a:buNone/>
             </a:pPr>
             <a:r>
-              <a:rPr lang="en"/>
-              <a:t>How much of a FOV change was this?</a:t>
-            </a:r>
+              <a:rPr lang="en" sz="2000" i="1" dirty="0"/>
+              <a:t>How much of a FOV change was this</a:t>
+            </a:r>
+            <a:r>
+              <a:rPr lang="en" sz="2000" i="1" dirty="0" smtClean="0"/>
+              <a:t>? ~15</a:t>
+            </a:r>
+            <a:r>
+              <a:rPr lang="en" sz="2000" dirty="0" smtClean="0"/>
+              <a:t>° FOV change</a:t>
+            </a:r>
+            <a:endParaRPr lang="en" sz="2000" i="1" dirty="0"/>
           </a:p>
           <a:p>
             <a:pPr marR="0" algn="l" rtl="0">
@@ -5110,9 +5300,18 @@
               <a:buNone/>
             </a:pPr>
             <a:r>
-              <a:rPr lang="en"/>
-              <a:t>What kind of a Panorama is this?</a:t>
-            </a:r>
+              <a:rPr lang="en" sz="2000" i="1" dirty="0"/>
+              <a:t>What kind of a Panorama is this</a:t>
+            </a:r>
+            <a:r>
+              <a:rPr lang="en" sz="2000" i="1" dirty="0" smtClean="0"/>
+              <a:t>?</a:t>
+            </a:r>
+            <a:r>
+              <a:rPr lang="en" sz="2000" dirty="0" smtClean="0"/>
+              <a:t> 360° Rotational</a:t>
+            </a:r>
+            <a:endParaRPr lang="en" sz="2000" dirty="0"/>
           </a:p>
           <a:p>
             <a:pPr marR="0" lvl="0" algn="l" rtl="0">
@@ -5128,9 +5327,18 @@
               <a:buNone/>
             </a:pPr>
             <a:r>
-              <a:rPr lang="en"/>
-              <a:t>What software did you use?</a:t>
-            </a:r>
+              <a:rPr lang="en" sz="2000" i="1" dirty="0"/>
+              <a:t>What software did you use</a:t>
+            </a:r>
+            <a:r>
+              <a:rPr lang="en" sz="2000" i="1" dirty="0" smtClean="0"/>
+              <a:t>? </a:t>
+            </a:r>
+            <a:r>
+              <a:rPr lang="en" sz="2000" dirty="0" smtClean="0"/>
+              <a:t>Microsoft ICE and Photosynth</a:t>
+            </a:r>
+            <a:endParaRPr lang="en" sz="2000" dirty="0"/>
           </a:p>
           <a:p>
             <a:pPr lvl="0" rtl="0">
@@ -5139,7 +5347,7 @@
               </a:spcBef>
               <a:buNone/>
             </a:pPr>
-            <a:endParaRPr/>
+            <a:endParaRPr dirty="0"/>
           </a:p>
         </p:txBody>
       </p:sp>
@@ -5193,6 +5401,13 @@
   <p:transition spd="slow">
     <p:cut/>
   </p:transition>
+  <p:timing>
+    <p:tnLst>
+      <p:par>
+        <p:cTn id="1" dur="indefinite" restart="never" nodeType="tmRoot"/>
+      </p:par>
+    </p:tnLst>
+  </p:timing>
 </p:sld>
 </file>
 
@@ -5213,6 +5428,36 @@
           <a:chExt cx="0" cy="0"/>
         </a:xfrm>
       </p:grpSpPr>
+      <p:pic>
+        <p:nvPicPr>
+          <p:cNvPr id="2" name="Picture 1"/>
+          <p:cNvPicPr>
+            <a:picLocks noChangeAspect="1"/>
+          </p:cNvPicPr>
+          <p:nvPr/>
+        </p:nvPicPr>
+        <p:blipFill>
+          <a:blip r:embed="rId3" cstate="screen">
+            <a:extLst>
+              <a:ext uri="{28A0092B-C50C-407E-A947-70E740481C1C}">
+                <a14:useLocalDpi xmlns:a14="http://schemas.microsoft.com/office/drawing/2010/main"/>
+              </a:ext>
+            </a:extLst>
+          </a:blip>
+          <a:stretch>
+            <a:fillRect/>
+          </a:stretch>
+        </p:blipFill>
+        <p:spPr>
+          <a:xfrm>
+            <a:off x="2927450" y="2813124"/>
+            <a:ext cx="3200400" cy="2133600"/>
+          </a:xfrm>
+          <a:prstGeom prst="rect">
+            <a:avLst/>
+          </a:prstGeom>
+        </p:spPr>
+      </p:pic>
       <p:sp>
         <p:nvSpPr>
           <p:cNvPr id="65" name="Shape 65"/>
@@ -5245,9 +5490,14 @@
               <a:buNone/>
             </a:pPr>
             <a:r>
-              <a:rPr lang="en" sz="3000"/>
-              <a:t>Site 2 (Panorama)</a:t>
-            </a:r>
+              <a:rPr lang="en" sz="3000" dirty="0"/>
+              <a:t>Site </a:t>
+            </a:r>
+            <a:r>
+              <a:rPr lang="en" sz="3000" dirty="0" smtClean="0"/>
+              <a:t>2: Panorama Input</a:t>
+            </a:r>
+            <a:endParaRPr lang="en" sz="3000" dirty="0"/>
           </a:p>
         </p:txBody>
       </p:sp>
@@ -5276,35 +5526,13 @@
           </a:bodyPr>
           <a:lstStyle/>
           <a:p>
-            <a:pPr marL="457200" marR="0" lvl="0" indent="-228600" algn="l" rtl="0">
-              <a:lnSpc>
-                <a:spcPct val="100000"/>
-              </a:lnSpc>
-              <a:spcBef>
-                <a:spcPts val="600"/>
-              </a:spcBef>
-              <a:spcAft>
-                <a:spcPts val="0"/>
-              </a:spcAft>
-              <a:buClr>
-                <a:srgbClr val="000000"/>
-              </a:buClr>
-              <a:buSzPct val="100000"/>
-              <a:buFont typeface="Arial"/>
+            <a:pPr lvl="0" rtl="0">
+              <a:spcBef>
+                <a:spcPts val="0"/>
+              </a:spcBef>
+              <a:buNone/>
             </a:pPr>
-            <a:r>
-              <a:rPr lang="en"/>
-              <a:t>Share a few selected images of your panorama</a:t>
-            </a:r>
-          </a:p>
-          <a:p>
-            <a:pPr lvl="0" rtl="0">
-              <a:spcBef>
-                <a:spcPts val="0"/>
-              </a:spcBef>
-              <a:buNone/>
-            </a:pPr>
-            <a:endParaRPr/>
+            <a:endParaRPr dirty="0"/>
           </a:p>
         </p:txBody>
       </p:sp>
@@ -5350,6 +5578,66 @@
           </a:p>
         </p:txBody>
       </p:sp>
+      <p:pic>
+        <p:nvPicPr>
+          <p:cNvPr id="3" name="Picture 2"/>
+          <p:cNvPicPr>
+            <a:picLocks noChangeAspect="1"/>
+          </p:cNvPicPr>
+          <p:nvPr/>
+        </p:nvPicPr>
+        <p:blipFill>
+          <a:blip r:embed="rId4" cstate="screen">
+            <a:extLst>
+              <a:ext uri="{28A0092B-C50C-407E-A947-70E740481C1C}">
+                <a14:useLocalDpi xmlns:a14="http://schemas.microsoft.com/office/drawing/2010/main"/>
+              </a:ext>
+            </a:extLst>
+          </a:blip>
+          <a:stretch>
+            <a:fillRect/>
+          </a:stretch>
+        </p:blipFill>
+        <p:spPr>
+          <a:xfrm>
+            <a:off x="5486400" y="1286475"/>
+            <a:ext cx="3200400" cy="2133600"/>
+          </a:xfrm>
+          <a:prstGeom prst="rect">
+            <a:avLst/>
+          </a:prstGeom>
+        </p:spPr>
+      </p:pic>
+      <p:pic>
+        <p:nvPicPr>
+          <p:cNvPr id="4" name="Picture 3"/>
+          <p:cNvPicPr>
+            <a:picLocks noChangeAspect="1"/>
+          </p:cNvPicPr>
+          <p:nvPr/>
+        </p:nvPicPr>
+        <p:blipFill>
+          <a:blip r:embed="rId5" cstate="screen">
+            <a:extLst>
+              <a:ext uri="{28A0092B-C50C-407E-A947-70E740481C1C}">
+                <a14:useLocalDpi xmlns:a14="http://schemas.microsoft.com/office/drawing/2010/main"/>
+              </a:ext>
+            </a:extLst>
+          </a:blip>
+          <a:stretch>
+            <a:fillRect/>
+          </a:stretch>
+        </p:blipFill>
+        <p:spPr>
+          <a:xfrm>
+            <a:off x="457200" y="1304475"/>
+            <a:ext cx="3200400" cy="2133600"/>
+          </a:xfrm>
+          <a:prstGeom prst="rect">
+            <a:avLst/>
+          </a:prstGeom>
+        </p:spPr>
+      </p:pic>
     </p:spTree>
   </p:cSld>
   <p:clrMapOvr>
@@ -5358,6 +5646,13 @@
   <p:transition spd="slow">
     <p:cut/>
   </p:transition>
+  <p:timing>
+    <p:tnLst>
+      <p:par>
+        <p:cTn id="1" dur="indefinite" restart="never" nodeType="tmRoot"/>
+      </p:par>
+    </p:tnLst>
+  </p:timing>
 </p:sld>
 </file>
 
@@ -5385,8 +5680,12 @@
           <p:nvPr/>
         </p:nvPicPr>
         <p:blipFill>
-          <a:blip r:embed="rId3">
-            <a:alphaModFix/>
+          <a:blip r:embed="rId3" cstate="screen">
+            <a:extLst>
+              <a:ext uri="{28A0092B-C50C-407E-A947-70E740481C1C}">
+                <a14:useLocalDpi xmlns:a14="http://schemas.microsoft.com/office/drawing/2010/main"/>
+              </a:ext>
+            </a:extLst>
           </a:blip>
           <a:stretch>
             <a:fillRect/>
@@ -5394,8 +5693,8 @@
         </p:blipFill>
         <p:spPr>
           <a:xfrm>
-            <a:off x="2323675" y="1037800"/>
-            <a:ext cx="4097149" cy="3211175"/>
+            <a:off x="0" y="1193369"/>
+            <a:ext cx="9144000" cy="2696706"/>
           </a:xfrm>
           <a:prstGeom prst="rect">
             <a:avLst/>
@@ -5406,6 +5705,41 @@
           </a:ln>
         </p:spPr>
       </p:pic>
+      <p:sp>
+        <p:nvSpPr>
+          <p:cNvPr id="2" name="Title 1"/>
+          <p:cNvSpPr>
+            <a:spLocks noGrp="1"/>
+          </p:cNvSpPr>
+          <p:nvPr>
+            <p:ph type="title"/>
+          </p:nvPr>
+        </p:nvSpPr>
+        <p:spPr/>
+        <p:txBody>
+          <a:bodyPr/>
+          <a:lstStyle/>
+          <a:p>
+            <a:r>
+              <a:rPr lang="en-US" sz="3000" dirty="0"/>
+              <a:t>Site 2: Panorama Output </a:t>
+            </a:r>
+            <a:r>
+              <a:rPr lang="en-US" sz="1600" dirty="0" smtClean="0"/>
+              <a:t>(</a:t>
+            </a:r>
+            <a:r>
+              <a:rPr lang="en-US" sz="1600" dirty="0"/>
+              <a:t>aspect ratio not preserved</a:t>
+            </a:r>
+            <a:r>
+              <a:rPr lang="en-US" sz="1600" dirty="0" smtClean="0"/>
+              <a:t>)</a:t>
+            </a:r>
+            <a:endParaRPr lang="en-US" sz="1600" dirty="0"/>
+          </a:p>
+        </p:txBody>
+      </p:sp>
       <p:sp>
         <p:nvSpPr>
           <p:cNvPr id="73" name="Shape 73"/>
@@ -5418,8 +5752,8 @@
         </p:nvSpPr>
         <p:spPr>
           <a:xfrm>
-            <a:off x="2988225" y="329100"/>
-            <a:ext cx="2475600" cy="431700"/>
+            <a:off x="457200" y="4020066"/>
+            <a:ext cx="8229600" cy="905783"/>
           </a:xfrm>
           <a:prstGeom prst="rect">
             <a:avLst/>
@@ -5431,63 +5765,71 @@
           </a:bodyPr>
           <a:lstStyle/>
           <a:p>
-            <a:pPr rtl="0">
-              <a:spcBef>
-                <a:spcPts val="0"/>
-              </a:spcBef>
-              <a:buNone/>
-            </a:pPr>
-            <a:r>
-              <a:rPr lang="en"/>
-              <a:t>Your Panorama</a:t>
-            </a:r>
-          </a:p>
-          <a:p>
-            <a:pPr lvl="0" rtl="0">
-              <a:spcBef>
-                <a:spcPts val="0"/>
-              </a:spcBef>
-              <a:buNone/>
-            </a:pPr>
-            <a:endParaRPr/>
-          </a:p>
-        </p:txBody>
-      </p:sp>
-      <p:sp>
-        <p:nvSpPr>
-          <p:cNvPr id="74" name="Shape 74"/>
-          <p:cNvSpPr txBox="1"/>
-          <p:nvPr/>
-        </p:nvSpPr>
-        <p:spPr>
-          <a:xfrm>
-            <a:off x="2554100" y="4356000"/>
-            <a:ext cx="3636300" cy="491700"/>
-          </a:xfrm>
-          <a:prstGeom prst="rect">
-            <a:avLst/>
-          </a:prstGeom>
-          <a:noFill/>
-          <a:ln>
-            <a:noFill/>
-          </a:ln>
-        </p:spPr>
-        <p:txBody>
-          <a:bodyPr lIns="91425" tIns="91425" rIns="91425" bIns="91425" anchor="t" anchorCtr="0">
-            <a:noAutofit/>
-          </a:bodyPr>
-          <a:lstStyle/>
-          <a:p>
-            <a:pPr lvl="0" rtl="0">
-              <a:spcBef>
-                <a:spcPts val="0"/>
-              </a:spcBef>
-              <a:buNone/>
-            </a:pPr>
-            <a:r>
-              <a:rPr lang="en"/>
-              <a:t>Share a link to it. Make sure it is accessible via this link</a:t>
-            </a:r>
+            <a:r>
+              <a:rPr lang="en-US" sz="1400" b="1" dirty="0"/>
+              <a:t>High res: </a:t>
+            </a:r>
+            <a:r>
+              <a:rPr lang="en-US" sz="1400" b="1" dirty="0">
+                <a:hlinkClick r:id="rId4"/>
+              </a:rPr>
+              <a:t>https://</a:t>
+            </a:r>
+            <a:r>
+              <a:rPr lang="en-US" sz="1400" b="1" dirty="0" smtClean="0">
+                <a:hlinkClick r:id="rId4"/>
+              </a:rPr>
+              <a:t>drive.google.com/file/d/0B-9-oKYR8vK2dG16QmlJN2tGekE/view?usp=sharing</a:t>
+            </a:r>
+            <a:endParaRPr lang="en-US" sz="1400" b="1" dirty="0" smtClean="0"/>
+          </a:p>
+          <a:p>
+            <a:r>
+              <a:rPr lang="en-US" sz="1400" b="1" dirty="0" smtClean="0"/>
+              <a:t>Photosynth</a:t>
+            </a:r>
+            <a:r>
+              <a:rPr lang="en-US" sz="1400" b="1" dirty="0"/>
+              <a:t>: </a:t>
+            </a:r>
+            <a:r>
+              <a:rPr lang="en-US" sz="1400" b="1" dirty="0">
+                <a:hlinkClick r:id="rId5"/>
+              </a:rPr>
+              <a:t>https://</a:t>
+            </a:r>
+            <a:r>
+              <a:rPr lang="en-US" sz="1400" b="1" dirty="0" smtClean="0">
+                <a:hlinkClick r:id="rId5"/>
+              </a:rPr>
+              <a:t>photosynth.net/view.aspx?cid=145bf411-bc03-42f6-ade2-9feeb05889f3</a:t>
+            </a:r>
+            <a:endParaRPr lang="en-US" sz="1400" b="1" dirty="0" smtClean="0"/>
+          </a:p>
+          <a:p>
+            <a:r>
+              <a:rPr lang="en-US" sz="1400" b="1" dirty="0" smtClean="0"/>
+              <a:t>Photosynth 3D: </a:t>
+            </a:r>
+            <a:r>
+              <a:rPr lang="en-US" sz="1400" b="1" dirty="0">
+                <a:hlinkClick r:id="rId6"/>
+              </a:rPr>
+              <a:t>https://</a:t>
+            </a:r>
+            <a:r>
+              <a:rPr lang="en-US" sz="1400" b="1" dirty="0" smtClean="0">
+                <a:hlinkClick r:id="rId6"/>
+              </a:rPr>
+              <a:t>photosynth.net/preview/view/ac66ea6f-e3e2-4dcc-90fa-7f15ad819541</a:t>
+            </a:r>
+            <a:endParaRPr lang="en-US" sz="1400" b="1" dirty="0" smtClean="0"/>
+          </a:p>
+          <a:p>
+            <a:endParaRPr lang="en-US" sz="1400" b="1" dirty="0"/>
+          </a:p>
+          <a:p>
+            <a:endParaRPr lang="en-US" sz="1600" b="1" dirty="0" smtClean="0"/>
           </a:p>
         </p:txBody>
       </p:sp>
@@ -5541,6 +5883,13 @@
   <p:transition spd="slow">
     <p:cut/>
   </p:transition>
+  <p:timing>
+    <p:tnLst>
+      <p:par>
+        <p:cTn id="1" dur="indefinite" restart="never" nodeType="tmRoot"/>
+      </p:par>
+    </p:tnLst>
+  </p:timing>
 </p:sld>
 </file>
 
@@ -5731,6 +6080,13 @@
   <p:transition spd="slow">
     <p:cut/>
   </p:transition>
+  <p:timing>
+    <p:tnLst>
+      <p:par>
+        <p:cTn id="1" dur="indefinite" restart="never" nodeType="tmRoot"/>
+      </p:par>
+    </p:tnLst>
+  </p:timing>
 </p:sld>
 </file>
 
@@ -5891,6 +6247,13 @@
   <p:transition spd="slow">
     <p:cut/>
   </p:transition>
+  <p:timing>
+    <p:tnLst>
+      <p:par>
+        <p:cTn id="1" dur="indefinite" restart="never" nodeType="tmRoot"/>
+      </p:par>
+    </p:tnLst>
+  </p:timing>
 </p:sld>
 </file>
 
